--- a/wifi6-cac-research/Paper/presentation.pptx
+++ b/wifi6-cac-research/Paper/presentation.pptx
@@ -1,36 +1,31 @@
 
 <file path=ppt/presentation.xml><?xml version="1.0" encoding="utf-8"?>
-<p:presentation xmlns:a="http://schemas.openxmlformats.org/drawingml/2006/main" xmlns:p="http://schemas.openxmlformats.org/presentationml/2006/main" xmlns:r="http://schemas.openxmlformats.org/officeDocument/2006/relationships" autoCompressPictures="0" saveSubsetFonts="1">
+<p:presentation xmlns:a="http://schemas.openxmlformats.org/drawingml/2006/main" xmlns:r="http://schemas.openxmlformats.org/officeDocument/2006/relationships" xmlns:p="http://schemas.openxmlformats.org/presentationml/2006/main" saveSubsetFonts="1" autoCompressPictures="0">
   <p:sldMasterIdLst>
     <p:sldMasterId id="2147483648" r:id="rId1"/>
   </p:sldMasterIdLst>
   <p:sldIdLst>
-    <p:sldId id="256" r:id="rId2"/>
-    <p:sldId id="257" r:id="rId3"/>
-    <p:sldId id="258" r:id="rId4"/>
-    <p:sldId id="259" r:id="rId5"/>
-    <p:sldId id="260" r:id="rId6"/>
-    <p:sldId id="261" r:id="rId7"/>
-    <p:sldId id="262" r:id="rId8"/>
-    <p:sldId id="263" r:id="rId9"/>
-    <p:sldId id="264" r:id="rId10"/>
-    <p:sldId id="265" r:id="rId11"/>
-    <p:sldId id="266" r:id="rId12"/>
-    <p:sldId id="267" r:id="rId13"/>
-    <p:sldId id="268" r:id="rId14"/>
-    <p:sldId id="269" r:id="rId15"/>
-    <p:sldId id="270" r:id="rId16"/>
-    <p:sldId id="271" r:id="rId17"/>
-    <p:sldId id="272" r:id="rId18"/>
+    <p:sldId id="256" r:id="rId7"/>
+    <p:sldId id="257" r:id="rId8"/>
+    <p:sldId id="258" r:id="rId9"/>
+    <p:sldId id="259" r:id="rId10"/>
+    <p:sldId id="260" r:id="rId11"/>
+    <p:sldId id="261" r:id="rId12"/>
+    <p:sldId id="262" r:id="rId13"/>
+    <p:sldId id="263" r:id="rId14"/>
+    <p:sldId id="264" r:id="rId15"/>
+    <p:sldId id="265" r:id="rId16"/>
+    <p:sldId id="266" r:id="rId17"/>
+    <p:sldId id="267" r:id="rId18"/>
   </p:sldIdLst>
-  <p:sldSz cx="9144000" cy="5143500" type="screen16x9"/>
+  <p:sldSz cx="9144000" cy="6858000" type="screen4x3"/>
   <p:notesSz cx="6858000" cy="9144000"/>
   <p:defaultTextStyle>
     <a:defPPr>
       <a:defRPr lang="en-US"/>
     </a:defPPr>
-    <a:lvl1pPr algn="l" defTabSz="457200" eaLnBrk="1" hangingPunct="1" latinLnBrk="0" marL="0" rtl="0">
-      <a:defRPr kern="1200" sz="1800">
+    <a:lvl1pPr marL="0" algn="l" defTabSz="457200" rtl="0" eaLnBrk="1" latinLnBrk="0" hangingPunct="1">
+      <a:defRPr sz="1800" kern="1200">
         <a:solidFill>
           <a:schemeClr val="tx1"/>
         </a:solidFill>
@@ -39,8 +34,8 @@
         <a:cs typeface="+mn-cs"/>
       </a:defRPr>
     </a:lvl1pPr>
-    <a:lvl2pPr algn="l" defTabSz="457200" eaLnBrk="1" hangingPunct="1" latinLnBrk="0" marL="457200" rtl="0">
-      <a:defRPr kern="1200" sz="1800">
+    <a:lvl2pPr marL="457200" algn="l" defTabSz="457200" rtl="0" eaLnBrk="1" latinLnBrk="0" hangingPunct="1">
+      <a:defRPr sz="1800" kern="1200">
         <a:solidFill>
           <a:schemeClr val="tx1"/>
         </a:solidFill>
@@ -49,8 +44,8 @@
         <a:cs typeface="+mn-cs"/>
       </a:defRPr>
     </a:lvl2pPr>
-    <a:lvl3pPr algn="l" defTabSz="457200" eaLnBrk="1" hangingPunct="1" latinLnBrk="0" marL="914400" rtl="0">
-      <a:defRPr kern="1200" sz="1800">
+    <a:lvl3pPr marL="914400" algn="l" defTabSz="457200" rtl="0" eaLnBrk="1" latinLnBrk="0" hangingPunct="1">
+      <a:defRPr sz="1800" kern="1200">
         <a:solidFill>
           <a:schemeClr val="tx1"/>
         </a:solidFill>
@@ -59,8 +54,8 @@
         <a:cs typeface="+mn-cs"/>
       </a:defRPr>
     </a:lvl3pPr>
-    <a:lvl4pPr algn="l" defTabSz="457200" eaLnBrk="1" hangingPunct="1" latinLnBrk="0" marL="1371600" rtl="0">
-      <a:defRPr kern="1200" sz="1800">
+    <a:lvl4pPr marL="1371600" algn="l" defTabSz="457200" rtl="0" eaLnBrk="1" latinLnBrk="0" hangingPunct="1">
+      <a:defRPr sz="1800" kern="1200">
         <a:solidFill>
           <a:schemeClr val="tx1"/>
         </a:solidFill>
@@ -69,8 +64,8 @@
         <a:cs typeface="+mn-cs"/>
       </a:defRPr>
     </a:lvl4pPr>
-    <a:lvl5pPr algn="l" defTabSz="457200" eaLnBrk="1" hangingPunct="1" latinLnBrk="0" marL="1828800" rtl="0">
-      <a:defRPr kern="1200" sz="1800">
+    <a:lvl5pPr marL="1828800" algn="l" defTabSz="457200" rtl="0" eaLnBrk="1" latinLnBrk="0" hangingPunct="1">
+      <a:defRPr sz="1800" kern="1200">
         <a:solidFill>
           <a:schemeClr val="tx1"/>
         </a:solidFill>
@@ -79,8 +74,8 @@
         <a:cs typeface="+mn-cs"/>
       </a:defRPr>
     </a:lvl5pPr>
-    <a:lvl6pPr algn="l" defTabSz="457200" eaLnBrk="1" hangingPunct="1" latinLnBrk="0" marL="2286000" rtl="0">
-      <a:defRPr kern="1200" sz="1800">
+    <a:lvl6pPr marL="2286000" algn="l" defTabSz="457200" rtl="0" eaLnBrk="1" latinLnBrk="0" hangingPunct="1">
+      <a:defRPr sz="1800" kern="1200">
         <a:solidFill>
           <a:schemeClr val="tx1"/>
         </a:solidFill>
@@ -89,8 +84,8 @@
         <a:cs typeface="+mn-cs"/>
       </a:defRPr>
     </a:lvl6pPr>
-    <a:lvl7pPr algn="l" defTabSz="457200" eaLnBrk="1" hangingPunct="1" latinLnBrk="0" marL="2743200" rtl="0">
-      <a:defRPr kern="1200" sz="1800">
+    <a:lvl7pPr marL="2743200" algn="l" defTabSz="457200" rtl="0" eaLnBrk="1" latinLnBrk="0" hangingPunct="1">
+      <a:defRPr sz="1800" kern="1200">
         <a:solidFill>
           <a:schemeClr val="tx1"/>
         </a:solidFill>
@@ -99,8 +94,8 @@
         <a:cs typeface="+mn-cs"/>
       </a:defRPr>
     </a:lvl7pPr>
-    <a:lvl8pPr algn="l" defTabSz="457200" eaLnBrk="1" hangingPunct="1" latinLnBrk="0" marL="3200400" rtl="0">
-      <a:defRPr kern="1200" sz="1800">
+    <a:lvl8pPr marL="3200400" algn="l" defTabSz="457200" rtl="0" eaLnBrk="1" latinLnBrk="0" hangingPunct="1">
+      <a:defRPr sz="1800" kern="1200">
         <a:solidFill>
           <a:schemeClr val="tx1"/>
         </a:solidFill>
@@ -109,8 +104,8 @@
         <a:cs typeface="+mn-cs"/>
       </a:defRPr>
     </a:lvl8pPr>
-    <a:lvl9pPr algn="l" defTabSz="457200" eaLnBrk="1" hangingPunct="1" latinLnBrk="0" marL="3657600" rtl="0">
-      <a:defRPr kern="1200" sz="1800">
+    <a:lvl9pPr marL="3657600" algn="l" defTabSz="457200" rtl="0" eaLnBrk="1" latinLnBrk="0" hangingPunct="1">
+      <a:defRPr sz="1800" kern="1200">
         <a:solidFill>
           <a:schemeClr val="tx1"/>
         </a:solidFill>
@@ -120,22 +115,6 @@
       </a:defRPr>
     </a:lvl9pPr>
   </p:defaultTextStyle>
-  <p:extLst>
-    <p:ext uri="{EFAFB233-063F-42B5-8137-9DF3F51BA10A}">
-      <p15:sldGuideLst xmlns:p15="http://schemas.microsoft.com/office/powerpoint/2012/main">
-        <p15:guide id="1" orient="horz" pos="1620" userDrawn="1">
-          <p15:clr>
-            <a:srgbClr val="A4A3A4"/>
-          </p15:clr>
-        </p15:guide>
-        <p15:guide id="2" pos="2880" userDrawn="1">
-          <p15:clr>
-            <a:srgbClr val="A4A3A4"/>
-          </p15:clr>
-        </p15:guide>
-      </p15:sldGuideLst>
-    </p:ext>
-  </p:extLst>
 </p:presentation>
 </file>
 
@@ -168,8 +147,8 @@
         </p:nvSpPr>
         <p:spPr>
           <a:xfrm>
-            <a:off x="685800" y="1597819"/>
-            <a:ext cx="7772400" cy="1102519"/>
+            <a:off x="685800" y="2130425"/>
+            <a:ext cx="7772400" cy="1470025"/>
           </a:xfrm>
         </p:spPr>
         <p:txBody>
@@ -177,9 +156,10 @@
           <a:lstStyle/>
           <a:p>
             <a:r>
-              <a:rPr lang="en-US"/>
+              <a:rPr lang="en-US" smtClean="0"/>
               <a:t>Click to edit Master title style</a:t>
             </a:r>
+            <a:endParaRPr lang="en-US"/>
           </a:p>
         </p:txBody>
       </p:sp>
@@ -195,8 +175,8 @@
         </p:nvSpPr>
         <p:spPr>
           <a:xfrm>
-            <a:off x="1371600" y="2914650"/>
-            <a:ext cx="6400800" cy="1314450"/>
+            <a:off x="1371600" y="3886200"/>
+            <a:ext cx="6400800" cy="1752600"/>
           </a:xfrm>
         </p:spPr>
         <p:txBody>
@@ -212,7 +192,7 @@
                 </a:solidFill>
               </a:defRPr>
             </a:lvl1pPr>
-            <a:lvl2pPr marL="342900" indent="0" algn="ctr">
+            <a:lvl2pPr marL="457200" indent="0" algn="ctr">
               <a:buNone/>
               <a:defRPr>
                 <a:solidFill>
@@ -222,7 +202,7 @@
                 </a:solidFill>
               </a:defRPr>
             </a:lvl2pPr>
-            <a:lvl3pPr marL="685800" indent="0" algn="ctr">
+            <a:lvl3pPr marL="914400" indent="0" algn="ctr">
               <a:buNone/>
               <a:defRPr>
                 <a:solidFill>
@@ -232,7 +212,7 @@
                 </a:solidFill>
               </a:defRPr>
             </a:lvl3pPr>
-            <a:lvl4pPr marL="1028700" indent="0" algn="ctr">
+            <a:lvl4pPr marL="1371600" indent="0" algn="ctr">
               <a:buNone/>
               <a:defRPr>
                 <a:solidFill>
@@ -242,7 +222,7 @@
                 </a:solidFill>
               </a:defRPr>
             </a:lvl4pPr>
-            <a:lvl5pPr marL="1371600" indent="0" algn="ctr">
+            <a:lvl5pPr marL="1828800" indent="0" algn="ctr">
               <a:buNone/>
               <a:defRPr>
                 <a:solidFill>
@@ -252,7 +232,7 @@
                 </a:solidFill>
               </a:defRPr>
             </a:lvl5pPr>
-            <a:lvl6pPr marL="1714500" indent="0" algn="ctr">
+            <a:lvl6pPr marL="2286000" indent="0" algn="ctr">
               <a:buNone/>
               <a:defRPr>
                 <a:solidFill>
@@ -262,7 +242,7 @@
                 </a:solidFill>
               </a:defRPr>
             </a:lvl6pPr>
-            <a:lvl7pPr marL="2057400" indent="0" algn="ctr">
+            <a:lvl7pPr marL="2743200" indent="0" algn="ctr">
               <a:buNone/>
               <a:defRPr>
                 <a:solidFill>
@@ -272,7 +252,7 @@
                 </a:solidFill>
               </a:defRPr>
             </a:lvl7pPr>
-            <a:lvl8pPr marL="2400300" indent="0" algn="ctr">
+            <a:lvl8pPr marL="3200400" indent="0" algn="ctr">
               <a:buNone/>
               <a:defRPr>
                 <a:solidFill>
@@ -282,7 +262,7 @@
                 </a:solidFill>
               </a:defRPr>
             </a:lvl8pPr>
-            <a:lvl9pPr marL="2743200" indent="0" algn="ctr">
+            <a:lvl9pPr marL="3657600" indent="0" algn="ctr">
               <a:buNone/>
               <a:defRPr>
                 <a:solidFill>
@@ -295,9 +275,10 @@
           </a:lstStyle>
           <a:p>
             <a:r>
-              <a:rPr lang="en-US"/>
+              <a:rPr lang="en-US" smtClean="0"/>
               <a:t>Click to edit Master subtitle style</a:t>
             </a:r>
+            <a:endParaRPr lang="en-US"/>
           </a:p>
         </p:txBody>
       </p:sp>
@@ -316,9 +297,9 @@
           <a:bodyPr/>
           <a:lstStyle/>
           <a:p>
-            <a:fld id="{241EB5C9-1307-BA42-ABA2-0BC069CD8E7F}" type="datetimeFigureOut">
-              <a:rPr lang="en-US" smtClean="0"/>
-              <a:t>1/2/22</a:t>
+            <a:fld id="{5BCAD085-E8A6-8845-BD4E-CB4CCA059FC4}" type="datetimeFigureOut">
+              <a:rPr lang="en-US" smtClean="0"/>
+              <a:t>1/27/13</a:t>
             </a:fld>
             <a:endParaRPr lang="en-US"/>
           </a:p>
@@ -358,7 +339,7 @@
           <a:bodyPr/>
           <a:lstStyle/>
           <a:p>
-            <a:fld id="{C5EF2332-01BF-834F-8236-50238282D533}" type="slidenum">
+            <a:fld id="{C1FF6DA9-008F-8B48-92A6-B652298478BF}" type="slidenum">
               <a:rPr lang="en-US" smtClean="0"/>
               <a:t>‹#›</a:t>
             </a:fld>
@@ -369,7 +350,7 @@
     </p:spTree>
     <p:extLst>
       <p:ext uri="{BB962C8B-B14F-4D97-AF65-F5344CB8AC3E}">
-        <p14:creationId xmlns:p14="http://schemas.microsoft.com/office/powerpoint/2010/main" val="1444357513"/>
+        <p14:creationId xmlns:p14="http://schemas.microsoft.com/office/powerpoint/2010/main" val="3168075583"/>
       </p:ext>
     </p:extLst>
   </p:cSld>
@@ -412,9 +393,10 @@
           <a:lstStyle/>
           <a:p>
             <a:r>
-              <a:rPr lang="en-US"/>
+              <a:rPr lang="en-US" smtClean="0"/>
               <a:t>Click to edit Master title style</a:t>
             </a:r>
+            <a:endParaRPr lang="en-US"/>
           </a:p>
         </p:txBody>
       </p:sp>
@@ -435,37 +417,38 @@
           <a:p>
             <a:pPr lvl="0"/>
             <a:r>
-              <a:rPr lang="en-US"/>
+              <a:rPr lang="en-US" smtClean="0"/>
               <a:t>Click to edit Master text styles</a:t>
             </a:r>
           </a:p>
           <a:p>
             <a:pPr lvl="1"/>
             <a:r>
-              <a:rPr lang="en-US"/>
+              <a:rPr lang="en-US" smtClean="0"/>
               <a:t>Second level</a:t>
             </a:r>
           </a:p>
           <a:p>
             <a:pPr lvl="2"/>
             <a:r>
-              <a:rPr lang="en-US"/>
+              <a:rPr lang="en-US" smtClean="0"/>
               <a:t>Third level</a:t>
             </a:r>
           </a:p>
           <a:p>
             <a:pPr lvl="3"/>
             <a:r>
-              <a:rPr lang="en-US"/>
+              <a:rPr lang="en-US" smtClean="0"/>
               <a:t>Fourth level</a:t>
             </a:r>
           </a:p>
           <a:p>
             <a:pPr lvl="4"/>
             <a:r>
-              <a:rPr lang="en-US"/>
+              <a:rPr lang="en-US" smtClean="0"/>
               <a:t>Fifth level</a:t>
             </a:r>
+            <a:endParaRPr lang="en-US"/>
           </a:p>
         </p:txBody>
       </p:sp>
@@ -484,9 +467,9 @@
           <a:bodyPr/>
           <a:lstStyle/>
           <a:p>
-            <a:fld id="{241EB5C9-1307-BA42-ABA2-0BC069CD8E7F}" type="datetimeFigureOut">
-              <a:rPr lang="en-US" smtClean="0"/>
-              <a:t>1/2/22</a:t>
+            <a:fld id="{5BCAD085-E8A6-8845-BD4E-CB4CCA059FC4}" type="datetimeFigureOut">
+              <a:rPr lang="en-US" smtClean="0"/>
+              <a:t>1/27/13</a:t>
             </a:fld>
             <a:endParaRPr lang="en-US"/>
           </a:p>
@@ -526,7 +509,7 @@
           <a:bodyPr/>
           <a:lstStyle/>
           <a:p>
-            <a:fld id="{C5EF2332-01BF-834F-8236-50238282D533}" type="slidenum">
+            <a:fld id="{C1FF6DA9-008F-8B48-92A6-B652298478BF}" type="slidenum">
               <a:rPr lang="en-US" smtClean="0"/>
               <a:t>‹#›</a:t>
             </a:fld>
@@ -537,7 +520,7 @@
     </p:spTree>
     <p:extLst>
       <p:ext uri="{BB962C8B-B14F-4D97-AF65-F5344CB8AC3E}">
-        <p14:creationId xmlns:p14="http://schemas.microsoft.com/office/powerpoint/2010/main" val="313914798"/>
+        <p14:creationId xmlns:p14="http://schemas.microsoft.com/office/powerpoint/2010/main" val="2910927964"/>
       </p:ext>
     </p:extLst>
   </p:cSld>
@@ -576,8 +559,8 @@
         </p:nvSpPr>
         <p:spPr>
           <a:xfrm>
-            <a:off x="6629400" y="205979"/>
-            <a:ext cx="2057400" cy="4388644"/>
+            <a:off x="6629400" y="274638"/>
+            <a:ext cx="2057400" cy="5851525"/>
           </a:xfrm>
         </p:spPr>
         <p:txBody>
@@ -585,9 +568,10 @@
           <a:lstStyle/>
           <a:p>
             <a:r>
-              <a:rPr lang="en-US"/>
+              <a:rPr lang="en-US" smtClean="0"/>
               <a:t>Click to edit Master title style</a:t>
             </a:r>
+            <a:endParaRPr lang="en-US"/>
           </a:p>
         </p:txBody>
       </p:sp>
@@ -603,8 +587,8 @@
         </p:nvSpPr>
         <p:spPr>
           <a:xfrm>
-            <a:off x="457200" y="205979"/>
-            <a:ext cx="6019800" cy="4388644"/>
+            <a:off x="457200" y="274638"/>
+            <a:ext cx="6019800" cy="5851525"/>
           </a:xfrm>
         </p:spPr>
         <p:txBody>
@@ -613,37 +597,38 @@
           <a:p>
             <a:pPr lvl="0"/>
             <a:r>
-              <a:rPr lang="en-US"/>
+              <a:rPr lang="en-US" smtClean="0"/>
               <a:t>Click to edit Master text styles</a:t>
             </a:r>
           </a:p>
           <a:p>
             <a:pPr lvl="1"/>
             <a:r>
-              <a:rPr lang="en-US"/>
+              <a:rPr lang="en-US" smtClean="0"/>
               <a:t>Second level</a:t>
             </a:r>
           </a:p>
           <a:p>
             <a:pPr lvl="2"/>
             <a:r>
-              <a:rPr lang="en-US"/>
+              <a:rPr lang="en-US" smtClean="0"/>
               <a:t>Third level</a:t>
             </a:r>
           </a:p>
           <a:p>
             <a:pPr lvl="3"/>
             <a:r>
-              <a:rPr lang="en-US"/>
+              <a:rPr lang="en-US" smtClean="0"/>
               <a:t>Fourth level</a:t>
             </a:r>
           </a:p>
           <a:p>
             <a:pPr lvl="4"/>
             <a:r>
-              <a:rPr lang="en-US"/>
+              <a:rPr lang="en-US" smtClean="0"/>
               <a:t>Fifth level</a:t>
             </a:r>
+            <a:endParaRPr lang="en-US"/>
           </a:p>
         </p:txBody>
       </p:sp>
@@ -662,9 +647,9 @@
           <a:bodyPr/>
           <a:lstStyle/>
           <a:p>
-            <a:fld id="{241EB5C9-1307-BA42-ABA2-0BC069CD8E7F}" type="datetimeFigureOut">
-              <a:rPr lang="en-US" smtClean="0"/>
-              <a:t>1/2/22</a:t>
+            <a:fld id="{5BCAD085-E8A6-8845-BD4E-CB4CCA059FC4}" type="datetimeFigureOut">
+              <a:rPr lang="en-US" smtClean="0"/>
+              <a:t>1/27/13</a:t>
             </a:fld>
             <a:endParaRPr lang="en-US"/>
           </a:p>
@@ -704,7 +689,7 @@
           <a:bodyPr/>
           <a:lstStyle/>
           <a:p>
-            <a:fld id="{C5EF2332-01BF-834F-8236-50238282D533}" type="slidenum">
+            <a:fld id="{C1FF6DA9-008F-8B48-92A6-B652298478BF}" type="slidenum">
               <a:rPr lang="en-US" smtClean="0"/>
               <a:t>‹#›</a:t>
             </a:fld>
@@ -715,7 +700,7 @@
     </p:spTree>
     <p:extLst>
       <p:ext uri="{BB962C8B-B14F-4D97-AF65-F5344CB8AC3E}">
-        <p14:creationId xmlns:p14="http://schemas.microsoft.com/office/powerpoint/2010/main" val="2581529045"/>
+        <p14:creationId xmlns:p14="http://schemas.microsoft.com/office/powerpoint/2010/main" val="3612223792"/>
       </p:ext>
     </p:extLst>
   </p:cSld>
@@ -758,9 +743,10 @@
           <a:lstStyle/>
           <a:p>
             <a:r>
-              <a:rPr lang="en-US"/>
+              <a:rPr lang="en-US" smtClean="0"/>
               <a:t>Click to edit Master title style</a:t>
             </a:r>
+            <a:endParaRPr lang="en-US"/>
           </a:p>
         </p:txBody>
       </p:sp>
@@ -781,37 +767,38 @@
           <a:p>
             <a:pPr lvl="0"/>
             <a:r>
-              <a:rPr lang="en-US"/>
+              <a:rPr lang="en-US" smtClean="0"/>
               <a:t>Click to edit Master text styles</a:t>
             </a:r>
           </a:p>
           <a:p>
             <a:pPr lvl="1"/>
             <a:r>
-              <a:rPr lang="en-US"/>
+              <a:rPr lang="en-US" smtClean="0"/>
               <a:t>Second level</a:t>
             </a:r>
           </a:p>
           <a:p>
             <a:pPr lvl="2"/>
             <a:r>
-              <a:rPr lang="en-US"/>
+              <a:rPr lang="en-US" smtClean="0"/>
               <a:t>Third level</a:t>
             </a:r>
           </a:p>
           <a:p>
             <a:pPr lvl="3"/>
             <a:r>
-              <a:rPr lang="en-US"/>
+              <a:rPr lang="en-US" smtClean="0"/>
               <a:t>Fourth level</a:t>
             </a:r>
           </a:p>
           <a:p>
             <a:pPr lvl="4"/>
             <a:r>
-              <a:rPr lang="en-US"/>
+              <a:rPr lang="en-US" smtClean="0"/>
               <a:t>Fifth level</a:t>
             </a:r>
+            <a:endParaRPr lang="en-US"/>
           </a:p>
         </p:txBody>
       </p:sp>
@@ -830,9 +817,9 @@
           <a:bodyPr/>
           <a:lstStyle/>
           <a:p>
-            <a:fld id="{241EB5C9-1307-BA42-ABA2-0BC069CD8E7F}" type="datetimeFigureOut">
-              <a:rPr lang="en-US" smtClean="0"/>
-              <a:t>1/2/22</a:t>
+            <a:fld id="{5BCAD085-E8A6-8845-BD4E-CB4CCA059FC4}" type="datetimeFigureOut">
+              <a:rPr lang="en-US" smtClean="0"/>
+              <a:t>1/27/13</a:t>
             </a:fld>
             <a:endParaRPr lang="en-US"/>
           </a:p>
@@ -872,7 +859,7 @@
           <a:bodyPr/>
           <a:lstStyle/>
           <a:p>
-            <a:fld id="{C5EF2332-01BF-834F-8236-50238282D533}" type="slidenum">
+            <a:fld id="{C1FF6DA9-008F-8B48-92A6-B652298478BF}" type="slidenum">
               <a:rPr lang="en-US" smtClean="0"/>
               <a:t>‹#›</a:t>
             </a:fld>
@@ -883,7 +870,7 @@
     </p:spTree>
     <p:extLst>
       <p:ext uri="{BB962C8B-B14F-4D97-AF65-F5344CB8AC3E}">
-        <p14:creationId xmlns:p14="http://schemas.microsoft.com/office/powerpoint/2010/main" val="338346009"/>
+        <p14:creationId xmlns:p14="http://schemas.microsoft.com/office/powerpoint/2010/main" val="2614314258"/>
       </p:ext>
     </p:extLst>
   </p:cSld>
@@ -922,22 +909,23 @@
         </p:nvSpPr>
         <p:spPr>
           <a:xfrm>
-            <a:off x="722313" y="3305176"/>
-            <a:ext cx="7772400" cy="1021556"/>
+            <a:off x="722313" y="4406900"/>
+            <a:ext cx="7772400" cy="1362075"/>
           </a:xfrm>
         </p:spPr>
         <p:txBody>
           <a:bodyPr anchor="t"/>
           <a:lstStyle>
             <a:lvl1pPr algn="l">
-              <a:defRPr sz="3000" b="1" cap="all"/>
+              <a:defRPr sz="4000" b="1" cap="all"/>
             </a:lvl1pPr>
           </a:lstStyle>
           <a:p>
             <a:r>
-              <a:rPr lang="en-US"/>
+              <a:rPr lang="en-US" smtClean="0"/>
               <a:t>Click to edit Master title style</a:t>
             </a:r>
+            <a:endParaRPr lang="en-US"/>
           </a:p>
         </p:txBody>
       </p:sp>
@@ -953,8 +941,8 @@
         </p:nvSpPr>
         <p:spPr>
           <a:xfrm>
-            <a:off x="722313" y="2180035"/>
-            <a:ext cx="7772400" cy="1125140"/>
+            <a:off x="722313" y="2906713"/>
+            <a:ext cx="7772400" cy="1500187"/>
           </a:xfrm>
         </p:spPr>
         <p:txBody>
@@ -962,7 +950,7 @@
           <a:lstStyle>
             <a:lvl1pPr marL="0" indent="0">
               <a:buNone/>
-              <a:defRPr sz="1500">
+              <a:defRPr sz="2000">
                 <a:solidFill>
                   <a:schemeClr val="tx1">
                     <a:tint val="75000"/>
@@ -970,9 +958,9 @@
                 </a:solidFill>
               </a:defRPr>
             </a:lvl1pPr>
-            <a:lvl2pPr marL="342900" indent="0">
-              <a:buNone/>
-              <a:defRPr sz="1350">
+            <a:lvl2pPr marL="457200" indent="0">
+              <a:buNone/>
+              <a:defRPr sz="1800">
                 <a:solidFill>
                   <a:schemeClr val="tx1">
                     <a:tint val="75000"/>
@@ -980,9 +968,9 @@
                 </a:solidFill>
               </a:defRPr>
             </a:lvl2pPr>
-            <a:lvl3pPr marL="685800" indent="0">
-              <a:buNone/>
-              <a:defRPr sz="1200">
+            <a:lvl3pPr marL="914400" indent="0">
+              <a:buNone/>
+              <a:defRPr sz="1600">
                 <a:solidFill>
                   <a:schemeClr val="tx1">
                     <a:tint val="75000"/>
@@ -990,9 +978,9 @@
                 </a:solidFill>
               </a:defRPr>
             </a:lvl3pPr>
-            <a:lvl4pPr marL="1028700" indent="0">
-              <a:buNone/>
-              <a:defRPr sz="1050">
+            <a:lvl4pPr marL="1371600" indent="0">
+              <a:buNone/>
+              <a:defRPr sz="1400">
                 <a:solidFill>
                   <a:schemeClr val="tx1">
                     <a:tint val="75000"/>
@@ -1000,9 +988,9 @@
                 </a:solidFill>
               </a:defRPr>
             </a:lvl4pPr>
-            <a:lvl5pPr marL="1371600" indent="0">
-              <a:buNone/>
-              <a:defRPr sz="1050">
+            <a:lvl5pPr marL="1828800" indent="0">
+              <a:buNone/>
+              <a:defRPr sz="1400">
                 <a:solidFill>
                   <a:schemeClr val="tx1">
                     <a:tint val="75000"/>
@@ -1010,9 +998,9 @@
                 </a:solidFill>
               </a:defRPr>
             </a:lvl5pPr>
-            <a:lvl6pPr marL="1714500" indent="0">
-              <a:buNone/>
-              <a:defRPr sz="1050">
+            <a:lvl6pPr marL="2286000" indent="0">
+              <a:buNone/>
+              <a:defRPr sz="1400">
                 <a:solidFill>
                   <a:schemeClr val="tx1">
                     <a:tint val="75000"/>
@@ -1020,9 +1008,9 @@
                 </a:solidFill>
               </a:defRPr>
             </a:lvl6pPr>
-            <a:lvl7pPr marL="2057400" indent="0">
-              <a:buNone/>
-              <a:defRPr sz="1050">
+            <a:lvl7pPr marL="2743200" indent="0">
+              <a:buNone/>
+              <a:defRPr sz="1400">
                 <a:solidFill>
                   <a:schemeClr val="tx1">
                     <a:tint val="75000"/>
@@ -1030,9 +1018,9 @@
                 </a:solidFill>
               </a:defRPr>
             </a:lvl7pPr>
-            <a:lvl8pPr marL="2400300" indent="0">
-              <a:buNone/>
-              <a:defRPr sz="1050">
+            <a:lvl8pPr marL="3200400" indent="0">
+              <a:buNone/>
+              <a:defRPr sz="1400">
                 <a:solidFill>
                   <a:schemeClr val="tx1">
                     <a:tint val="75000"/>
@@ -1040,9 +1028,9 @@
                 </a:solidFill>
               </a:defRPr>
             </a:lvl8pPr>
-            <a:lvl9pPr marL="2743200" indent="0">
-              <a:buNone/>
-              <a:defRPr sz="1050">
+            <a:lvl9pPr marL="3657600" indent="0">
+              <a:buNone/>
+              <a:defRPr sz="1400">
                 <a:solidFill>
                   <a:schemeClr val="tx1">
                     <a:tint val="75000"/>
@@ -1054,7 +1042,7 @@
           <a:p>
             <a:pPr lvl="0"/>
             <a:r>
-              <a:rPr lang="en-US"/>
+              <a:rPr lang="en-US" smtClean="0"/>
               <a:t>Click to edit Master text styles</a:t>
             </a:r>
           </a:p>
@@ -1075,9 +1063,9 @@
           <a:bodyPr/>
           <a:lstStyle/>
           <a:p>
-            <a:fld id="{241EB5C9-1307-BA42-ABA2-0BC069CD8E7F}" type="datetimeFigureOut">
-              <a:rPr lang="en-US" smtClean="0"/>
-              <a:t>1/2/22</a:t>
+            <a:fld id="{5BCAD085-E8A6-8845-BD4E-CB4CCA059FC4}" type="datetimeFigureOut">
+              <a:rPr lang="en-US" smtClean="0"/>
+              <a:t>1/27/13</a:t>
             </a:fld>
             <a:endParaRPr lang="en-US"/>
           </a:p>
@@ -1117,7 +1105,7 @@
           <a:bodyPr/>
           <a:lstStyle/>
           <a:p>
-            <a:fld id="{C5EF2332-01BF-834F-8236-50238282D533}" type="slidenum">
+            <a:fld id="{C1FF6DA9-008F-8B48-92A6-B652298478BF}" type="slidenum">
               <a:rPr lang="en-US" smtClean="0"/>
               <a:t>‹#›</a:t>
             </a:fld>
@@ -1128,7 +1116,7 @@
     </p:spTree>
     <p:extLst>
       <p:ext uri="{BB962C8B-B14F-4D97-AF65-F5344CB8AC3E}">
-        <p14:creationId xmlns:p14="http://schemas.microsoft.com/office/powerpoint/2010/main" val="1073069076"/>
+        <p14:creationId xmlns:p14="http://schemas.microsoft.com/office/powerpoint/2010/main" val="960648375"/>
       </p:ext>
     </p:extLst>
   </p:cSld>
@@ -1171,9 +1159,10 @@
           <a:lstStyle/>
           <a:p>
             <a:r>
-              <a:rPr lang="en-US"/>
+              <a:rPr lang="en-US" smtClean="0"/>
               <a:t>Click to edit Master title style</a:t>
             </a:r>
+            <a:endParaRPr lang="en-US"/>
           </a:p>
         </p:txBody>
       </p:sp>
@@ -1189,75 +1178,76 @@
         </p:nvSpPr>
         <p:spPr>
           <a:xfrm>
-            <a:off x="457200" y="1200151"/>
-            <a:ext cx="4038600" cy="3394472"/>
+            <a:off x="457200" y="1600200"/>
+            <a:ext cx="4038600" cy="4525963"/>
           </a:xfrm>
         </p:spPr>
         <p:txBody>
           <a:bodyPr/>
           <a:lstStyle>
             <a:lvl1pPr>
-              <a:defRPr sz="2100"/>
+              <a:defRPr sz="2800"/>
             </a:lvl1pPr>
             <a:lvl2pPr>
-              <a:defRPr sz="1800"/>
+              <a:defRPr sz="2400"/>
             </a:lvl2pPr>
             <a:lvl3pPr>
-              <a:defRPr sz="1500"/>
+              <a:defRPr sz="2000"/>
             </a:lvl3pPr>
             <a:lvl4pPr>
-              <a:defRPr sz="1350"/>
+              <a:defRPr sz="1800"/>
             </a:lvl4pPr>
             <a:lvl5pPr>
-              <a:defRPr sz="1350"/>
+              <a:defRPr sz="1800"/>
             </a:lvl5pPr>
             <a:lvl6pPr>
-              <a:defRPr sz="1350"/>
+              <a:defRPr sz="1800"/>
             </a:lvl6pPr>
             <a:lvl7pPr>
-              <a:defRPr sz="1350"/>
+              <a:defRPr sz="1800"/>
             </a:lvl7pPr>
             <a:lvl8pPr>
-              <a:defRPr sz="1350"/>
+              <a:defRPr sz="1800"/>
             </a:lvl8pPr>
             <a:lvl9pPr>
-              <a:defRPr sz="1350"/>
+              <a:defRPr sz="1800"/>
             </a:lvl9pPr>
           </a:lstStyle>
           <a:p>
             <a:pPr lvl="0"/>
             <a:r>
-              <a:rPr lang="en-US"/>
+              <a:rPr lang="en-US" smtClean="0"/>
               <a:t>Click to edit Master text styles</a:t>
             </a:r>
           </a:p>
           <a:p>
             <a:pPr lvl="1"/>
             <a:r>
-              <a:rPr lang="en-US"/>
+              <a:rPr lang="en-US" smtClean="0"/>
               <a:t>Second level</a:t>
             </a:r>
           </a:p>
           <a:p>
             <a:pPr lvl="2"/>
             <a:r>
-              <a:rPr lang="en-US"/>
+              <a:rPr lang="en-US" smtClean="0"/>
               <a:t>Third level</a:t>
             </a:r>
           </a:p>
           <a:p>
             <a:pPr lvl="3"/>
             <a:r>
-              <a:rPr lang="en-US"/>
+              <a:rPr lang="en-US" smtClean="0"/>
               <a:t>Fourth level</a:t>
             </a:r>
           </a:p>
           <a:p>
             <a:pPr lvl="4"/>
             <a:r>
-              <a:rPr lang="en-US"/>
+              <a:rPr lang="en-US" smtClean="0"/>
               <a:t>Fifth level</a:t>
             </a:r>
+            <a:endParaRPr lang="en-US"/>
           </a:p>
         </p:txBody>
       </p:sp>
@@ -1273,75 +1263,76 @@
         </p:nvSpPr>
         <p:spPr>
           <a:xfrm>
-            <a:off x="4648200" y="1200151"/>
-            <a:ext cx="4038600" cy="3394472"/>
+            <a:off x="4648200" y="1600200"/>
+            <a:ext cx="4038600" cy="4525963"/>
           </a:xfrm>
         </p:spPr>
         <p:txBody>
           <a:bodyPr/>
           <a:lstStyle>
             <a:lvl1pPr>
-              <a:defRPr sz="2100"/>
+              <a:defRPr sz="2800"/>
             </a:lvl1pPr>
             <a:lvl2pPr>
-              <a:defRPr sz="1800"/>
+              <a:defRPr sz="2400"/>
             </a:lvl2pPr>
             <a:lvl3pPr>
-              <a:defRPr sz="1500"/>
+              <a:defRPr sz="2000"/>
             </a:lvl3pPr>
             <a:lvl4pPr>
-              <a:defRPr sz="1350"/>
+              <a:defRPr sz="1800"/>
             </a:lvl4pPr>
             <a:lvl5pPr>
-              <a:defRPr sz="1350"/>
+              <a:defRPr sz="1800"/>
             </a:lvl5pPr>
             <a:lvl6pPr>
-              <a:defRPr sz="1350"/>
+              <a:defRPr sz="1800"/>
             </a:lvl6pPr>
             <a:lvl7pPr>
-              <a:defRPr sz="1350"/>
+              <a:defRPr sz="1800"/>
             </a:lvl7pPr>
             <a:lvl8pPr>
-              <a:defRPr sz="1350"/>
+              <a:defRPr sz="1800"/>
             </a:lvl8pPr>
             <a:lvl9pPr>
-              <a:defRPr sz="1350"/>
+              <a:defRPr sz="1800"/>
             </a:lvl9pPr>
           </a:lstStyle>
           <a:p>
             <a:pPr lvl="0"/>
             <a:r>
-              <a:rPr lang="en-US"/>
+              <a:rPr lang="en-US" smtClean="0"/>
               <a:t>Click to edit Master text styles</a:t>
             </a:r>
           </a:p>
           <a:p>
             <a:pPr lvl="1"/>
             <a:r>
-              <a:rPr lang="en-US"/>
+              <a:rPr lang="en-US" smtClean="0"/>
               <a:t>Second level</a:t>
             </a:r>
           </a:p>
           <a:p>
             <a:pPr lvl="2"/>
             <a:r>
-              <a:rPr lang="en-US"/>
+              <a:rPr lang="en-US" smtClean="0"/>
               <a:t>Third level</a:t>
             </a:r>
           </a:p>
           <a:p>
             <a:pPr lvl="3"/>
             <a:r>
-              <a:rPr lang="en-US"/>
+              <a:rPr lang="en-US" smtClean="0"/>
               <a:t>Fourth level</a:t>
             </a:r>
           </a:p>
           <a:p>
             <a:pPr lvl="4"/>
             <a:r>
-              <a:rPr lang="en-US"/>
+              <a:rPr lang="en-US" smtClean="0"/>
               <a:t>Fifth level</a:t>
             </a:r>
+            <a:endParaRPr lang="en-US"/>
           </a:p>
         </p:txBody>
       </p:sp>
@@ -1360,9 +1351,9 @@
           <a:bodyPr/>
           <a:lstStyle/>
           <a:p>
-            <a:fld id="{241EB5C9-1307-BA42-ABA2-0BC069CD8E7F}" type="datetimeFigureOut">
-              <a:rPr lang="en-US" smtClean="0"/>
-              <a:t>1/2/22</a:t>
+            <a:fld id="{5BCAD085-E8A6-8845-BD4E-CB4CCA059FC4}" type="datetimeFigureOut">
+              <a:rPr lang="en-US" smtClean="0"/>
+              <a:t>1/27/13</a:t>
             </a:fld>
             <a:endParaRPr lang="en-US"/>
           </a:p>
@@ -1402,7 +1393,7 @@
           <a:bodyPr/>
           <a:lstStyle/>
           <a:p>
-            <a:fld id="{C5EF2332-01BF-834F-8236-50238282D533}" type="slidenum">
+            <a:fld id="{C1FF6DA9-008F-8B48-92A6-B652298478BF}" type="slidenum">
               <a:rPr lang="en-US" smtClean="0"/>
               <a:t>‹#›</a:t>
             </a:fld>
@@ -1413,7 +1404,7 @@
     </p:spTree>
     <p:extLst>
       <p:ext uri="{BB962C8B-B14F-4D97-AF65-F5344CB8AC3E}">
-        <p14:creationId xmlns:p14="http://schemas.microsoft.com/office/powerpoint/2010/main" val="2619886245"/>
+        <p14:creationId xmlns:p14="http://schemas.microsoft.com/office/powerpoint/2010/main" val="2782244947"/>
       </p:ext>
     </p:extLst>
   </p:cSld>
@@ -1460,9 +1451,10 @@
           </a:lstStyle>
           <a:p>
             <a:r>
-              <a:rPr lang="en-US"/>
+              <a:rPr lang="en-US" smtClean="0"/>
               <a:t>Click to edit Master title style</a:t>
             </a:r>
+            <a:endParaRPr lang="en-US"/>
           </a:p>
         </p:txBody>
       </p:sp>
@@ -1478,8 +1470,8 @@
         </p:nvSpPr>
         <p:spPr>
           <a:xfrm>
-            <a:off x="457200" y="1151335"/>
-            <a:ext cx="4040188" cy="479822"/>
+            <a:off x="457200" y="1535113"/>
+            <a:ext cx="4040188" cy="639762"/>
           </a:xfrm>
         </p:spPr>
         <p:txBody>
@@ -1487,45 +1479,45 @@
           <a:lstStyle>
             <a:lvl1pPr marL="0" indent="0">
               <a:buNone/>
+              <a:defRPr sz="2400" b="1"/>
+            </a:lvl1pPr>
+            <a:lvl2pPr marL="457200" indent="0">
+              <a:buNone/>
+              <a:defRPr sz="2000" b="1"/>
+            </a:lvl2pPr>
+            <a:lvl3pPr marL="914400" indent="0">
+              <a:buNone/>
               <a:defRPr sz="1800" b="1"/>
-            </a:lvl1pPr>
-            <a:lvl2pPr marL="342900" indent="0">
-              <a:buNone/>
-              <a:defRPr sz="1500" b="1"/>
-            </a:lvl2pPr>
-            <a:lvl3pPr marL="685800" indent="0">
-              <a:buNone/>
-              <a:defRPr sz="1350" b="1"/>
             </a:lvl3pPr>
-            <a:lvl4pPr marL="1028700" indent="0">
-              <a:buNone/>
-              <a:defRPr sz="1200" b="1"/>
+            <a:lvl4pPr marL="1371600" indent="0">
+              <a:buNone/>
+              <a:defRPr sz="1600" b="1"/>
             </a:lvl4pPr>
-            <a:lvl5pPr marL="1371600" indent="0">
-              <a:buNone/>
-              <a:defRPr sz="1200" b="1"/>
+            <a:lvl5pPr marL="1828800" indent="0">
+              <a:buNone/>
+              <a:defRPr sz="1600" b="1"/>
             </a:lvl5pPr>
-            <a:lvl6pPr marL="1714500" indent="0">
-              <a:buNone/>
-              <a:defRPr sz="1200" b="1"/>
+            <a:lvl6pPr marL="2286000" indent="0">
+              <a:buNone/>
+              <a:defRPr sz="1600" b="1"/>
             </a:lvl6pPr>
-            <a:lvl7pPr marL="2057400" indent="0">
-              <a:buNone/>
-              <a:defRPr sz="1200" b="1"/>
+            <a:lvl7pPr marL="2743200" indent="0">
+              <a:buNone/>
+              <a:defRPr sz="1600" b="1"/>
             </a:lvl7pPr>
-            <a:lvl8pPr marL="2400300" indent="0">
-              <a:buNone/>
-              <a:defRPr sz="1200" b="1"/>
+            <a:lvl8pPr marL="3200400" indent="0">
+              <a:buNone/>
+              <a:defRPr sz="1600" b="1"/>
             </a:lvl8pPr>
-            <a:lvl9pPr marL="2743200" indent="0">
-              <a:buNone/>
-              <a:defRPr sz="1200" b="1"/>
+            <a:lvl9pPr marL="3657600" indent="0">
+              <a:buNone/>
+              <a:defRPr sz="1600" b="1"/>
             </a:lvl9pPr>
           </a:lstStyle>
           <a:p>
             <a:pPr lvl="0"/>
             <a:r>
-              <a:rPr lang="en-US"/>
+              <a:rPr lang="en-US" smtClean="0"/>
               <a:t>Click to edit Master text styles</a:t>
             </a:r>
           </a:p>
@@ -1543,75 +1535,76 @@
         </p:nvSpPr>
         <p:spPr>
           <a:xfrm>
-            <a:off x="457200" y="1631156"/>
-            <a:ext cx="4040188" cy="2963466"/>
+            <a:off x="457200" y="2174875"/>
+            <a:ext cx="4040188" cy="3951288"/>
           </a:xfrm>
         </p:spPr>
         <p:txBody>
           <a:bodyPr/>
           <a:lstStyle>
             <a:lvl1pPr>
-              <a:defRPr sz="1800"/>
+              <a:defRPr sz="2400"/>
             </a:lvl1pPr>
             <a:lvl2pPr>
-              <a:defRPr sz="1500"/>
+              <a:defRPr sz="2000"/>
             </a:lvl2pPr>
             <a:lvl3pPr>
-              <a:defRPr sz="1350"/>
+              <a:defRPr sz="1800"/>
             </a:lvl3pPr>
             <a:lvl4pPr>
-              <a:defRPr sz="1200"/>
+              <a:defRPr sz="1600"/>
             </a:lvl4pPr>
             <a:lvl5pPr>
-              <a:defRPr sz="1200"/>
+              <a:defRPr sz="1600"/>
             </a:lvl5pPr>
             <a:lvl6pPr>
-              <a:defRPr sz="1200"/>
+              <a:defRPr sz="1600"/>
             </a:lvl6pPr>
             <a:lvl7pPr>
-              <a:defRPr sz="1200"/>
+              <a:defRPr sz="1600"/>
             </a:lvl7pPr>
             <a:lvl8pPr>
-              <a:defRPr sz="1200"/>
+              <a:defRPr sz="1600"/>
             </a:lvl8pPr>
             <a:lvl9pPr>
-              <a:defRPr sz="1200"/>
+              <a:defRPr sz="1600"/>
             </a:lvl9pPr>
           </a:lstStyle>
           <a:p>
             <a:pPr lvl="0"/>
             <a:r>
-              <a:rPr lang="en-US"/>
+              <a:rPr lang="en-US" smtClean="0"/>
               <a:t>Click to edit Master text styles</a:t>
             </a:r>
           </a:p>
           <a:p>
             <a:pPr lvl="1"/>
             <a:r>
-              <a:rPr lang="en-US"/>
+              <a:rPr lang="en-US" smtClean="0"/>
               <a:t>Second level</a:t>
             </a:r>
           </a:p>
           <a:p>
             <a:pPr lvl="2"/>
             <a:r>
-              <a:rPr lang="en-US"/>
+              <a:rPr lang="en-US" smtClean="0"/>
               <a:t>Third level</a:t>
             </a:r>
           </a:p>
           <a:p>
             <a:pPr lvl="3"/>
             <a:r>
-              <a:rPr lang="en-US"/>
+              <a:rPr lang="en-US" smtClean="0"/>
               <a:t>Fourth level</a:t>
             </a:r>
           </a:p>
           <a:p>
             <a:pPr lvl="4"/>
             <a:r>
-              <a:rPr lang="en-US"/>
+              <a:rPr lang="en-US" smtClean="0"/>
               <a:t>Fifth level</a:t>
             </a:r>
+            <a:endParaRPr lang="en-US"/>
           </a:p>
         </p:txBody>
       </p:sp>
@@ -1627,8 +1620,8 @@
         </p:nvSpPr>
         <p:spPr>
           <a:xfrm>
-            <a:off x="4645026" y="1151335"/>
-            <a:ext cx="4041775" cy="479822"/>
+            <a:off x="4645025" y="1535113"/>
+            <a:ext cx="4041775" cy="639762"/>
           </a:xfrm>
         </p:spPr>
         <p:txBody>
@@ -1636,45 +1629,45 @@
           <a:lstStyle>
             <a:lvl1pPr marL="0" indent="0">
               <a:buNone/>
+              <a:defRPr sz="2400" b="1"/>
+            </a:lvl1pPr>
+            <a:lvl2pPr marL="457200" indent="0">
+              <a:buNone/>
+              <a:defRPr sz="2000" b="1"/>
+            </a:lvl2pPr>
+            <a:lvl3pPr marL="914400" indent="0">
+              <a:buNone/>
               <a:defRPr sz="1800" b="1"/>
-            </a:lvl1pPr>
-            <a:lvl2pPr marL="342900" indent="0">
-              <a:buNone/>
-              <a:defRPr sz="1500" b="1"/>
-            </a:lvl2pPr>
-            <a:lvl3pPr marL="685800" indent="0">
-              <a:buNone/>
-              <a:defRPr sz="1350" b="1"/>
             </a:lvl3pPr>
-            <a:lvl4pPr marL="1028700" indent="0">
-              <a:buNone/>
-              <a:defRPr sz="1200" b="1"/>
+            <a:lvl4pPr marL="1371600" indent="0">
+              <a:buNone/>
+              <a:defRPr sz="1600" b="1"/>
             </a:lvl4pPr>
-            <a:lvl5pPr marL="1371600" indent="0">
-              <a:buNone/>
-              <a:defRPr sz="1200" b="1"/>
+            <a:lvl5pPr marL="1828800" indent="0">
+              <a:buNone/>
+              <a:defRPr sz="1600" b="1"/>
             </a:lvl5pPr>
-            <a:lvl6pPr marL="1714500" indent="0">
-              <a:buNone/>
-              <a:defRPr sz="1200" b="1"/>
+            <a:lvl6pPr marL="2286000" indent="0">
+              <a:buNone/>
+              <a:defRPr sz="1600" b="1"/>
             </a:lvl6pPr>
-            <a:lvl7pPr marL="2057400" indent="0">
-              <a:buNone/>
-              <a:defRPr sz="1200" b="1"/>
+            <a:lvl7pPr marL="2743200" indent="0">
+              <a:buNone/>
+              <a:defRPr sz="1600" b="1"/>
             </a:lvl7pPr>
-            <a:lvl8pPr marL="2400300" indent="0">
-              <a:buNone/>
-              <a:defRPr sz="1200" b="1"/>
+            <a:lvl8pPr marL="3200400" indent="0">
+              <a:buNone/>
+              <a:defRPr sz="1600" b="1"/>
             </a:lvl8pPr>
-            <a:lvl9pPr marL="2743200" indent="0">
-              <a:buNone/>
-              <a:defRPr sz="1200" b="1"/>
+            <a:lvl9pPr marL="3657600" indent="0">
+              <a:buNone/>
+              <a:defRPr sz="1600" b="1"/>
             </a:lvl9pPr>
           </a:lstStyle>
           <a:p>
             <a:pPr lvl="0"/>
             <a:r>
-              <a:rPr lang="en-US"/>
+              <a:rPr lang="en-US" smtClean="0"/>
               <a:t>Click to edit Master text styles</a:t>
             </a:r>
           </a:p>
@@ -1692,75 +1685,76 @@
         </p:nvSpPr>
         <p:spPr>
           <a:xfrm>
-            <a:off x="4645026" y="1631156"/>
-            <a:ext cx="4041775" cy="2963466"/>
+            <a:off x="4645025" y="2174875"/>
+            <a:ext cx="4041775" cy="3951288"/>
           </a:xfrm>
         </p:spPr>
         <p:txBody>
           <a:bodyPr/>
           <a:lstStyle>
             <a:lvl1pPr>
-              <a:defRPr sz="1800"/>
+              <a:defRPr sz="2400"/>
             </a:lvl1pPr>
             <a:lvl2pPr>
-              <a:defRPr sz="1500"/>
+              <a:defRPr sz="2000"/>
             </a:lvl2pPr>
             <a:lvl3pPr>
-              <a:defRPr sz="1350"/>
+              <a:defRPr sz="1800"/>
             </a:lvl3pPr>
             <a:lvl4pPr>
-              <a:defRPr sz="1200"/>
+              <a:defRPr sz="1600"/>
             </a:lvl4pPr>
             <a:lvl5pPr>
-              <a:defRPr sz="1200"/>
+              <a:defRPr sz="1600"/>
             </a:lvl5pPr>
             <a:lvl6pPr>
-              <a:defRPr sz="1200"/>
+              <a:defRPr sz="1600"/>
             </a:lvl6pPr>
             <a:lvl7pPr>
-              <a:defRPr sz="1200"/>
+              <a:defRPr sz="1600"/>
             </a:lvl7pPr>
             <a:lvl8pPr>
-              <a:defRPr sz="1200"/>
+              <a:defRPr sz="1600"/>
             </a:lvl8pPr>
             <a:lvl9pPr>
-              <a:defRPr sz="1200"/>
+              <a:defRPr sz="1600"/>
             </a:lvl9pPr>
           </a:lstStyle>
           <a:p>
             <a:pPr lvl="0"/>
             <a:r>
-              <a:rPr lang="en-US"/>
+              <a:rPr lang="en-US" smtClean="0"/>
               <a:t>Click to edit Master text styles</a:t>
             </a:r>
           </a:p>
           <a:p>
             <a:pPr lvl="1"/>
             <a:r>
-              <a:rPr lang="en-US"/>
+              <a:rPr lang="en-US" smtClean="0"/>
               <a:t>Second level</a:t>
             </a:r>
           </a:p>
           <a:p>
             <a:pPr lvl="2"/>
             <a:r>
-              <a:rPr lang="en-US"/>
+              <a:rPr lang="en-US" smtClean="0"/>
               <a:t>Third level</a:t>
             </a:r>
           </a:p>
           <a:p>
             <a:pPr lvl="3"/>
             <a:r>
-              <a:rPr lang="en-US"/>
+              <a:rPr lang="en-US" smtClean="0"/>
               <a:t>Fourth level</a:t>
             </a:r>
           </a:p>
           <a:p>
             <a:pPr lvl="4"/>
             <a:r>
-              <a:rPr lang="en-US"/>
+              <a:rPr lang="en-US" smtClean="0"/>
               <a:t>Fifth level</a:t>
             </a:r>
+            <a:endParaRPr lang="en-US"/>
           </a:p>
         </p:txBody>
       </p:sp>
@@ -1779,9 +1773,9 @@
           <a:bodyPr/>
           <a:lstStyle/>
           <a:p>
-            <a:fld id="{241EB5C9-1307-BA42-ABA2-0BC069CD8E7F}" type="datetimeFigureOut">
-              <a:rPr lang="en-US" smtClean="0"/>
-              <a:t>1/2/22</a:t>
+            <a:fld id="{5BCAD085-E8A6-8845-BD4E-CB4CCA059FC4}" type="datetimeFigureOut">
+              <a:rPr lang="en-US" smtClean="0"/>
+              <a:t>1/27/13</a:t>
             </a:fld>
             <a:endParaRPr lang="en-US"/>
           </a:p>
@@ -1821,7 +1815,7 @@
           <a:bodyPr/>
           <a:lstStyle/>
           <a:p>
-            <a:fld id="{C5EF2332-01BF-834F-8236-50238282D533}" type="slidenum">
+            <a:fld id="{C1FF6DA9-008F-8B48-92A6-B652298478BF}" type="slidenum">
               <a:rPr lang="en-US" smtClean="0"/>
               <a:t>‹#›</a:t>
             </a:fld>
@@ -1832,7 +1826,7 @@
     </p:spTree>
     <p:extLst>
       <p:ext uri="{BB962C8B-B14F-4D97-AF65-F5344CB8AC3E}">
-        <p14:creationId xmlns:p14="http://schemas.microsoft.com/office/powerpoint/2010/main" val="2535793967"/>
+        <p14:creationId xmlns:p14="http://schemas.microsoft.com/office/powerpoint/2010/main" val="990158736"/>
       </p:ext>
     </p:extLst>
   </p:cSld>
@@ -1875,9 +1869,10 @@
           <a:lstStyle/>
           <a:p>
             <a:r>
-              <a:rPr lang="en-US"/>
+              <a:rPr lang="en-US" smtClean="0"/>
               <a:t>Click to edit Master title style</a:t>
             </a:r>
+            <a:endParaRPr lang="en-US"/>
           </a:p>
         </p:txBody>
       </p:sp>
@@ -1896,9 +1891,9 @@
           <a:bodyPr/>
           <a:lstStyle/>
           <a:p>
-            <a:fld id="{241EB5C9-1307-BA42-ABA2-0BC069CD8E7F}" type="datetimeFigureOut">
-              <a:rPr lang="en-US" smtClean="0"/>
-              <a:t>1/2/22</a:t>
+            <a:fld id="{5BCAD085-E8A6-8845-BD4E-CB4CCA059FC4}" type="datetimeFigureOut">
+              <a:rPr lang="en-US" smtClean="0"/>
+              <a:t>1/27/13</a:t>
             </a:fld>
             <a:endParaRPr lang="en-US"/>
           </a:p>
@@ -1938,7 +1933,7 @@
           <a:bodyPr/>
           <a:lstStyle/>
           <a:p>
-            <a:fld id="{C5EF2332-01BF-834F-8236-50238282D533}" type="slidenum">
+            <a:fld id="{C1FF6DA9-008F-8B48-92A6-B652298478BF}" type="slidenum">
               <a:rPr lang="en-US" smtClean="0"/>
               <a:t>‹#›</a:t>
             </a:fld>
@@ -1949,7 +1944,7 @@
     </p:spTree>
     <p:extLst>
       <p:ext uri="{BB962C8B-B14F-4D97-AF65-F5344CB8AC3E}">
-        <p14:creationId xmlns:p14="http://schemas.microsoft.com/office/powerpoint/2010/main" val="3472721253"/>
+        <p14:creationId xmlns:p14="http://schemas.microsoft.com/office/powerpoint/2010/main" val="727027711"/>
       </p:ext>
     </p:extLst>
   </p:cSld>
@@ -1991,9 +1986,9 @@
           <a:bodyPr/>
           <a:lstStyle/>
           <a:p>
-            <a:fld id="{241EB5C9-1307-BA42-ABA2-0BC069CD8E7F}" type="datetimeFigureOut">
-              <a:rPr lang="en-US" smtClean="0"/>
-              <a:t>1/2/22</a:t>
+            <a:fld id="{5BCAD085-E8A6-8845-BD4E-CB4CCA059FC4}" type="datetimeFigureOut">
+              <a:rPr lang="en-US" smtClean="0"/>
+              <a:t>1/27/13</a:t>
             </a:fld>
             <a:endParaRPr lang="en-US"/>
           </a:p>
@@ -2033,7 +2028,7 @@
           <a:bodyPr/>
           <a:lstStyle/>
           <a:p>
-            <a:fld id="{C5EF2332-01BF-834F-8236-50238282D533}" type="slidenum">
+            <a:fld id="{C1FF6DA9-008F-8B48-92A6-B652298478BF}" type="slidenum">
               <a:rPr lang="en-US" smtClean="0"/>
               <a:t>‹#›</a:t>
             </a:fld>
@@ -2044,7 +2039,7 @@
     </p:spTree>
     <p:extLst>
       <p:ext uri="{BB962C8B-B14F-4D97-AF65-F5344CB8AC3E}">
-        <p14:creationId xmlns:p14="http://schemas.microsoft.com/office/powerpoint/2010/main" val="2130901097"/>
+        <p14:creationId xmlns:p14="http://schemas.microsoft.com/office/powerpoint/2010/main" val="1212999818"/>
       </p:ext>
     </p:extLst>
   </p:cSld>
@@ -2083,22 +2078,23 @@
         </p:nvSpPr>
         <p:spPr>
           <a:xfrm>
-            <a:off x="457201" y="204787"/>
-            <a:ext cx="3008313" cy="871538"/>
+            <a:off x="457200" y="273050"/>
+            <a:ext cx="3008313" cy="1162050"/>
           </a:xfrm>
         </p:spPr>
         <p:txBody>
           <a:bodyPr anchor="b"/>
           <a:lstStyle>
             <a:lvl1pPr algn="l">
-              <a:defRPr sz="1500" b="1"/>
+              <a:defRPr sz="2000" b="1"/>
             </a:lvl1pPr>
           </a:lstStyle>
           <a:p>
             <a:r>
-              <a:rPr lang="en-US"/>
+              <a:rPr lang="en-US" smtClean="0"/>
               <a:t>Click to edit Master title style</a:t>
             </a:r>
+            <a:endParaRPr lang="en-US"/>
           </a:p>
         </p:txBody>
       </p:sp>
@@ -2114,75 +2110,76 @@
         </p:nvSpPr>
         <p:spPr>
           <a:xfrm>
-            <a:off x="3575050" y="204788"/>
-            <a:ext cx="5111750" cy="4389835"/>
+            <a:off x="3575050" y="273050"/>
+            <a:ext cx="5111750" cy="5853113"/>
           </a:xfrm>
         </p:spPr>
         <p:txBody>
           <a:bodyPr/>
           <a:lstStyle>
             <a:lvl1pPr>
-              <a:defRPr sz="2400"/>
+              <a:defRPr sz="3200"/>
             </a:lvl1pPr>
             <a:lvl2pPr>
-              <a:defRPr sz="2100"/>
+              <a:defRPr sz="2800"/>
             </a:lvl2pPr>
             <a:lvl3pPr>
-              <a:defRPr sz="1800"/>
+              <a:defRPr sz="2400"/>
             </a:lvl3pPr>
             <a:lvl4pPr>
-              <a:defRPr sz="1500"/>
+              <a:defRPr sz="2000"/>
             </a:lvl4pPr>
             <a:lvl5pPr>
-              <a:defRPr sz="1500"/>
+              <a:defRPr sz="2000"/>
             </a:lvl5pPr>
             <a:lvl6pPr>
-              <a:defRPr sz="1500"/>
+              <a:defRPr sz="2000"/>
             </a:lvl6pPr>
             <a:lvl7pPr>
-              <a:defRPr sz="1500"/>
+              <a:defRPr sz="2000"/>
             </a:lvl7pPr>
             <a:lvl8pPr>
-              <a:defRPr sz="1500"/>
+              <a:defRPr sz="2000"/>
             </a:lvl8pPr>
             <a:lvl9pPr>
-              <a:defRPr sz="1500"/>
+              <a:defRPr sz="2000"/>
             </a:lvl9pPr>
           </a:lstStyle>
           <a:p>
             <a:pPr lvl="0"/>
             <a:r>
-              <a:rPr lang="en-US"/>
+              <a:rPr lang="en-US" smtClean="0"/>
               <a:t>Click to edit Master text styles</a:t>
             </a:r>
           </a:p>
           <a:p>
             <a:pPr lvl="1"/>
             <a:r>
-              <a:rPr lang="en-US"/>
+              <a:rPr lang="en-US" smtClean="0"/>
               <a:t>Second level</a:t>
             </a:r>
           </a:p>
           <a:p>
             <a:pPr lvl="2"/>
             <a:r>
-              <a:rPr lang="en-US"/>
+              <a:rPr lang="en-US" smtClean="0"/>
               <a:t>Third level</a:t>
             </a:r>
           </a:p>
           <a:p>
             <a:pPr lvl="3"/>
             <a:r>
-              <a:rPr lang="en-US"/>
+              <a:rPr lang="en-US" smtClean="0"/>
               <a:t>Fourth level</a:t>
             </a:r>
           </a:p>
           <a:p>
             <a:pPr lvl="4"/>
             <a:r>
-              <a:rPr lang="en-US"/>
+              <a:rPr lang="en-US" smtClean="0"/>
               <a:t>Fifth level</a:t>
             </a:r>
+            <a:endParaRPr lang="en-US"/>
           </a:p>
         </p:txBody>
       </p:sp>
@@ -2198,8 +2195,8 @@
         </p:nvSpPr>
         <p:spPr>
           <a:xfrm>
-            <a:off x="457201" y="1076326"/>
-            <a:ext cx="3008313" cy="3518297"/>
+            <a:off x="457200" y="1435100"/>
+            <a:ext cx="3008313" cy="4691063"/>
           </a:xfrm>
         </p:spPr>
         <p:txBody>
@@ -2207,45 +2204,45 @@
           <a:lstStyle>
             <a:lvl1pPr marL="0" indent="0">
               <a:buNone/>
-              <a:defRPr sz="1050"/>
+              <a:defRPr sz="1400"/>
             </a:lvl1pPr>
-            <a:lvl2pPr marL="342900" indent="0">
+            <a:lvl2pPr marL="457200" indent="0">
+              <a:buNone/>
+              <a:defRPr sz="1200"/>
+            </a:lvl2pPr>
+            <a:lvl3pPr marL="914400" indent="0">
+              <a:buNone/>
+              <a:defRPr sz="1000"/>
+            </a:lvl3pPr>
+            <a:lvl4pPr marL="1371600" indent="0">
               <a:buNone/>
               <a:defRPr sz="900"/>
-            </a:lvl2pPr>
-            <a:lvl3pPr marL="685800" indent="0">
-              <a:buNone/>
-              <a:defRPr sz="750"/>
-            </a:lvl3pPr>
-            <a:lvl4pPr marL="1028700" indent="0">
-              <a:buNone/>
-              <a:defRPr sz="675"/>
             </a:lvl4pPr>
-            <a:lvl5pPr marL="1371600" indent="0">
-              <a:buNone/>
-              <a:defRPr sz="675"/>
+            <a:lvl5pPr marL="1828800" indent="0">
+              <a:buNone/>
+              <a:defRPr sz="900"/>
             </a:lvl5pPr>
-            <a:lvl6pPr marL="1714500" indent="0">
-              <a:buNone/>
-              <a:defRPr sz="675"/>
+            <a:lvl6pPr marL="2286000" indent="0">
+              <a:buNone/>
+              <a:defRPr sz="900"/>
             </a:lvl6pPr>
-            <a:lvl7pPr marL="2057400" indent="0">
-              <a:buNone/>
-              <a:defRPr sz="675"/>
+            <a:lvl7pPr marL="2743200" indent="0">
+              <a:buNone/>
+              <a:defRPr sz="900"/>
             </a:lvl7pPr>
-            <a:lvl8pPr marL="2400300" indent="0">
-              <a:buNone/>
-              <a:defRPr sz="675"/>
+            <a:lvl8pPr marL="3200400" indent="0">
+              <a:buNone/>
+              <a:defRPr sz="900"/>
             </a:lvl8pPr>
-            <a:lvl9pPr marL="2743200" indent="0">
-              <a:buNone/>
-              <a:defRPr sz="675"/>
+            <a:lvl9pPr marL="3657600" indent="0">
+              <a:buNone/>
+              <a:defRPr sz="900"/>
             </a:lvl9pPr>
           </a:lstStyle>
           <a:p>
             <a:pPr lvl="0"/>
             <a:r>
-              <a:rPr lang="en-US"/>
+              <a:rPr lang="en-US" smtClean="0"/>
               <a:t>Click to edit Master text styles</a:t>
             </a:r>
           </a:p>
@@ -2266,9 +2263,9 @@
           <a:bodyPr/>
           <a:lstStyle/>
           <a:p>
-            <a:fld id="{241EB5C9-1307-BA42-ABA2-0BC069CD8E7F}" type="datetimeFigureOut">
-              <a:rPr lang="en-US" smtClean="0"/>
-              <a:t>1/2/22</a:t>
+            <a:fld id="{5BCAD085-E8A6-8845-BD4E-CB4CCA059FC4}" type="datetimeFigureOut">
+              <a:rPr lang="en-US" smtClean="0"/>
+              <a:t>1/27/13</a:t>
             </a:fld>
             <a:endParaRPr lang="en-US"/>
           </a:p>
@@ -2308,7 +2305,7 @@
           <a:bodyPr/>
           <a:lstStyle/>
           <a:p>
-            <a:fld id="{C5EF2332-01BF-834F-8236-50238282D533}" type="slidenum">
+            <a:fld id="{C1FF6DA9-008F-8B48-92A6-B652298478BF}" type="slidenum">
               <a:rPr lang="en-US" smtClean="0"/>
               <a:t>‹#›</a:t>
             </a:fld>
@@ -2319,7 +2316,7 @@
     </p:spTree>
     <p:extLst>
       <p:ext uri="{BB962C8B-B14F-4D97-AF65-F5344CB8AC3E}">
-        <p14:creationId xmlns:p14="http://schemas.microsoft.com/office/powerpoint/2010/main" val="3540895647"/>
+        <p14:creationId xmlns:p14="http://schemas.microsoft.com/office/powerpoint/2010/main" val="1840726560"/>
       </p:ext>
     </p:extLst>
   </p:cSld>
@@ -2358,22 +2355,23 @@
         </p:nvSpPr>
         <p:spPr>
           <a:xfrm>
-            <a:off x="1792288" y="3600450"/>
-            <a:ext cx="5486400" cy="425054"/>
+            <a:off x="1792288" y="4800600"/>
+            <a:ext cx="5486400" cy="566738"/>
           </a:xfrm>
         </p:spPr>
         <p:txBody>
           <a:bodyPr anchor="b"/>
           <a:lstStyle>
             <a:lvl1pPr algn="l">
-              <a:defRPr sz="1500" b="1"/>
+              <a:defRPr sz="2000" b="1"/>
             </a:lvl1pPr>
           </a:lstStyle>
           <a:p>
             <a:r>
-              <a:rPr lang="en-US"/>
+              <a:rPr lang="en-US" smtClean="0"/>
               <a:t>Click to edit Master title style</a:t>
             </a:r>
+            <a:endParaRPr lang="en-US"/>
           </a:p>
         </p:txBody>
       </p:sp>
@@ -2389,8 +2387,8 @@
         </p:nvSpPr>
         <p:spPr>
           <a:xfrm>
-            <a:off x="1792288" y="459581"/>
-            <a:ext cx="5486400" cy="3086100"/>
+            <a:off x="1792288" y="612775"/>
+            <a:ext cx="5486400" cy="4114800"/>
           </a:xfrm>
         </p:spPr>
         <p:txBody>
@@ -2398,39 +2396,39 @@
           <a:lstStyle>
             <a:lvl1pPr marL="0" indent="0">
               <a:buNone/>
+              <a:defRPr sz="3200"/>
+            </a:lvl1pPr>
+            <a:lvl2pPr marL="457200" indent="0">
+              <a:buNone/>
+              <a:defRPr sz="2800"/>
+            </a:lvl2pPr>
+            <a:lvl3pPr marL="914400" indent="0">
+              <a:buNone/>
               <a:defRPr sz="2400"/>
-            </a:lvl1pPr>
-            <a:lvl2pPr marL="342900" indent="0">
-              <a:buNone/>
-              <a:defRPr sz="2100"/>
-            </a:lvl2pPr>
-            <a:lvl3pPr marL="685800" indent="0">
-              <a:buNone/>
-              <a:defRPr sz="1800"/>
             </a:lvl3pPr>
-            <a:lvl4pPr marL="1028700" indent="0">
-              <a:buNone/>
-              <a:defRPr sz="1500"/>
+            <a:lvl4pPr marL="1371600" indent="0">
+              <a:buNone/>
+              <a:defRPr sz="2000"/>
             </a:lvl4pPr>
-            <a:lvl5pPr marL="1371600" indent="0">
-              <a:buNone/>
-              <a:defRPr sz="1500"/>
+            <a:lvl5pPr marL="1828800" indent="0">
+              <a:buNone/>
+              <a:defRPr sz="2000"/>
             </a:lvl5pPr>
-            <a:lvl6pPr marL="1714500" indent="0">
-              <a:buNone/>
-              <a:defRPr sz="1500"/>
+            <a:lvl6pPr marL="2286000" indent="0">
+              <a:buNone/>
+              <a:defRPr sz="2000"/>
             </a:lvl6pPr>
-            <a:lvl7pPr marL="2057400" indent="0">
-              <a:buNone/>
-              <a:defRPr sz="1500"/>
+            <a:lvl7pPr marL="2743200" indent="0">
+              <a:buNone/>
+              <a:defRPr sz="2000"/>
             </a:lvl7pPr>
-            <a:lvl8pPr marL="2400300" indent="0">
-              <a:buNone/>
-              <a:defRPr sz="1500"/>
+            <a:lvl8pPr marL="3200400" indent="0">
+              <a:buNone/>
+              <a:defRPr sz="2000"/>
             </a:lvl8pPr>
-            <a:lvl9pPr marL="2743200" indent="0">
-              <a:buNone/>
-              <a:defRPr sz="1500"/>
+            <a:lvl9pPr marL="3657600" indent="0">
+              <a:buNone/>
+              <a:defRPr sz="2000"/>
             </a:lvl9pPr>
           </a:lstStyle>
           <a:p>
@@ -2450,8 +2448,8 @@
         </p:nvSpPr>
         <p:spPr>
           <a:xfrm>
-            <a:off x="1792288" y="4025503"/>
-            <a:ext cx="5486400" cy="603647"/>
+            <a:off x="1792288" y="5367338"/>
+            <a:ext cx="5486400" cy="804862"/>
           </a:xfrm>
         </p:spPr>
         <p:txBody>
@@ -2459,45 +2457,45 @@
           <a:lstStyle>
             <a:lvl1pPr marL="0" indent="0">
               <a:buNone/>
-              <a:defRPr sz="1050"/>
+              <a:defRPr sz="1400"/>
             </a:lvl1pPr>
-            <a:lvl2pPr marL="342900" indent="0">
+            <a:lvl2pPr marL="457200" indent="0">
+              <a:buNone/>
+              <a:defRPr sz="1200"/>
+            </a:lvl2pPr>
+            <a:lvl3pPr marL="914400" indent="0">
+              <a:buNone/>
+              <a:defRPr sz="1000"/>
+            </a:lvl3pPr>
+            <a:lvl4pPr marL="1371600" indent="0">
               <a:buNone/>
               <a:defRPr sz="900"/>
-            </a:lvl2pPr>
-            <a:lvl3pPr marL="685800" indent="0">
-              <a:buNone/>
-              <a:defRPr sz="750"/>
-            </a:lvl3pPr>
-            <a:lvl4pPr marL="1028700" indent="0">
-              <a:buNone/>
-              <a:defRPr sz="675"/>
             </a:lvl4pPr>
-            <a:lvl5pPr marL="1371600" indent="0">
-              <a:buNone/>
-              <a:defRPr sz="675"/>
+            <a:lvl5pPr marL="1828800" indent="0">
+              <a:buNone/>
+              <a:defRPr sz="900"/>
             </a:lvl5pPr>
-            <a:lvl6pPr marL="1714500" indent="0">
-              <a:buNone/>
-              <a:defRPr sz="675"/>
+            <a:lvl6pPr marL="2286000" indent="0">
+              <a:buNone/>
+              <a:defRPr sz="900"/>
             </a:lvl6pPr>
-            <a:lvl7pPr marL="2057400" indent="0">
-              <a:buNone/>
-              <a:defRPr sz="675"/>
+            <a:lvl7pPr marL="2743200" indent="0">
+              <a:buNone/>
+              <a:defRPr sz="900"/>
             </a:lvl7pPr>
-            <a:lvl8pPr marL="2400300" indent="0">
-              <a:buNone/>
-              <a:defRPr sz="675"/>
+            <a:lvl8pPr marL="3200400" indent="0">
+              <a:buNone/>
+              <a:defRPr sz="900"/>
             </a:lvl8pPr>
-            <a:lvl9pPr marL="2743200" indent="0">
-              <a:buNone/>
-              <a:defRPr sz="675"/>
+            <a:lvl9pPr marL="3657600" indent="0">
+              <a:buNone/>
+              <a:defRPr sz="900"/>
             </a:lvl9pPr>
           </a:lstStyle>
           <a:p>
             <a:pPr lvl="0"/>
             <a:r>
-              <a:rPr lang="en-US"/>
+              <a:rPr lang="en-US" smtClean="0"/>
               <a:t>Click to edit Master text styles</a:t>
             </a:r>
           </a:p>
@@ -2518,9 +2516,9 @@
           <a:bodyPr/>
           <a:lstStyle/>
           <a:p>
-            <a:fld id="{241EB5C9-1307-BA42-ABA2-0BC069CD8E7F}" type="datetimeFigureOut">
-              <a:rPr lang="en-US" smtClean="0"/>
-              <a:t>1/2/22</a:t>
+            <a:fld id="{5BCAD085-E8A6-8845-BD4E-CB4CCA059FC4}" type="datetimeFigureOut">
+              <a:rPr lang="en-US" smtClean="0"/>
+              <a:t>1/27/13</a:t>
             </a:fld>
             <a:endParaRPr lang="en-US"/>
           </a:p>
@@ -2560,7 +2558,7 @@
           <a:bodyPr/>
           <a:lstStyle/>
           <a:p>
-            <a:fld id="{C5EF2332-01BF-834F-8236-50238282D533}" type="slidenum">
+            <a:fld id="{C1FF6DA9-008F-8B48-92A6-B652298478BF}" type="slidenum">
               <a:rPr lang="en-US" smtClean="0"/>
               <a:t>‹#›</a:t>
             </a:fld>
@@ -2571,7 +2569,7 @@
     </p:spTree>
     <p:extLst>
       <p:ext uri="{BB962C8B-B14F-4D97-AF65-F5344CB8AC3E}">
-        <p14:creationId xmlns:p14="http://schemas.microsoft.com/office/powerpoint/2010/main" val="3566899855"/>
+        <p14:creationId xmlns:p14="http://schemas.microsoft.com/office/powerpoint/2010/main" val="3889236939"/>
       </p:ext>
     </p:extLst>
   </p:cSld>
@@ -2582,7 +2580,7 @@
 </file>
 
 <file path=ppt/slideMasters/slideMaster1.xml><?xml version="1.0" encoding="utf-8"?>
-<p:sldMaster xmlns:a="http://schemas.openxmlformats.org/drawingml/2006/main" xmlns:p="http://schemas.openxmlformats.org/presentationml/2006/main" xmlns:r="http://schemas.openxmlformats.org/officeDocument/2006/relationships">
+<p:sldMaster xmlns:a="http://schemas.openxmlformats.org/drawingml/2006/main" xmlns:r="http://schemas.openxmlformats.org/officeDocument/2006/relationships" xmlns:p="http://schemas.openxmlformats.org/presentationml/2006/main">
   <p:cSld>
     <p:bg>
       <p:bgRef idx="1001">
@@ -2615,23 +2613,24 @@
         </p:nvSpPr>
         <p:spPr>
           <a:xfrm>
-            <a:off x="457200" y="205979"/>
-            <a:ext cx="8229600" cy="857250"/>
+            <a:off x="457200" y="274638"/>
+            <a:ext cx="8229600" cy="1143000"/>
           </a:xfrm>
           <a:prstGeom prst="rect">
             <a:avLst/>
           </a:prstGeom>
         </p:spPr>
         <p:txBody>
-          <a:bodyPr anchor="ctr" bIns="45720" lIns="91440" rIns="91440" rtlCol="0" tIns="45720" vert="horz">
+          <a:bodyPr vert="horz" lIns="91440" tIns="45720" rIns="91440" bIns="45720" rtlCol="0" anchor="ctr">
             <a:normAutofit/>
           </a:bodyPr>
           <a:lstStyle/>
           <a:p>
             <a:r>
-              <a:rPr lang="en-US"/>
+              <a:rPr lang="en-US" smtClean="0"/>
               <a:t>Click to edit Master title style</a:t>
             </a:r>
+            <a:endParaRPr lang="en-US"/>
           </a:p>
         </p:txBody>
       </p:sp>
@@ -2642,57 +2641,58 @@
             <a:spLocks noGrp="1"/>
           </p:cNvSpPr>
           <p:nvPr>
-            <p:ph idx="1" type="body"/>
+            <p:ph type="body" idx="1"/>
           </p:nvPr>
         </p:nvSpPr>
         <p:spPr>
           <a:xfrm>
-            <a:off x="457200" y="1200151"/>
-            <a:ext cx="8229600" cy="3394472"/>
+            <a:off x="457200" y="1600200"/>
+            <a:ext cx="8229600" cy="4525963"/>
           </a:xfrm>
           <a:prstGeom prst="rect">
             <a:avLst/>
           </a:prstGeom>
         </p:spPr>
         <p:txBody>
-          <a:bodyPr bIns="45720" lIns="91440" rIns="91440" rtlCol="0" tIns="45720" vert="horz">
+          <a:bodyPr vert="horz" lIns="91440" tIns="45720" rIns="91440" bIns="45720" rtlCol="0">
             <a:normAutofit/>
           </a:bodyPr>
           <a:lstStyle/>
           <a:p>
             <a:pPr lvl="0"/>
             <a:r>
-              <a:rPr lang="en-US"/>
+              <a:rPr lang="en-US" smtClean="0"/>
               <a:t>Click to edit Master text styles</a:t>
             </a:r>
           </a:p>
           <a:p>
             <a:pPr lvl="1"/>
             <a:r>
-              <a:rPr lang="en-US"/>
+              <a:rPr lang="en-US" smtClean="0"/>
               <a:t>Second level</a:t>
             </a:r>
           </a:p>
           <a:p>
             <a:pPr lvl="2"/>
             <a:r>
-              <a:rPr lang="en-US"/>
+              <a:rPr lang="en-US" smtClean="0"/>
               <a:t>Third level</a:t>
             </a:r>
           </a:p>
           <a:p>
             <a:pPr lvl="3"/>
             <a:r>
-              <a:rPr lang="en-US"/>
+              <a:rPr lang="en-US" smtClean="0"/>
               <a:t>Fourth level</a:t>
             </a:r>
           </a:p>
           <a:p>
             <a:pPr lvl="4"/>
             <a:r>
-              <a:rPr lang="en-US"/>
+              <a:rPr lang="en-US" smtClean="0"/>
               <a:t>Fifth level</a:t>
             </a:r>
+            <a:endParaRPr lang="en-US"/>
           </a:p>
         </p:txBody>
       </p:sp>
@@ -2703,23 +2703,23 @@
             <a:spLocks noGrp="1"/>
           </p:cNvSpPr>
           <p:nvPr>
-            <p:ph idx="2" sz="half" type="dt"/>
+            <p:ph type="dt" sz="half" idx="2"/>
           </p:nvPr>
         </p:nvSpPr>
         <p:spPr>
           <a:xfrm>
-            <a:off x="457200" y="4767263"/>
-            <a:ext cx="2133600" cy="273844"/>
+            <a:off x="457200" y="6356350"/>
+            <a:ext cx="2133600" cy="365125"/>
           </a:xfrm>
           <a:prstGeom prst="rect">
             <a:avLst/>
           </a:prstGeom>
         </p:spPr>
         <p:txBody>
-          <a:bodyPr anchor="ctr" bIns="45720" lIns="91440" rIns="91440" rtlCol="0" tIns="45720" vert="horz"/>
+          <a:bodyPr vert="horz" lIns="91440" tIns="45720" rIns="91440" bIns="45720" rtlCol="0" anchor="ctr"/>
           <a:lstStyle>
             <a:lvl1pPr algn="l">
-              <a:defRPr sz="900">
+              <a:defRPr sz="1200">
                 <a:solidFill>
                   <a:schemeClr val="tx1">
                     <a:tint val="75000"/>
@@ -2729,9 +2729,9 @@
             </a:lvl1pPr>
           </a:lstStyle>
           <a:p>
-            <a:fld id="{241EB5C9-1307-BA42-ABA2-0BC069CD8E7F}" type="datetimeFigureOut">
-              <a:rPr lang="en-US" smtClean="0"/>
-              <a:t>1/2/22</a:t>
+            <a:fld id="{5BCAD085-E8A6-8845-BD4E-CB4CCA059FC4}" type="datetimeFigureOut">
+              <a:rPr lang="en-US" smtClean="0"/>
+              <a:t>1/27/13</a:t>
             </a:fld>
             <a:endParaRPr lang="en-US"/>
           </a:p>
@@ -2744,23 +2744,23 @@
             <a:spLocks noGrp="1"/>
           </p:cNvSpPr>
           <p:nvPr>
-            <p:ph idx="3" sz="quarter" type="ftr"/>
+            <p:ph type="ftr" sz="quarter" idx="3"/>
           </p:nvPr>
         </p:nvSpPr>
         <p:spPr>
           <a:xfrm>
-            <a:off x="3124200" y="4767263"/>
-            <a:ext cx="2895600" cy="273844"/>
+            <a:off x="3124200" y="6356350"/>
+            <a:ext cx="2895600" cy="365125"/>
           </a:xfrm>
           <a:prstGeom prst="rect">
             <a:avLst/>
           </a:prstGeom>
         </p:spPr>
         <p:txBody>
-          <a:bodyPr anchor="ctr" bIns="45720" lIns="91440" rIns="91440" rtlCol="0" tIns="45720" vert="horz"/>
+          <a:bodyPr vert="horz" lIns="91440" tIns="45720" rIns="91440" bIns="45720" rtlCol="0" anchor="ctr"/>
           <a:lstStyle>
             <a:lvl1pPr algn="ctr">
-              <a:defRPr sz="900">
+              <a:defRPr sz="1200">
                 <a:solidFill>
                   <a:schemeClr val="tx1">
                     <a:tint val="75000"/>
@@ -2781,23 +2781,23 @@
             <a:spLocks noGrp="1"/>
           </p:cNvSpPr>
           <p:nvPr>
-            <p:ph idx="4" sz="quarter" type="sldNum"/>
+            <p:ph type="sldNum" sz="quarter" idx="4"/>
           </p:nvPr>
         </p:nvSpPr>
         <p:spPr>
           <a:xfrm>
-            <a:off x="6553200" y="4767263"/>
-            <a:ext cx="2133600" cy="273844"/>
+            <a:off x="6553200" y="6356350"/>
+            <a:ext cx="2133600" cy="365125"/>
           </a:xfrm>
           <a:prstGeom prst="rect">
             <a:avLst/>
           </a:prstGeom>
         </p:spPr>
         <p:txBody>
-          <a:bodyPr anchor="ctr" bIns="45720" lIns="91440" rIns="91440" rtlCol="0" tIns="45720" vert="horz"/>
+          <a:bodyPr vert="horz" lIns="91440" tIns="45720" rIns="91440" bIns="45720" rtlCol="0" anchor="ctr"/>
           <a:lstStyle>
             <a:lvl1pPr algn="r">
-              <a:defRPr sz="900">
+              <a:defRPr sz="1200">
                 <a:solidFill>
                   <a:schemeClr val="tx1">
                     <a:tint val="75000"/>
@@ -2807,7 +2807,7 @@
             </a:lvl1pPr>
           </a:lstStyle>
           <a:p>
-            <a:fld id="{C5EF2332-01BF-834F-8236-50238282D533}" type="slidenum">
+            <a:fld id="{C1FF6DA9-008F-8B48-92A6-B652298478BF}" type="slidenum">
               <a:rPr lang="en-US" smtClean="0"/>
               <a:t>‹#›</a:t>
             </a:fld>
@@ -2818,11 +2818,11 @@
     </p:spTree>
     <p:extLst>
       <p:ext uri="{BB962C8B-B14F-4D97-AF65-F5344CB8AC3E}">
-        <p14:creationId xmlns:p14="http://schemas.microsoft.com/office/powerpoint/2010/main" val="3676200875"/>
+        <p14:creationId xmlns:p14="http://schemas.microsoft.com/office/powerpoint/2010/main" val="2209977519"/>
       </p:ext>
     </p:extLst>
   </p:cSld>
-  <p:clrMap accent1="accent1" accent2="accent2" accent3="accent3" accent4="accent4" accent5="accent5" accent6="accent6" bg1="lt1" bg2="lt2" folHlink="folHlink" hlink="hlink" tx1="dk1" tx2="dk2"/>
+  <p:clrMap bg1="lt1" tx1="dk1" bg2="lt2" tx2="dk2" accent1="accent1" accent2="accent2" accent3="accent3" accent4="accent4" accent5="accent5" accent6="accent6" hlink="hlink" folHlink="folHlink"/>
   <p:sldLayoutIdLst>
     <p:sldLayoutId id="2147483649" r:id="rId1"/>
     <p:sldLayoutId id="2147483650" r:id="rId2"/>
@@ -2838,12 +2838,12 @@
   </p:sldLayoutIdLst>
   <p:txStyles>
     <p:titleStyle>
-      <a:lvl1pPr algn="ctr" defTabSz="342900" eaLnBrk="1" hangingPunct="1" latinLnBrk="0" rtl="0">
+      <a:lvl1pPr algn="ctr" defTabSz="457200" rtl="0" eaLnBrk="1" latinLnBrk="0" hangingPunct="1">
         <a:spcBef>
           <a:spcPct val="0"/>
         </a:spcBef>
         <a:buNone/>
-        <a:defRPr kern="1200" sz="3300">
+        <a:defRPr sz="4400" kern="1200">
           <a:solidFill>
             <a:schemeClr val="tx1"/>
           </a:solidFill>
@@ -2854,13 +2854,13 @@
       </a:lvl1pPr>
     </p:titleStyle>
     <p:bodyStyle>
-      <a:lvl1pPr algn="l" defTabSz="342900" eaLnBrk="1" hangingPunct="1" indent="-342900" latinLnBrk="0" marL="342900" rtl="0">
+      <a:lvl1pPr marL="342900" indent="-342900" algn="l" defTabSz="457200" rtl="0" eaLnBrk="1" latinLnBrk="0" hangingPunct="1">
         <a:spcBef>
           <a:spcPct val="20000"/>
         </a:spcBef>
         <a:buFont typeface="Arial"/>
         <a:buChar char="•"/>
-        <a:defRPr kern="1200" sz="2400">
+        <a:defRPr sz="3200" kern="1200">
           <a:solidFill>
             <a:schemeClr val="tx1"/>
           </a:solidFill>
@@ -2869,13 +2869,13 @@
           <a:cs typeface="+mn-cs"/>
         </a:defRPr>
       </a:lvl1pPr>
-      <a:lvl2pPr algn="l" defTabSz="342900" eaLnBrk="1" hangingPunct="1" indent="-342900" latinLnBrk="0" marL="685800" rtl="0">
+      <a:lvl2pPr marL="742950" indent="-285750" algn="l" defTabSz="457200" rtl="0" eaLnBrk="1" latinLnBrk="0" hangingPunct="1">
         <a:spcBef>
           <a:spcPct val="20000"/>
         </a:spcBef>
         <a:buFont typeface="Arial"/>
         <a:buChar char="–"/>
-        <a:defRPr kern="1200" sz="2100">
+        <a:defRPr sz="2800" kern="1200">
           <a:solidFill>
             <a:schemeClr val="tx1"/>
           </a:solidFill>
@@ -2884,13 +2884,13 @@
           <a:cs typeface="+mn-cs"/>
         </a:defRPr>
       </a:lvl2pPr>
-      <a:lvl3pPr algn="l" defTabSz="342900" eaLnBrk="1" hangingPunct="1" indent="-342900" latinLnBrk="0" marL="1028700" rtl="0">
+      <a:lvl3pPr marL="1143000" indent="-228600" algn="l" defTabSz="457200" rtl="0" eaLnBrk="1" latinLnBrk="0" hangingPunct="1">
         <a:spcBef>
           <a:spcPct val="20000"/>
         </a:spcBef>
         <a:buFont typeface="Arial"/>
         <a:buChar char="•"/>
-        <a:defRPr kern="1200" sz="1800">
+        <a:defRPr sz="2400" kern="1200">
           <a:solidFill>
             <a:schemeClr val="tx1"/>
           </a:solidFill>
@@ -2899,13 +2899,13 @@
           <a:cs typeface="+mn-cs"/>
         </a:defRPr>
       </a:lvl3pPr>
-      <a:lvl4pPr algn="l" defTabSz="342900" eaLnBrk="1" hangingPunct="1" indent="-342900" latinLnBrk="0" marL="1371600" rtl="0">
+      <a:lvl4pPr marL="1600200" indent="-228600" algn="l" defTabSz="457200" rtl="0" eaLnBrk="1" latinLnBrk="0" hangingPunct="1">
         <a:spcBef>
           <a:spcPct val="20000"/>
         </a:spcBef>
         <a:buFont typeface="Arial"/>
         <a:buChar char="–"/>
-        <a:defRPr kern="1200" sz="1500">
+        <a:defRPr sz="2000" kern="1200">
           <a:solidFill>
             <a:schemeClr val="tx1"/>
           </a:solidFill>
@@ -2914,13 +2914,13 @@
           <a:cs typeface="+mn-cs"/>
         </a:defRPr>
       </a:lvl4pPr>
-      <a:lvl5pPr algn="l" defTabSz="342900" eaLnBrk="1" hangingPunct="1" indent="-342900" latinLnBrk="0" marL="1714500" rtl="0">
+      <a:lvl5pPr marL="2057400" indent="-228600" algn="l" defTabSz="457200" rtl="0" eaLnBrk="1" latinLnBrk="0" hangingPunct="1">
         <a:spcBef>
           <a:spcPct val="20000"/>
         </a:spcBef>
         <a:buFont typeface="Arial"/>
         <a:buChar char="»"/>
-        <a:defRPr kern="1200" sz="1500">
+        <a:defRPr sz="2000" kern="1200">
           <a:solidFill>
             <a:schemeClr val="tx1"/>
           </a:solidFill>
@@ -2929,13 +2929,13 @@
           <a:cs typeface="+mn-cs"/>
         </a:defRPr>
       </a:lvl5pPr>
-      <a:lvl6pPr algn="l" defTabSz="342900" eaLnBrk="1" hangingPunct="1" indent="-342900" latinLnBrk="0" marL="2057400" rtl="0">
+      <a:lvl6pPr marL="2514600" indent="-228600" algn="l" defTabSz="457200" rtl="0" eaLnBrk="1" latinLnBrk="0" hangingPunct="1">
         <a:spcBef>
           <a:spcPct val="20000"/>
         </a:spcBef>
         <a:buFont typeface="Arial"/>
         <a:buChar char="•"/>
-        <a:defRPr kern="1200" sz="1500">
+        <a:defRPr sz="2000" kern="1200">
           <a:solidFill>
             <a:schemeClr val="tx1"/>
           </a:solidFill>
@@ -2944,13 +2944,13 @@
           <a:cs typeface="+mn-cs"/>
         </a:defRPr>
       </a:lvl6pPr>
-      <a:lvl7pPr algn="l" defTabSz="342900" eaLnBrk="1" hangingPunct="1" indent="-342900" latinLnBrk="0" marL="2400300" rtl="0">
+      <a:lvl7pPr marL="2971800" indent="-228600" algn="l" defTabSz="457200" rtl="0" eaLnBrk="1" latinLnBrk="0" hangingPunct="1">
         <a:spcBef>
           <a:spcPct val="20000"/>
         </a:spcBef>
         <a:buFont typeface="Arial"/>
         <a:buChar char="•"/>
-        <a:defRPr kern="1200" sz="1500">
+        <a:defRPr sz="2000" kern="1200">
           <a:solidFill>
             <a:schemeClr val="tx1"/>
           </a:solidFill>
@@ -2959,13 +2959,13 @@
           <a:cs typeface="+mn-cs"/>
         </a:defRPr>
       </a:lvl7pPr>
-      <a:lvl8pPr algn="l" defTabSz="342900" eaLnBrk="1" hangingPunct="1" indent="-342900" latinLnBrk="0" marL="2743200" rtl="0">
+      <a:lvl8pPr marL="3429000" indent="-228600" algn="l" defTabSz="457200" rtl="0" eaLnBrk="1" latinLnBrk="0" hangingPunct="1">
         <a:spcBef>
           <a:spcPct val="20000"/>
         </a:spcBef>
         <a:buFont typeface="Arial"/>
         <a:buChar char="•"/>
-        <a:defRPr kern="1200" sz="1500">
+        <a:defRPr sz="2000" kern="1200">
           <a:solidFill>
             <a:schemeClr val="tx1"/>
           </a:solidFill>
@@ -2974,13 +2974,13 @@
           <a:cs typeface="+mn-cs"/>
         </a:defRPr>
       </a:lvl8pPr>
-      <a:lvl9pPr algn="l" defTabSz="342900" eaLnBrk="1" hangingPunct="1" indent="-342900" latinLnBrk="0" marL="3086100" rtl="0">
+      <a:lvl9pPr marL="3886200" indent="-228600" algn="l" defTabSz="457200" rtl="0" eaLnBrk="1" latinLnBrk="0" hangingPunct="1">
         <a:spcBef>
           <a:spcPct val="20000"/>
         </a:spcBef>
         <a:buFont typeface="Arial"/>
         <a:buChar char="•"/>
-        <a:defRPr kern="1200" sz="1500">
+        <a:defRPr sz="2000" kern="1200">
           <a:solidFill>
             <a:schemeClr val="tx1"/>
           </a:solidFill>
@@ -2994,8 +2994,8 @@
       <a:defPPr>
         <a:defRPr lang="en-US"/>
       </a:defPPr>
-      <a:lvl1pPr algn="l" defTabSz="342900" eaLnBrk="1" hangingPunct="1" latinLnBrk="0" marL="0" rtl="0">
-        <a:defRPr kern="1200" sz="1350">
+      <a:lvl1pPr marL="0" algn="l" defTabSz="457200" rtl="0" eaLnBrk="1" latinLnBrk="0" hangingPunct="1">
+        <a:defRPr sz="1800" kern="1200">
           <a:solidFill>
             <a:schemeClr val="tx1"/>
           </a:solidFill>
@@ -3004,8 +3004,8 @@
           <a:cs typeface="+mn-cs"/>
         </a:defRPr>
       </a:lvl1pPr>
-      <a:lvl2pPr algn="l" defTabSz="342900" eaLnBrk="1" hangingPunct="1" latinLnBrk="0" marL="342900" rtl="0">
-        <a:defRPr kern="1200" sz="1350">
+      <a:lvl2pPr marL="457200" algn="l" defTabSz="457200" rtl="0" eaLnBrk="1" latinLnBrk="0" hangingPunct="1">
+        <a:defRPr sz="1800" kern="1200">
           <a:solidFill>
             <a:schemeClr val="tx1"/>
           </a:solidFill>
@@ -3014,8 +3014,8 @@
           <a:cs typeface="+mn-cs"/>
         </a:defRPr>
       </a:lvl2pPr>
-      <a:lvl3pPr algn="l" defTabSz="342900" eaLnBrk="1" hangingPunct="1" latinLnBrk="0" marL="685800" rtl="0">
-        <a:defRPr kern="1200" sz="1350">
+      <a:lvl3pPr marL="914400" algn="l" defTabSz="457200" rtl="0" eaLnBrk="1" latinLnBrk="0" hangingPunct="1">
+        <a:defRPr sz="1800" kern="1200">
           <a:solidFill>
             <a:schemeClr val="tx1"/>
           </a:solidFill>
@@ -3024,8 +3024,8 @@
           <a:cs typeface="+mn-cs"/>
         </a:defRPr>
       </a:lvl3pPr>
-      <a:lvl4pPr algn="l" defTabSz="342900" eaLnBrk="1" hangingPunct="1" latinLnBrk="0" marL="1028700" rtl="0">
-        <a:defRPr kern="1200" sz="1350">
+      <a:lvl4pPr marL="1371600" algn="l" defTabSz="457200" rtl="0" eaLnBrk="1" latinLnBrk="0" hangingPunct="1">
+        <a:defRPr sz="1800" kern="1200">
           <a:solidFill>
             <a:schemeClr val="tx1"/>
           </a:solidFill>
@@ -3034,8 +3034,8 @@
           <a:cs typeface="+mn-cs"/>
         </a:defRPr>
       </a:lvl4pPr>
-      <a:lvl5pPr algn="l" defTabSz="342900" eaLnBrk="1" hangingPunct="1" latinLnBrk="0" marL="1371600" rtl="0">
-        <a:defRPr kern="1200" sz="1350">
+      <a:lvl5pPr marL="1828800" algn="l" defTabSz="457200" rtl="0" eaLnBrk="1" latinLnBrk="0" hangingPunct="1">
+        <a:defRPr sz="1800" kern="1200">
           <a:solidFill>
             <a:schemeClr val="tx1"/>
           </a:solidFill>
@@ -3044,8 +3044,8 @@
           <a:cs typeface="+mn-cs"/>
         </a:defRPr>
       </a:lvl5pPr>
-      <a:lvl6pPr algn="l" defTabSz="342900" eaLnBrk="1" hangingPunct="1" latinLnBrk="0" marL="1714500" rtl="0">
-        <a:defRPr kern="1200" sz="1350">
+      <a:lvl6pPr marL="2286000" algn="l" defTabSz="457200" rtl="0" eaLnBrk="1" latinLnBrk="0" hangingPunct="1">
+        <a:defRPr sz="1800" kern="1200">
           <a:solidFill>
             <a:schemeClr val="tx1"/>
           </a:solidFill>
@@ -3054,8 +3054,8 @@
           <a:cs typeface="+mn-cs"/>
         </a:defRPr>
       </a:lvl6pPr>
-      <a:lvl7pPr algn="l" defTabSz="342900" eaLnBrk="1" hangingPunct="1" latinLnBrk="0" marL="2057400" rtl="0">
-        <a:defRPr kern="1200" sz="1350">
+      <a:lvl7pPr marL="2743200" algn="l" defTabSz="457200" rtl="0" eaLnBrk="1" latinLnBrk="0" hangingPunct="1">
+        <a:defRPr sz="1800" kern="1200">
           <a:solidFill>
             <a:schemeClr val="tx1"/>
           </a:solidFill>
@@ -3064,8 +3064,8 @@
           <a:cs typeface="+mn-cs"/>
         </a:defRPr>
       </a:lvl7pPr>
-      <a:lvl8pPr algn="l" defTabSz="342900" eaLnBrk="1" hangingPunct="1" latinLnBrk="0" marL="2400300" rtl="0">
-        <a:defRPr kern="1200" sz="1350">
+      <a:lvl8pPr marL="3200400" algn="l" defTabSz="457200" rtl="0" eaLnBrk="1" latinLnBrk="0" hangingPunct="1">
+        <a:defRPr sz="1800" kern="1200">
           <a:solidFill>
             <a:schemeClr val="tx1"/>
           </a:solidFill>
@@ -3074,8 +3074,8 @@
           <a:cs typeface="+mn-cs"/>
         </a:defRPr>
       </a:lvl8pPr>
-      <a:lvl9pPr algn="l" defTabSz="342900" eaLnBrk="1" hangingPunct="1" latinLnBrk="0" marL="2743200" rtl="0">
-        <a:defRPr kern="1200" sz="1350">
+      <a:lvl9pPr marL="3657600" algn="l" defTabSz="457200" rtl="0" eaLnBrk="1" latinLnBrk="0" hangingPunct="1">
+        <a:defRPr sz="1800" kern="1200">
           <a:solidFill>
             <a:schemeClr val="tx1"/>
           </a:solidFill>
@@ -3090,7 +3090,7 @@
 </file>
 
 <file path=ppt/slides/slide1.xml><?xml version="1.0" encoding="utf-8"?>
-<p:sld xmlns:a="http://schemas.openxmlformats.org/drawingml/2006/main" xmlns:r="http://schemas.openxmlformats.org/officeDocument/2006/relationships" xmlns:p="http://schemas.openxmlformats.org/presentationml/2006/main">
+<p:sld xmlns:a="http://schemas.openxmlformats.org/drawingml/2006/main" xmlns:p="http://schemas.openxmlformats.org/presentationml/2006/main" xmlns:r="http://schemas.openxmlformats.org/officeDocument/2006/relationships">
   <p:cSld>
     <p:spTree>
       <p:nvGrpSpPr>
@@ -3098,14 +3098,7 @@
         <p:cNvGrpSpPr/>
         <p:nvPr/>
       </p:nvGrpSpPr>
-      <p:grpSpPr>
-        <a:xfrm>
-          <a:off x="0" y="0"/>
-          <a:ext cx="0" cy="0"/>
-          <a:chOff x="0" y="0"/>
-          <a:chExt cx="0" cy="0"/>
-        </a:xfrm>
-      </p:grpSpPr>
+      <p:grpSpPr/>
       <p:sp>
         <p:nvSpPr>
           <p:cNvPr id="2" name="Title 1"/>
@@ -3116,22 +3109,18 @@
             <p:ph type="ctrTitle"/>
           </p:nvPr>
         </p:nvSpPr>
-        <p:spPr>
-          <a:xfrm>
-            <a:off x="685800" y="1597819"/>
-            <a:ext cx="7772400" cy="1102519"/>
-          </a:xfrm>
-        </p:spPr>
-        <p:txBody>
-          <a:bodyPr/>
-          <a:lstStyle/>
-          <a:p>
-            <a:pPr lvl="0" indent="0" marL="0">
-              <a:buNone/>
-            </a:pPr>
-            <a:r>
-              <a:rPr/>
-              <a:t>Enhancing QoS in Dense IEEE 802.11ax Networks using a Dynamic Airtime-Based Soft Admission Control Mechanism</a:t>
+        <p:spPr/>
+        <p:txBody>
+          <a:bodyPr/>
+          <a:lstStyle/>
+          <a:p>
+            <a:r>
+              <a:t>Enhancing QoS in Dense IEEE 802.11ax Settings</a:t>
+            </a:r>
+          </a:p>
+          <a:p>
+            <a:r>
+              <a:t>using a Dynamic Airtime-Based Soft Admission Control Mechanism</a:t>
             </a:r>
           </a:p>
         </p:txBody>
@@ -3143,63 +3132,46 @@
             <a:spLocks noGrp="1"/>
           </p:cNvSpPr>
           <p:nvPr>
-            <p:ph idx="1" type="subTitle"/>
-          </p:nvPr>
-        </p:nvSpPr>
-        <p:spPr>
-          <a:xfrm>
-            <a:off x="1371600" y="2914650"/>
-            <a:ext cx="6400800" cy="1314450"/>
-          </a:xfrm>
-        </p:spPr>
-        <p:txBody>
-          <a:bodyPr/>
-          <a:lstStyle/>
-          <a:p>
-            <a:pPr lvl="0" indent="0" marL="0">
-              <a:buNone/>
-            </a:pPr>
-            <a:br/>
-            <a:br/>
-            <a:r>
-              <a:rPr/>
+            <p:ph type="subTitle" idx="1"/>
+          </p:nvPr>
+        </p:nvSpPr>
+        <p:spPr/>
+        <p:txBody>
+          <a:bodyPr/>
+          <a:lstStyle/>
+          <a:p>
+            <a:r>
               <a:t>Dayanand Ambawade &amp; Rohan Pawar</a:t>
             </a:r>
           </a:p>
-        </p:txBody>
-      </p:sp>
-      <p:sp>
-        <p:nvSpPr>
-          <p:cNvPr id="4" name="Date Placeholder 3"/>
-          <p:cNvSpPr>
-            <a:spLocks noGrp="1"/>
-          </p:cNvSpPr>
-          <p:nvPr>
-            <p:ph idx="10" sz="half" type="dt"/>
-          </p:nvPr>
-        </p:nvSpPr>
-        <p:spPr/>
-        <p:txBody>
-          <a:bodyPr/>
-          <a:lstStyle/>
-          <a:p>
-            <a:pPr lvl="0" indent="0" marL="0">
-              <a:buNone/>
-            </a:pPr>
-            <a:r>
-              <a:rPr/>
-              <a:t>10th ICSCC 2025 - Nagoya University, Japan</a:t>
+          <a:p/>
+          <a:p>
+            <a:r>
+              <a:t>10th International Conference on Systems, Control and Communications (ICSCC 2025)</a:t>
+            </a:r>
+          </a:p>
+          <a:p>
+            <a:r>
+              <a:t>Nagoya University, Japan</a:t>
+            </a:r>
+          </a:p>
+          <a:p>
+            <a:r>
+              <a:t>December 2025</a:t>
             </a:r>
           </a:p>
         </p:txBody>
       </p:sp>
     </p:spTree>
   </p:cSld>
+  <p:clrMapOvr>
+    <a:masterClrMapping/>
+  </p:clrMapOvr>
 </p:sld>
 </file>
 
 <file path=ppt/slides/slide10.xml><?xml version="1.0" encoding="utf-8"?>
-<p:sld xmlns:a="http://schemas.openxmlformats.org/drawingml/2006/main" xmlns:r="http://schemas.openxmlformats.org/officeDocument/2006/relationships" xmlns:p="http://schemas.openxmlformats.org/presentationml/2006/main">
+<p:sld xmlns:a="http://schemas.openxmlformats.org/drawingml/2006/main" xmlns:p="http://schemas.openxmlformats.org/presentationml/2006/main" xmlns:r="http://schemas.openxmlformats.org/officeDocument/2006/relationships">
   <p:cSld>
     <p:spTree>
       <p:nvGrpSpPr>
@@ -3207,14 +3179,7 @@
         <p:cNvGrpSpPr/>
         <p:nvPr/>
       </p:nvGrpSpPr>
-      <p:grpSpPr>
-        <a:xfrm>
-          <a:off x="0" y="0"/>
-          <a:ext cx="0" cy="0"/>
-          <a:chOff x="0" y="0"/>
-          <a:chExt cx="0" cy="0"/>
-        </a:xfrm>
-      </p:grpSpPr>
+      <p:grpSpPr/>
       <p:sp>
         <p:nvSpPr>
           <p:cNvPr id="2" name="Title 1"/>
@@ -3230,160 +3195,97 @@
           <a:bodyPr/>
           <a:lstStyle/>
           <a:p>
-            <a:pPr lvl="0" indent="0" marL="0">
-              <a:buNone/>
+            <a:r>
+              <a:t>Multi-Dimensional Superiority</a:t>
+            </a:r>
+          </a:p>
+        </p:txBody>
+      </p:sp>
+      <p:sp>
+        <p:nvSpPr>
+          <p:cNvPr id="3" name="Content Placeholder 2"/>
+          <p:cNvSpPr>
+            <a:spLocks noGrp="1"/>
+          </p:cNvSpPr>
+          <p:nvPr>
+            <p:ph idx="1" sz="half"/>
+          </p:nvPr>
+        </p:nvSpPr>
+        <p:spPr/>
+        <p:txBody>
+          <a:bodyPr/>
+          <a:lstStyle/>
+          <a:p/>
+        </p:txBody>
+      </p:sp>
+      <p:sp>
+        <p:nvSpPr>
+          <p:cNvPr id="4" name="Content Placeholder 3"/>
+          <p:cNvSpPr>
+            <a:spLocks noGrp="1"/>
+          </p:cNvSpPr>
+          <p:nvPr>
+            <p:ph idx="2" sz="half"/>
+          </p:nvPr>
+        </p:nvSpPr>
+        <p:spPr/>
+        <p:txBody>
+          <a:bodyPr/>
+          <a:lstStyle/>
+          <a:p>
+            <a:r>
+              <a:t>Why AS-CAC+ Wins:</a:t>
+            </a:r>
+          </a:p>
+          <a:p>
+            <a:pPr>
+              <a:defRPr b="1"/>
             </a:pPr>
             <a:r>
-              <a:rPr/>
-              <a:t>Algorithm: AS-CAC+ (Adaptive)</a:t>
-            </a:r>
-          </a:p>
-        </p:txBody>
-      </p:sp>
-      <mc:AlternateContent xmlns:mc="http://schemas.openxmlformats.org/markup-compatibility/2006">
-        <mc:Choice xmlns:a14="http://schemas.microsoft.com/office/drawing/2010/main" Requires="a14">
-          <p:sp>
-            <p:nvSpPr>
-              <p:cNvPr id="3" name="Content Placeholder 2"/>
-              <p:cNvSpPr>
-                <a:spLocks noGrp="1"/>
-              </p:cNvSpPr>
-              <p:nvPr>
-                <p:ph idx="1"/>
-              </p:nvPr>
-            </p:nvSpPr>
-            <p:spPr/>
-            <p:txBody>
-              <a:bodyPr/>
-              <a:lstStyle/>
-              <a:p>
-                <a:pPr lvl="0" indent="0" marL="0">
-                  <a:buNone/>
-                </a:pPr>
-                <a:r>
-                  <a:rPr b="1"/>
-                  <a:t>Dynamic Threshold Adjustment:</a:t>
-                </a:r>
-              </a:p>
-              <a:p>
-                <a:pPr lvl="0"/>
-                <a:r>
-                  <a:rPr/>
-                  <a:t>Monitors Packet Error Rate (PER) and Utilization.</a:t>
-                </a:r>
-              </a:p>
-              <a:p>
-                <a:pPr lvl="0"/>
-                <a:r>
-                  <a:rPr/>
-                  <a:t>Adjusts Best-Effort threshold (</a:t>
-                </a:r>
-                <a14:m>
-                  <m:oMath xmlns:m="http://schemas.openxmlformats.org/officeDocument/2006/math">
-                    <m:sSub>
-                      <m:e>
-                        <m:r>
-                          <m:t>θ</m:t>
-                        </m:r>
-                      </m:e>
-                      <m:sub>
-                        <m:r>
-                          <m:t>B</m:t>
-                        </m:r>
-                        <m:r>
-                          <m:t>E</m:t>
-                        </m:r>
-                      </m:sub>
-                    </m:sSub>
-                  </m:oMath>
-                </a14:m>
-                <a:r>
-                  <a:rPr/>
-                  <a:t>) in real-time.</a:t>
-                </a:r>
-              </a:p>
-              <a:p>
-                <a:pPr lvl="0" indent="0" marL="0">
-                  <a:buNone/>
-                </a:pPr>
-                <a:r>
-                  <a:rPr b="1"/>
-                  <a:t>AS-CAC+ Adaptive Threshold Logic:</a:t>
-                </a:r>
-              </a:p>
-              <a:p>
-                <a:pPr lvl="0" indent="0">
-                  <a:buNone/>
-                </a:pPr>
-                <a:r>
-                  <a:rPr>
-                    <a:latin typeface="Courier"/>
-                  </a:rPr>
-                  <a:t>Input: Utilization A, Threshold θ_BE
-PER = Calculate from Network Health
-IF (PER &gt; 0.05):
-    θ_BE = max(0.80, θ_BE - 0.01)  // Reduce load
-ELSE IF (PER &lt; 0.02 AND A &gt; 0.70):
-    θ_BE = min(0.98, θ_BE + 0.01)  // Utilize spare capacity
-Return: Updated θ_BE</a:t>
-                </a:r>
-              </a:p>
-            </p:txBody>
-          </p:sp>
-        </mc:Choice>
-      </mc:AlternateContent>
-    </p:spTree>
-  </p:cSld>
-</p:sld>
-</file>
-
-<file path=ppt/slides/slide11.xml><?xml version="1.0" encoding="utf-8"?>
-<p:sld xmlns:a="http://schemas.openxmlformats.org/drawingml/2006/main" xmlns:r="http://schemas.openxmlformats.org/officeDocument/2006/relationships" xmlns:p="http://schemas.openxmlformats.org/presentationml/2006/main">
-  <p:cSld>
-    <p:spTree>
-      <p:nvGrpSpPr>
-        <p:cNvPr id="1" name=""/>
-        <p:cNvGrpSpPr/>
-        <p:nvPr/>
-      </p:nvGrpSpPr>
-      <p:grpSpPr>
-        <a:xfrm>
-          <a:off x="0" y="0"/>
-          <a:ext cx="0" cy="0"/>
-          <a:chOff x="0" y="0"/>
-          <a:chExt cx="0" cy="0"/>
-        </a:xfrm>
-      </p:grpSpPr>
-      <p:sp>
-        <p:nvSpPr>
-          <p:cNvPr id="2" name="Title 1"/>
-          <p:cNvSpPr>
-            <a:spLocks noGrp="1"/>
-          </p:cNvSpPr>
-          <p:nvPr>
-            <p:ph type="title"/>
-          </p:nvPr>
-        </p:nvSpPr>
-        <p:spPr/>
-        <p:txBody>
-          <a:bodyPr/>
-          <a:lstStyle/>
-          <a:p>
-            <a:pPr lvl="0" indent="0" marL="0">
-              <a:buNone/>
+              <a:t>Adaptability</a:t>
+            </a:r>
+          </a:p>
+          <a:p>
+            <a:pPr lvl="1"/>
+            <a:r>
+              <a:t>Reacts to interference instantly.</a:t>
+            </a:r>
+          </a:p>
+          <a:p>
+            <a:pPr>
+              <a:defRPr b="1"/>
             </a:pPr>
             <a:r>
-              <a:rPr/>
-              <a:t>Adaptive Behavior Visualization</a:t>
+              <a:t>Utilization</a:t>
+            </a:r>
+          </a:p>
+          <a:p>
+            <a:pPr lvl="1"/>
+            <a:r>
+              <a:t>97.4% vs 78% (Hard CAC).</a:t>
+            </a:r>
+          </a:p>
+          <a:p>
+            <a:pPr>
+              <a:defRPr b="1"/>
+            </a:pPr>
+            <a:r>
+              <a:t>Safety</a:t>
+            </a:r>
+          </a:p>
+          <a:p>
+            <a:pPr lvl="1"/>
+            <a:r>
+              <a:t>Keeps VoIP latency &lt; 2ms.</a:t>
             </a:r>
           </a:p>
         </p:txBody>
       </p:sp>
       <p:pic>
         <p:nvPicPr>
-          <p:cNvPr descr="../results/graphs/ascac_threshold_evolution.png" id="0" name="Picture 1"/>
+          <p:cNvPr id="5" name="Picture 4" descr="ascac_radar_chart.png"/>
           <p:cNvPicPr>
-            <a:picLocks noGrp="1" noChangeAspect="1"/>
+            <a:picLocks noChangeAspect="1"/>
           </p:cNvPicPr>
           <p:nvPr/>
         </p:nvPicPr>
@@ -3393,29 +3295,26 @@
             <a:fillRect/>
           </a:stretch>
         </p:blipFill>
-        <p:spPr bwMode="auto">
+        <p:spPr>
           <a:xfrm>
-            <a:off x="1155700" y="1193800"/>
-            <a:ext cx="6845300" cy="3390900"/>
+            <a:off x="457200" y="1600200"/>
+            <a:ext cx="4038600" cy="3439430"/>
           </a:xfrm>
           <a:prstGeom prst="rect">
             <a:avLst/>
           </a:prstGeom>
-          <a:noFill/>
-          <a:ln w="9525">
-            <a:noFill/>
-            <a:headEnd/>
-            <a:tailEnd/>
-          </a:ln>
         </p:spPr>
       </p:pic>
     </p:spTree>
   </p:cSld>
+  <p:clrMapOvr>
+    <a:masterClrMapping/>
+  </p:clrMapOvr>
 </p:sld>
 </file>
 
-<file path=ppt/slides/slide12.xml><?xml version="1.0" encoding="utf-8"?>
-<p:sld xmlns:a="http://schemas.openxmlformats.org/drawingml/2006/main" xmlns:r="http://schemas.openxmlformats.org/officeDocument/2006/relationships" xmlns:p="http://schemas.openxmlformats.org/presentationml/2006/main">
+<file path=ppt/slides/slide11.xml><?xml version="1.0" encoding="utf-8"?>
+<p:sld xmlns:a="http://schemas.openxmlformats.org/drawingml/2006/main" xmlns:p="http://schemas.openxmlformats.org/presentationml/2006/main" xmlns:r="http://schemas.openxmlformats.org/officeDocument/2006/relationships">
   <p:cSld>
     <p:spTree>
       <p:nvGrpSpPr>
@@ -3423,14 +3322,7 @@
         <p:cNvGrpSpPr/>
         <p:nvPr/>
       </p:nvGrpSpPr>
-      <p:grpSpPr>
-        <a:xfrm>
-          <a:off x="0" y="0"/>
-          <a:ext cx="0" cy="0"/>
-          <a:chOff x="0" y="0"/>
-          <a:chExt cx="0" cy="0"/>
-        </a:xfrm>
-      </p:grpSpPr>
+      <p:grpSpPr/>
       <p:sp>
         <p:nvSpPr>
           <p:cNvPr id="2" name="Title 1"/>
@@ -3441,33 +3333,83 @@
             <p:ph type="title"/>
           </p:nvPr>
         </p:nvSpPr>
-        <p:spPr>
-          <a:xfrm>
-            <a:off x="722313" y="3305176"/>
-            <a:ext cx="7772400" cy="1021556"/>
-          </a:xfrm>
-        </p:spPr>
-        <p:txBody>
-          <a:bodyPr/>
-          <a:lstStyle/>
-          <a:p>
-            <a:pPr lvl="0" indent="0" marL="0">
-              <a:buNone/>
-            </a:pPr>
-            <a:r>
-              <a:rPr/>
-              <a:t>Performance Evaluation</a:t>
+        <p:spPr/>
+        <p:txBody>
+          <a:bodyPr/>
+          <a:lstStyle/>
+          <a:p>
+            <a:r>
+              <a:t>Conclusion</a:t>
+            </a:r>
+          </a:p>
+        </p:txBody>
+      </p:sp>
+      <p:sp>
+        <p:nvSpPr>
+          <p:cNvPr id="3" name="Content Placeholder 2"/>
+          <p:cNvSpPr>
+            <a:spLocks noGrp="1"/>
+          </p:cNvSpPr>
+          <p:nvPr>
+            <p:ph idx="1"/>
+          </p:nvPr>
+        </p:nvSpPr>
+        <p:spPr/>
+        <p:txBody>
+          <a:bodyPr/>
+          <a:lstStyle/>
+          <a:p>
+            <a:r>
+              <a:t>Summary</a:t>
+            </a:r>
+          </a:p>
+          <a:p>
+            <a:pPr lvl="1"/>
+            <a:r>
+              <a:t>AS-CAC+ transforms admission control from static to dynamic.</a:t>
+            </a:r>
+          </a:p>
+          <a:p>
+            <a:pPr lvl="1"/>
+            <a:r>
+              <a:t>Safely unlocks 19.2% more capacity.</a:t>
+            </a:r>
+          </a:p>
+          <a:p>
+            <a:r>
+              <a:t>Key Achievements</a:t>
+            </a:r>
+          </a:p>
+          <a:p>
+            <a:pPr lvl="1"/>
+            <a:r>
+              <a:t>19.2% Throughput improvement.</a:t>
+            </a:r>
+          </a:p>
+          <a:p>
+            <a:pPr lvl="1"/>
+            <a:r>
+              <a:t>97.4% Channel Utilization.</a:t>
+            </a:r>
+          </a:p>
+          <a:p>
+            <a:pPr lvl="1"/>
+            <a:r>
+              <a:t>Strict QoS for VoIP validated.</a:t>
             </a:r>
           </a:p>
         </p:txBody>
       </p:sp>
     </p:spTree>
   </p:cSld>
+  <p:clrMapOvr>
+    <a:masterClrMapping/>
+  </p:clrMapOvr>
 </p:sld>
 </file>
 
-<file path=ppt/slides/slide13.xml><?xml version="1.0" encoding="utf-8"?>
-<p:sld xmlns:a="http://schemas.openxmlformats.org/drawingml/2006/main" xmlns:r="http://schemas.openxmlformats.org/officeDocument/2006/relationships" xmlns:p="http://schemas.openxmlformats.org/presentationml/2006/main">
+<file path=ppt/slides/slide12.xml><?xml version="1.0" encoding="utf-8"?>
+<p:sld xmlns:a="http://schemas.openxmlformats.org/drawingml/2006/main" xmlns:p="http://schemas.openxmlformats.org/presentationml/2006/main" xmlns:r="http://schemas.openxmlformats.org/officeDocument/2006/relationships">
   <p:cSld>
     <p:spTree>
       <p:nvGrpSpPr>
@@ -3475,14 +3417,7 @@
         <p:cNvGrpSpPr/>
         <p:nvPr/>
       </p:nvGrpSpPr>
-      <p:grpSpPr>
-        <a:xfrm>
-          <a:off x="0" y="0"/>
-          <a:ext cx="0" cy="0"/>
-          <a:chOff x="0" y="0"/>
-          <a:chExt cx="0" cy="0"/>
-        </a:xfrm>
-      </p:grpSpPr>
+      <p:grpSpPr/>
       <p:sp>
         <p:nvSpPr>
           <p:cNvPr id="2" name="Title 1"/>
@@ -3490,6 +3425,77 @@
             <a:spLocks noGrp="1"/>
           </p:cNvSpPr>
           <p:nvPr>
+            <p:ph type="ctrTitle"/>
+          </p:nvPr>
+        </p:nvSpPr>
+        <p:spPr/>
+        <p:txBody>
+          <a:bodyPr/>
+          <a:lstStyle/>
+          <a:p>
+            <a:r>
+              <a:t>Thank You!</a:t>
+            </a:r>
+          </a:p>
+        </p:txBody>
+      </p:sp>
+      <p:sp>
+        <p:nvSpPr>
+          <p:cNvPr id="3" name="Subtitle 2"/>
+          <p:cNvSpPr>
+            <a:spLocks noGrp="1"/>
+          </p:cNvSpPr>
+          <p:nvPr>
+            <p:ph type="subTitle" idx="1"/>
+          </p:nvPr>
+        </p:nvSpPr>
+        <p:spPr/>
+        <p:txBody>
+          <a:bodyPr/>
+          <a:lstStyle/>
+          <a:p>
+            <a:r>
+              <a:t>Questions?</a:t>
+            </a:r>
+          </a:p>
+          <a:p/>
+          <a:p>
+            <a:r>
+              <a:t>Dayanand Ambawade &amp; Rohan Pawar</a:t>
+            </a:r>
+          </a:p>
+          <a:p>
+            <a:r>
+              <a:t>Sardar Patel Institute of Technology</a:t>
+            </a:r>
+          </a:p>
+        </p:txBody>
+      </p:sp>
+    </p:spTree>
+  </p:cSld>
+  <p:clrMapOvr>
+    <a:masterClrMapping/>
+  </p:clrMapOvr>
+</p:sld>
+</file>
+
+<file path=ppt/slides/slide2.xml><?xml version="1.0" encoding="utf-8"?>
+<p:sld xmlns:a="http://schemas.openxmlformats.org/drawingml/2006/main" xmlns:p="http://schemas.openxmlformats.org/presentationml/2006/main" xmlns:r="http://schemas.openxmlformats.org/officeDocument/2006/relationships">
+  <p:cSld>
+    <p:spTree>
+      <p:nvGrpSpPr>
+        <p:cNvPr id="1" name=""/>
+        <p:cNvGrpSpPr/>
+        <p:nvPr/>
+      </p:nvGrpSpPr>
+      <p:grpSpPr/>
+      <p:sp>
+        <p:nvSpPr>
+          <p:cNvPr id="2" name="Title 1"/>
+          <p:cNvSpPr>
+            <a:spLocks noGrp="1"/>
+          </p:cNvSpPr>
+          <p:nvPr>
             <p:ph type="title"/>
           </p:nvPr>
         </p:nvSpPr>
@@ -3498,21 +3504,282 @@
           <a:bodyPr/>
           <a:lstStyle/>
           <a:p>
-            <a:pPr lvl="0" indent="0" marL="0">
-              <a:buNone/>
+            <a:r>
+              <a:t>Outline</a:t>
+            </a:r>
+          </a:p>
+        </p:txBody>
+      </p:sp>
+      <p:sp>
+        <p:nvSpPr>
+          <p:cNvPr id="3" name="Content Placeholder 2"/>
+          <p:cNvSpPr>
+            <a:spLocks noGrp="1"/>
+          </p:cNvSpPr>
+          <p:nvPr>
+            <p:ph idx="1"/>
+          </p:nvPr>
+        </p:nvSpPr>
+        <p:spPr/>
+        <p:txBody>
+          <a:bodyPr/>
+          <a:lstStyle/>
+          <a:p>
+            <a:r>
+              <a:t>Introduction &amp; Motivation</a:t>
+            </a:r>
+          </a:p>
+          <a:p>
+            <a:r>
+              <a:t>System Architecture</a:t>
+            </a:r>
+          </a:p>
+          <a:p>
+            <a:r>
+              <a:t>Proposed AS-CAC Framework</a:t>
+            </a:r>
+          </a:p>
+          <a:p>
+            <a:r>
+              <a:t>Performance Evaluation</a:t>
+            </a:r>
+          </a:p>
+          <a:p>
+            <a:r>
+              <a:t>Conclusion</a:t>
+            </a:r>
+          </a:p>
+        </p:txBody>
+      </p:sp>
+    </p:spTree>
+  </p:cSld>
+  <p:clrMapOvr>
+    <a:masterClrMapping/>
+  </p:clrMapOvr>
+</p:sld>
+</file>
+
+<file path=ppt/slides/slide3.xml><?xml version="1.0" encoding="utf-8"?>
+<p:sld xmlns:a="http://schemas.openxmlformats.org/drawingml/2006/main" xmlns:p="http://schemas.openxmlformats.org/presentationml/2006/main" xmlns:r="http://schemas.openxmlformats.org/officeDocument/2006/relationships">
+  <p:cSld>
+    <p:spTree>
+      <p:nvGrpSpPr>
+        <p:cNvPr id="1" name=""/>
+        <p:cNvGrpSpPr/>
+        <p:nvPr/>
+      </p:nvGrpSpPr>
+      <p:grpSpPr/>
+      <p:sp>
+        <p:nvSpPr>
+          <p:cNvPr id="2" name="Title 1"/>
+          <p:cNvSpPr>
+            <a:spLocks noGrp="1"/>
+          </p:cNvSpPr>
+          <p:nvPr>
+            <p:ph type="title"/>
+          </p:nvPr>
+        </p:nvSpPr>
+        <p:spPr/>
+        <p:txBody>
+          <a:bodyPr/>
+          <a:lstStyle/>
+          <a:p>
+            <a:r>
+              <a:t>Motivation</a:t>
+            </a:r>
+          </a:p>
+        </p:txBody>
+      </p:sp>
+      <p:sp>
+        <p:nvSpPr>
+          <p:cNvPr id="3" name="Content Placeholder 2"/>
+          <p:cNvSpPr>
+            <a:spLocks noGrp="1"/>
+          </p:cNvSpPr>
+          <p:nvPr>
+            <p:ph idx="1"/>
+          </p:nvPr>
+        </p:nvSpPr>
+        <p:spPr/>
+        <p:txBody>
+          <a:bodyPr/>
+          <a:lstStyle/>
+          <a:p>
+            <a:pPr>
+              <a:defRPr b="1"/>
             </a:pPr>
             <a:r>
-              <a:rPr/>
-              <a:t>Simulation Results: Latency</a:t>
-            </a:r>
-          </a:p>
+              <a:t>The Challenge</a:t>
+            </a:r>
+          </a:p>
+          <a:p>
+            <a:pPr lvl="1"/>
+            <a:r>
+              <a:t>IEEE 802.11ax (Wi-Fi 6) improves spectral efficiency but struggles under saturation in dense environments.</a:t>
+            </a:r>
+          </a:p>
+          <a:p>
+            <a:pPr>
+              <a:defRPr b="1"/>
+            </a:pPr>
+            <a:r>
+              <a:t>QoS Issues</a:t>
+            </a:r>
+          </a:p>
+          <a:p>
+            <a:pPr lvl="1"/>
+            <a:r>
+              <a:t>Real-time applications (VoIP, Video) are sensitive to high delay and jitter caused by congestion.</a:t>
+            </a:r>
+          </a:p>
+          <a:p>
+            <a:pPr>
+              <a:defRPr b="1"/>
+            </a:pPr>
+            <a:r>
+              <a:t>Limitation of Existing CAC</a:t>
+            </a:r>
+          </a:p>
+          <a:p>
+            <a:pPr lvl="1"/>
+            <a:r>
+              <a:t>Traditional schemes ignore traffic heterogeneity (IoT vs 4K Video) and varying MCS.</a:t>
+            </a:r>
+          </a:p>
+          <a:p>
+            <a:pPr>
+              <a:defRPr b="1"/>
+            </a:pPr>
+            <a:r>
+              <a:t>Research Goal</a:t>
+            </a:r>
+          </a:p>
+          <a:p>
+            <a:pPr lvl="1"/>
+            <a:r>
+              <a:t>Develop admission control to maximize airtime utilization while guaranteeing strict QoS.</a:t>
+            </a:r>
+          </a:p>
+        </p:txBody>
+      </p:sp>
+    </p:spTree>
+  </p:cSld>
+  <p:clrMapOvr>
+    <a:masterClrMapping/>
+  </p:clrMapOvr>
+</p:sld>
+</file>
+
+<file path=ppt/slides/slide4.xml><?xml version="1.0" encoding="utf-8"?>
+<p:sld xmlns:a="http://schemas.openxmlformats.org/drawingml/2006/main" xmlns:p="http://schemas.openxmlformats.org/presentationml/2006/main" xmlns:r="http://schemas.openxmlformats.org/officeDocument/2006/relationships">
+  <p:cSld>
+    <p:spTree>
+      <p:nvGrpSpPr>
+        <p:cNvPr id="1" name=""/>
+        <p:cNvGrpSpPr/>
+        <p:nvPr/>
+      </p:nvGrpSpPr>
+      <p:grpSpPr/>
+      <p:sp>
+        <p:nvSpPr>
+          <p:cNvPr id="2" name="Title 1"/>
+          <p:cNvSpPr>
+            <a:spLocks noGrp="1"/>
+          </p:cNvSpPr>
+          <p:nvPr>
+            <p:ph type="title"/>
+          </p:nvPr>
+        </p:nvSpPr>
+        <p:spPr/>
+        <p:txBody>
+          <a:bodyPr/>
+          <a:lstStyle/>
+          <a:p>
+            <a:r>
+              <a:t>Research Test Bed &amp; Components</a:t>
+            </a:r>
+          </a:p>
+        </p:txBody>
+      </p:sp>
+      <p:sp>
+        <p:nvSpPr>
+          <p:cNvPr id="3" name="Content Placeholder 2"/>
+          <p:cNvSpPr>
+            <a:spLocks noGrp="1"/>
+          </p:cNvSpPr>
+          <p:nvPr>
+            <p:ph idx="1" sz="half"/>
+          </p:nvPr>
+        </p:nvSpPr>
+        <p:spPr/>
+        <p:txBody>
+          <a:bodyPr/>
+          <a:lstStyle/>
+          <a:p>
+            <a:r>
+              <a:t>Simulation Components (ns-3):</a:t>
+            </a:r>
+          </a:p>
+          <a:p>
+            <a:pPr lvl="1"/>
+            <a:r>
+              <a:t>AP Node: Wi-Fi 6 (802.11ax), 80 MHz, 5 GHz</a:t>
+            </a:r>
+          </a:p>
+          <a:p>
+            <a:pPr lvl="1"/>
+            <a:r>
+              <a:t>Stations: 25-50 users in dense grid</a:t>
+            </a:r>
+          </a:p>
+          <a:p>
+            <a:pPr lvl="1"/>
+            <a:r>
+              <a:t>Traffic Generators:</a:t>
+            </a:r>
+          </a:p>
+          <a:p>
+            <a:pPr lvl="2"/>
+            <a:r>
+              <a:t>VoIP (UDP)</a:t>
+            </a:r>
+          </a:p>
+          <a:p>
+            <a:pPr lvl="2"/>
+            <a:r>
+              <a:t>Video (UDP)</a:t>
+            </a:r>
+          </a:p>
+          <a:p>
+            <a:pPr lvl="2"/>
+            <a:r>
+              <a:t>Bursty/Web (TCP/UDP)</a:t>
+            </a:r>
+          </a:p>
+        </p:txBody>
+      </p:sp>
+      <p:sp>
+        <p:nvSpPr>
+          <p:cNvPr id="4" name="Content Placeholder 3"/>
+          <p:cNvSpPr>
+            <a:spLocks noGrp="1"/>
+          </p:cNvSpPr>
+          <p:nvPr>
+            <p:ph idx="2" sz="half"/>
+          </p:nvPr>
+        </p:nvSpPr>
+        <p:spPr/>
+        <p:txBody>
+          <a:bodyPr/>
+          <a:lstStyle/>
+          <a:p/>
         </p:txBody>
       </p:sp>
       <p:pic>
         <p:nvPicPr>
-          <p:cNvPr descr="../results/graphs/cac_vs_no_cac.png" id="0" name="Picture 1"/>
+          <p:cNvPr id="5" name="Picture 4" descr="ns3_network_topology.png"/>
           <p:cNvPicPr>
-            <a:picLocks noGrp="1" noChangeAspect="1"/>
+            <a:picLocks noChangeAspect="1"/>
           </p:cNvPicPr>
           <p:nvPr/>
         </p:nvPicPr>
@@ -3522,29 +3789,26 @@
             <a:fillRect/>
           </a:stretch>
         </p:blipFill>
-        <p:spPr bwMode="auto">
+        <p:spPr>
           <a:xfrm>
-            <a:off x="508000" y="1193800"/>
-            <a:ext cx="8140700" cy="3390900"/>
+            <a:off x="4648200" y="1600200"/>
+            <a:ext cx="4038600" cy="3384742"/>
           </a:xfrm>
           <a:prstGeom prst="rect">
             <a:avLst/>
           </a:prstGeom>
-          <a:noFill/>
-          <a:ln w="9525">
-            <a:noFill/>
-            <a:headEnd/>
-            <a:tailEnd/>
-          </a:ln>
         </p:spPr>
       </p:pic>
     </p:spTree>
   </p:cSld>
+  <p:clrMapOvr>
+    <a:masterClrMapping/>
+  </p:clrMapOvr>
 </p:sld>
 </file>
 
-<file path=ppt/slides/slide14.xml><?xml version="1.0" encoding="utf-8"?>
-<p:sld xmlns:a="http://schemas.openxmlformats.org/drawingml/2006/main" xmlns:r="http://schemas.openxmlformats.org/officeDocument/2006/relationships" xmlns:p="http://schemas.openxmlformats.org/presentationml/2006/main">
+<file path=ppt/slides/slide5.xml><?xml version="1.0" encoding="utf-8"?>
+<p:sld xmlns:a="http://schemas.openxmlformats.org/drawingml/2006/main" xmlns:p="http://schemas.openxmlformats.org/presentationml/2006/main" xmlns:r="http://schemas.openxmlformats.org/officeDocument/2006/relationships">
   <p:cSld>
     <p:spTree>
       <p:nvGrpSpPr>
@@ -3552,14 +3816,7 @@
         <p:cNvGrpSpPr/>
         <p:nvPr/>
       </p:nvGrpSpPr>
-      <p:grpSpPr>
-        <a:xfrm>
-          <a:off x="0" y="0"/>
-          <a:ext cx="0" cy="0"/>
-          <a:chOff x="0" y="0"/>
-          <a:chExt cx="0" cy="0"/>
-        </a:xfrm>
-      </p:grpSpPr>
+      <p:grpSpPr/>
       <p:sp>
         <p:nvSpPr>
           <p:cNvPr id="2" name="Title 1"/>
@@ -3575,21 +3832,84 @@
           <a:bodyPr/>
           <a:lstStyle/>
           <a:p>
-            <a:pPr lvl="0" indent="0" marL="0">
-              <a:buNone/>
-            </a:pPr>
-            <a:r>
-              <a:rPr/>
-              <a:t>Comprehensive Analysis</a:t>
-            </a:r>
-          </a:p>
+            <a:r>
+              <a:t>System Model and Traffic</a:t>
+            </a:r>
+          </a:p>
+        </p:txBody>
+      </p:sp>
+      <p:sp>
+        <p:nvSpPr>
+          <p:cNvPr id="3" name="Content Placeholder 2"/>
+          <p:cNvSpPr>
+            <a:spLocks noGrp="1"/>
+          </p:cNvSpPr>
+          <p:nvPr>
+            <p:ph idx="1" sz="half"/>
+          </p:nvPr>
+        </p:nvSpPr>
+        <p:spPr/>
+        <p:txBody>
+          <a:bodyPr/>
+          <a:lstStyle/>
+          <a:p>
+            <a:r>
+              <a:t>Metric: Airtime Utilization</a:t>
+            </a:r>
+          </a:p>
+          <a:p>
+            <a:pPr lvl="1"/>
+            <a:r>
+              <a:t>Calculated based on PHY rate and overhead.</a:t>
+            </a:r>
+          </a:p>
+          <a:p>
+            <a:r>
+              <a:t>Traffic Mix:</a:t>
+            </a:r>
+          </a:p>
+          <a:p>
+            <a:pPr lvl="1"/>
+            <a:r>
+              <a:t>VoIP: High Priority, Low Bandwidth</a:t>
+            </a:r>
+          </a:p>
+          <a:p>
+            <a:pPr lvl="1"/>
+            <a:r>
+              <a:t>Video: Medium Priority, High Bandwidth</a:t>
+            </a:r>
+          </a:p>
+          <a:p>
+            <a:pPr lvl="1"/>
+            <a:r>
+              <a:t>Best Effort: Low Priority, Bursty</a:t>
+            </a:r>
+          </a:p>
+        </p:txBody>
+      </p:sp>
+      <p:sp>
+        <p:nvSpPr>
+          <p:cNvPr id="4" name="Content Placeholder 3"/>
+          <p:cNvSpPr>
+            <a:spLocks noGrp="1"/>
+          </p:cNvSpPr>
+          <p:nvPr>
+            <p:ph idx="2" sz="half"/>
+          </p:nvPr>
+        </p:nvSpPr>
+        <p:spPr/>
+        <p:txBody>
+          <a:bodyPr/>
+          <a:lstStyle/>
+          <a:p/>
         </p:txBody>
       </p:sp>
       <p:pic>
         <p:nvPicPr>
-          <p:cNvPr descr="../results/graphs/ascac_comprehensive_4panel.png" id="0" name="Picture 1"/>
+          <p:cNvPr id="5" name="Picture 4" descr="ap_station_distribution.png"/>
           <p:cNvPicPr>
-            <a:picLocks noGrp="1" noChangeAspect="1"/>
+            <a:picLocks noChangeAspect="1"/>
           </p:cNvPicPr>
           <p:nvPr/>
         </p:nvPicPr>
@@ -3599,29 +3919,26 @@
             <a:fillRect/>
           </a:stretch>
         </p:blipFill>
-        <p:spPr bwMode="auto">
+        <p:spPr>
           <a:xfrm>
-            <a:off x="2159000" y="1193800"/>
-            <a:ext cx="4826000" cy="3390900"/>
+            <a:off x="4648200" y="1600200"/>
+            <a:ext cx="4038600" cy="2202873"/>
           </a:xfrm>
           <a:prstGeom prst="rect">
             <a:avLst/>
           </a:prstGeom>
-          <a:noFill/>
-          <a:ln w="9525">
-            <a:noFill/>
-            <a:headEnd/>
-            <a:tailEnd/>
-          </a:ln>
         </p:spPr>
       </p:pic>
     </p:spTree>
   </p:cSld>
+  <p:clrMapOvr>
+    <a:masterClrMapping/>
+  </p:clrMapOvr>
 </p:sld>
 </file>
 
-<file path=ppt/slides/slide15.xml><?xml version="1.0" encoding="utf-8"?>
-<p:sld xmlns:a="http://schemas.openxmlformats.org/drawingml/2006/main" xmlns:r="http://schemas.openxmlformats.org/officeDocument/2006/relationships" xmlns:p="http://schemas.openxmlformats.org/presentationml/2006/main">
+<file path=ppt/slides/slide6.xml><?xml version="1.0" encoding="utf-8"?>
+<p:sld xmlns:a="http://schemas.openxmlformats.org/drawingml/2006/main" xmlns:p="http://schemas.openxmlformats.org/presentationml/2006/main" xmlns:r="http://schemas.openxmlformats.org/officeDocument/2006/relationships">
   <p:cSld>
     <p:spTree>
       <p:nvGrpSpPr>
@@ -3629,14 +3946,7 @@
         <p:cNvGrpSpPr/>
         <p:nvPr/>
       </p:nvGrpSpPr>
-      <p:grpSpPr>
-        <a:xfrm>
-          <a:off x="0" y="0"/>
-          <a:ext cx="0" cy="0"/>
-          <a:chOff x="0" y="0"/>
-          <a:chExt cx="0" cy="0"/>
-        </a:xfrm>
-      </p:grpSpPr>
+      <p:grpSpPr/>
       <p:sp>
         <p:nvSpPr>
           <p:cNvPr id="2" name="Title 1"/>
@@ -3652,21 +3962,91 @@
           <a:bodyPr/>
           <a:lstStyle/>
           <a:p>
-            <a:pPr lvl="0" indent="0" marL="0">
-              <a:buNone/>
+            <a:r>
+              <a:t>Proposed Solution: Soft CAC</a:t>
+            </a:r>
+          </a:p>
+        </p:txBody>
+      </p:sp>
+      <p:sp>
+        <p:nvSpPr>
+          <p:cNvPr id="3" name="Content Placeholder 2"/>
+          <p:cNvSpPr>
+            <a:spLocks noGrp="1"/>
+          </p:cNvSpPr>
+          <p:nvPr>
+            <p:ph idx="1" sz="half"/>
+          </p:nvPr>
+        </p:nvSpPr>
+        <p:spPr/>
+        <p:txBody>
+          <a:bodyPr/>
+          <a:lstStyle/>
+          <a:p>
+            <a:r>
+              <a:t>Concept: Priority-Aware Thresholds</a:t>
+            </a:r>
+          </a:p>
+          <a:p>
+            <a:pPr lvl="1"/>
+            <a:r>
+              <a:t>Instead of a single hard limit (e.g., 80%):</a:t>
+            </a:r>
+          </a:p>
+          <a:p>
+            <a:pPr lvl="1">
+              <a:defRPr b="1"/>
             </a:pPr>
             <a:r>
-              <a:rPr/>
-              <a:t>Multi-Dimensional Superiority</a:t>
-            </a:r>
-          </a:p>
+              <a:t>VoIP (High): 90% Threshold</a:t>
+            </a:r>
+          </a:p>
+          <a:p>
+            <a:pPr lvl="1">
+              <a:defRPr b="1"/>
+            </a:pPr>
+            <a:r>
+              <a:t>Video (Medium): 80% Threshold</a:t>
+            </a:r>
+          </a:p>
+          <a:p>
+            <a:pPr lvl="1">
+              <a:defRPr b="1"/>
+            </a:pPr>
+            <a:r>
+              <a:t>Best Effort (Low): 95% Threshold</a:t>
+            </a:r>
+          </a:p>
+          <a:p>
+            <a:pPr lvl="1"/>
+            <a:r>
+              <a:t>Benefit: Best-effort traffic fills gaps without blocking high-priority flows.</a:t>
+            </a:r>
+          </a:p>
+        </p:txBody>
+      </p:sp>
+      <p:sp>
+        <p:nvSpPr>
+          <p:cNvPr id="4" name="Content Placeholder 3"/>
+          <p:cNvSpPr>
+            <a:spLocks noGrp="1"/>
+          </p:cNvSpPr>
+          <p:nvPr>
+            <p:ph idx="2" sz="half"/>
+          </p:nvPr>
+        </p:nvSpPr>
+        <p:spPr/>
+        <p:txBody>
+          <a:bodyPr/>
+          <a:lstStyle/>
+          <a:p/>
         </p:txBody>
       </p:sp>
       <p:pic>
         <p:nvPicPr>
-          <p:cNvPr descr="../results/graphs/ascac_radar_chart.png" id="0" name="Picture 1"/>
+          <p:cNvPr id="5" name="Picture 4" descr="soft_vs_hard_cac_comparison.png"/>
           <p:cNvPicPr>
-            <a:picLocks noGrp="1" noChangeAspect="1"/>
+            <a:picLocks noChangeAspect="1"/>
           </p:cNvPicPr>
           <p:nvPr/>
         </p:nvPicPr>
@@ -3676,87 +4056,26 @@
             <a:fillRect/>
           </a:stretch>
         </p:blipFill>
-        <p:spPr bwMode="auto">
+        <p:spPr>
           <a:xfrm>
-            <a:off x="482600" y="1193800"/>
-            <a:ext cx="3987800" cy="3390900"/>
+            <a:off x="4648200" y="1600200"/>
+            <a:ext cx="4038600" cy="1121833"/>
           </a:xfrm>
           <a:prstGeom prst="rect">
             <a:avLst/>
           </a:prstGeom>
-          <a:noFill/>
-          <a:ln w="9525">
-            <a:noFill/>
-            <a:headEnd/>
-            <a:tailEnd/>
-          </a:ln>
         </p:spPr>
       </p:pic>
-      <p:sp>
-        <p:nvSpPr>
-          <p:cNvPr id="4" name="Content Placeholder 3"/>
-          <p:cNvSpPr>
-            <a:spLocks noGrp="1"/>
-          </p:cNvSpPr>
-          <p:nvPr>
-            <p:ph idx="2" sz="half"/>
-          </p:nvPr>
-        </p:nvSpPr>
-        <p:spPr/>
-        <p:txBody>
-          <a:bodyPr/>
-          <a:lstStyle/>
-          <a:p>
-            <a:pPr lvl="0" indent="0" marL="0">
-              <a:buNone/>
-            </a:pPr>
-            <a:r>
-              <a:rPr b="1"/>
-              <a:t>Why AS-CAC+ Wins:</a:t>
-            </a:r>
-          </a:p>
-          <a:p>
-            <a:pPr lvl="0"/>
-            <a:r>
-              <a:rPr b="1"/>
-              <a:t>Adaptability:</a:t>
-            </a:r>
-            <a:r>
-              <a:rPr/>
-              <a:t> Reacts to interference.</a:t>
-            </a:r>
-          </a:p>
-          <a:p>
-            <a:pPr lvl="0"/>
-            <a:r>
-              <a:rPr b="1"/>
-              <a:t>Utilization:</a:t>
-            </a:r>
-            <a:r>
-              <a:rPr/>
-              <a:t> 97.4% vs 78% (Hard).</a:t>
-            </a:r>
-          </a:p>
-          <a:p>
-            <a:pPr lvl="0"/>
-            <a:r>
-              <a:rPr b="1"/>
-              <a:t>Safety:</a:t>
-            </a:r>
-            <a:r>
-              <a:rPr/>
-              <a:t> Keeps VoIP &lt; 2ms.</a:t>
-            </a:r>
-          </a:p>
-        </p:txBody>
-      </p:sp>
     </p:spTree>
   </p:cSld>
+  <p:clrMapOvr>
+    <a:masterClrMapping/>
+  </p:clrMapOvr>
 </p:sld>
 </file>
 
-<file path=ppt/slides/slide16.xml><?xml version="1.0" encoding="utf-8"?>
-<p:sld xmlns:a="http://schemas.openxmlformats.org/drawingml/2006/main" xmlns:r="http://schemas.openxmlformats.org/officeDocument/2006/relationships" xmlns:p="http://schemas.openxmlformats.org/presentationml/2006/main">
+<file path=ppt/slides/slide7.xml><?xml version="1.0" encoding="utf-8"?>
+<p:sld xmlns:a="http://schemas.openxmlformats.org/drawingml/2006/main" xmlns:p="http://schemas.openxmlformats.org/presentationml/2006/main" xmlns:r="http://schemas.openxmlformats.org/officeDocument/2006/relationships">
   <p:cSld>
     <p:spTree>
       <p:nvGrpSpPr>
@@ -3764,14 +4083,7 @@
         <p:cNvGrpSpPr/>
         <p:nvPr/>
       </p:nvGrpSpPr>
-      <p:grpSpPr>
-        <a:xfrm>
-          <a:off x="0" y="0"/>
-          <a:ext cx="0" cy="0"/>
-          <a:chOff x="0" y="0"/>
-          <a:chExt cx="0" cy="0"/>
-        </a:xfrm>
-      </p:grpSpPr>
+      <p:grpSpPr/>
       <p:sp>
         <p:nvSpPr>
           <p:cNvPr id="2" name="Title 1"/>
@@ -3782,534 +4094,92 @@
             <p:ph type="title"/>
           </p:nvPr>
         </p:nvSpPr>
-        <p:spPr>
-          <a:xfrm>
-            <a:off x="722313" y="3305176"/>
-            <a:ext cx="7772400" cy="1021556"/>
-          </a:xfrm>
-        </p:spPr>
-        <p:txBody>
-          <a:bodyPr/>
-          <a:lstStyle/>
-          <a:p>
-            <a:pPr lvl="0" indent="0" marL="0">
-              <a:buNone/>
+        <p:spPr/>
+        <p:txBody>
+          <a:bodyPr/>
+          <a:lstStyle/>
+          <a:p>
+            <a:r>
+              <a:t>Algorithm: AS-CAC+ (Adaptive)</a:t>
+            </a:r>
+          </a:p>
+        </p:txBody>
+      </p:sp>
+      <p:sp>
+        <p:nvSpPr>
+          <p:cNvPr id="3" name="Content Placeholder 2"/>
+          <p:cNvSpPr>
+            <a:spLocks noGrp="1"/>
+          </p:cNvSpPr>
+          <p:nvPr>
+            <p:ph idx="1" sz="half"/>
+          </p:nvPr>
+        </p:nvSpPr>
+        <p:spPr/>
+        <p:txBody>
+          <a:bodyPr/>
+          <a:lstStyle/>
+          <a:p>
+            <a:r>
+              <a:t>Dynamic Threshold Adjustment</a:t>
+            </a:r>
+          </a:p>
+          <a:p>
+            <a:pPr lvl="1"/>
+            <a:r>
+              <a:t>Monitors Packet Error Rate (PER) and Utilization.</a:t>
+            </a:r>
+          </a:p>
+          <a:p>
+            <a:pPr lvl="1"/>
+            <a:r>
+              <a:t>Adjusts Best-Effort threshold in real-time.</a:t>
+            </a:r>
+          </a:p>
+          <a:p>
+            <a:pPr lvl="1">
+              <a:defRPr b="1"/>
             </a:pPr>
             <a:r>
-              <a:rPr/>
-              <a:t>Conclusion</a:t>
-            </a:r>
-          </a:p>
-        </p:txBody>
-      </p:sp>
-    </p:spTree>
-  </p:cSld>
-</p:sld>
-</file>
-
-<file path=ppt/slides/slide17.xml><?xml version="1.0" encoding="utf-8"?>
-<p:sld xmlns:a="http://schemas.openxmlformats.org/drawingml/2006/main" xmlns:r="http://schemas.openxmlformats.org/officeDocument/2006/relationships" xmlns:p="http://schemas.openxmlformats.org/presentationml/2006/main">
-  <p:cSld>
-    <p:spTree>
-      <p:nvGrpSpPr>
-        <p:cNvPr id="1" name=""/>
-        <p:cNvGrpSpPr/>
-        <p:nvPr/>
-      </p:nvGrpSpPr>
-      <p:grpSpPr>
-        <a:xfrm>
-          <a:off x="0" y="0"/>
-          <a:ext cx="0" cy="0"/>
-          <a:chOff x="0" y="0"/>
-          <a:chExt cx="0" cy="0"/>
-        </a:xfrm>
-      </p:grpSpPr>
-      <p:sp>
-        <p:nvSpPr>
-          <p:cNvPr id="2" name="Title 1"/>
-          <p:cNvSpPr>
-            <a:spLocks noGrp="1"/>
-          </p:cNvSpPr>
-          <p:nvPr>
-            <p:ph type="title"/>
-          </p:nvPr>
-        </p:nvSpPr>
-        <p:spPr/>
-        <p:txBody>
-          <a:bodyPr/>
-          <a:lstStyle/>
-          <a:p>
-            <a:pPr lvl="0" indent="0" marL="0">
-              <a:buNone/>
-            </a:pPr>
-            <a:r>
-              <a:rPr/>
-              <a:t>Conclusion</a:t>
-            </a:r>
-          </a:p>
-        </p:txBody>
-      </p:sp>
-      <p:sp>
-        <p:nvSpPr>
-          <p:cNvPr id="3" name="Content Placeholder 2"/>
-          <p:cNvSpPr>
-            <a:spLocks noGrp="1"/>
-          </p:cNvSpPr>
-          <p:nvPr>
-            <p:ph idx="1"/>
-          </p:nvPr>
-        </p:nvSpPr>
-        <p:spPr/>
-        <p:txBody>
-          <a:bodyPr/>
-          <a:lstStyle/>
-          <a:p>
-            <a:pPr lvl="0" indent="0" marL="0">
-              <a:buNone/>
-            </a:pPr>
-            <a:r>
-              <a:rPr b="1"/>
-              <a:t>Summary:</a:t>
-            </a:r>
-          </a:p>
-          <a:p>
-            <a:pPr lvl="0"/>
-            <a:r>
-              <a:rPr b="1"/>
-              <a:t>AS-CAC+</a:t>
-            </a:r>
-            <a:r>
-              <a:rPr/>
-              <a:t> transforms admission control from static to dynamic.</a:t>
-            </a:r>
-          </a:p>
-          <a:p>
-            <a:pPr lvl="0"/>
-            <a:r>
-              <a:rPr/>
-              <a:t>It safely unlocks </a:t>
-            </a:r>
-            <a:r>
-              <a:rPr b="1"/>
-              <a:t>19.2% more capacity</a:t>
-            </a:r>
-            <a:r>
-              <a:rPr/>
-              <a:t>.</a:t>
-            </a:r>
-          </a:p>
-          <a:p>
-            <a:pPr lvl="0" indent="0" marL="0">
-              <a:buNone/>
-            </a:pPr>
-            <a:r>
-              <a:rPr b="1"/>
-              <a:t>Key Achievements:</a:t>
-            </a:r>
-          </a:p>
-          <a:p>
-            <a:pPr lvl="0" indent="-342900" marL="342900">
-              <a:buAutoNum type="arabicPeriod"/>
-            </a:pPr>
-            <a:r>
-              <a:rPr b="1"/>
-              <a:t>19.2%</a:t>
-            </a:r>
-            <a:r>
-              <a:rPr/>
-              <a:t> throughput improvement over traditional CAC.</a:t>
-            </a:r>
-          </a:p>
-          <a:p>
-            <a:pPr lvl="0" indent="-342900" marL="342900">
-              <a:buAutoNum type="arabicPeriod"/>
-            </a:pPr>
-            <a:r>
-              <a:rPr b="1"/>
-              <a:t>97.4%</a:t>
-            </a:r>
-            <a:r>
-              <a:rPr/>
-              <a:t> channel utilization.</a:t>
-            </a:r>
-          </a:p>
-          <a:p>
-            <a:pPr lvl="0" indent="-342900" marL="342900">
-              <a:buAutoNum type="arabicPeriod"/>
-            </a:pPr>
-            <a:r>
-              <a:rPr/>
-              <a:t>Validated strict QoS (&lt; 2ms delay) for VoIP.</a:t>
-            </a:r>
-          </a:p>
-          <a:p>
-            <a:pPr lvl="0" indent="0" marL="0">
-              <a:buNone/>
-            </a:pPr>
-            <a:r>
-              <a:rPr b="1"/>
-              <a:t>Thank You!</a:t>
-            </a:r>
-          </a:p>
-          <a:p>
-            <a:pPr lvl="0" indent="0" marL="0">
-              <a:buNone/>
-            </a:pPr>
-            <a:r>
-              <a:rPr/>
-              <a:t>Dayanand Ambawade, Rohan Pawar</a:t>
-            </a:r>
-          </a:p>
-        </p:txBody>
-      </p:sp>
-    </p:spTree>
-  </p:cSld>
-</p:sld>
-</file>
-
-<file path=ppt/slides/slide2.xml><?xml version="1.0" encoding="utf-8"?>
-<p:sld xmlns:a="http://schemas.openxmlformats.org/drawingml/2006/main" xmlns:r="http://schemas.openxmlformats.org/officeDocument/2006/relationships" xmlns:p="http://schemas.openxmlformats.org/presentationml/2006/main">
-  <p:cSld>
-    <p:spTree>
-      <p:nvGrpSpPr>
-        <p:cNvPr id="1" name=""/>
-        <p:cNvGrpSpPr/>
-        <p:nvPr/>
-      </p:nvGrpSpPr>
-      <p:grpSpPr>
-        <a:xfrm>
-          <a:off x="0" y="0"/>
-          <a:ext cx="0" cy="0"/>
-          <a:chOff x="0" y="0"/>
-          <a:chExt cx="0" cy="0"/>
-        </a:xfrm>
-      </p:grpSpPr>
-      <p:sp>
-        <p:nvSpPr>
-          <p:cNvPr id="2" name="Title 1"/>
-          <p:cNvSpPr>
-            <a:spLocks noGrp="1"/>
-          </p:cNvSpPr>
-          <p:nvPr>
-            <p:ph type="title"/>
-          </p:nvPr>
-        </p:nvSpPr>
-        <p:spPr>
-          <a:xfrm>
-            <a:off x="722313" y="3305176"/>
-            <a:ext cx="7772400" cy="1021556"/>
-          </a:xfrm>
-        </p:spPr>
-        <p:txBody>
-          <a:bodyPr/>
-          <a:lstStyle/>
-          <a:p>
-            <a:pPr lvl="0" indent="0" marL="0">
-              <a:buNone/>
-            </a:pPr>
-            <a:r>
-              <a:rPr/>
-              <a:t>Introduction</a:t>
-            </a:r>
-          </a:p>
-        </p:txBody>
-      </p:sp>
-    </p:spTree>
-  </p:cSld>
-</p:sld>
-</file>
-
-<file path=ppt/slides/slide3.xml><?xml version="1.0" encoding="utf-8"?>
-<p:sld xmlns:a="http://schemas.openxmlformats.org/drawingml/2006/main" xmlns:r="http://schemas.openxmlformats.org/officeDocument/2006/relationships" xmlns:p="http://schemas.openxmlformats.org/presentationml/2006/main">
-  <p:cSld>
-    <p:spTree>
-      <p:nvGrpSpPr>
-        <p:cNvPr id="1" name=""/>
-        <p:cNvGrpSpPr/>
-        <p:nvPr/>
-      </p:nvGrpSpPr>
-      <p:grpSpPr>
-        <a:xfrm>
-          <a:off x="0" y="0"/>
-          <a:ext cx="0" cy="0"/>
-          <a:chOff x="0" y="0"/>
-          <a:chExt cx="0" cy="0"/>
-        </a:xfrm>
-      </p:grpSpPr>
-      <p:sp>
-        <p:nvSpPr>
-          <p:cNvPr id="2" name="Title 1"/>
-          <p:cNvSpPr>
-            <a:spLocks noGrp="1"/>
-          </p:cNvSpPr>
-          <p:nvPr>
-            <p:ph type="title"/>
-          </p:nvPr>
-        </p:nvSpPr>
-        <p:spPr/>
-        <p:txBody>
-          <a:bodyPr/>
-          <a:lstStyle/>
-          <a:p>
-            <a:pPr lvl="0" indent="0" marL="0">
-              <a:buNone/>
-            </a:pPr>
-            <a:r>
-              <a:rPr/>
-              <a:t>Motivation</a:t>
-            </a:r>
-          </a:p>
-        </p:txBody>
-      </p:sp>
-      <p:sp>
-        <p:nvSpPr>
-          <p:cNvPr id="3" name="Content Placeholder 2"/>
-          <p:cNvSpPr>
-            <a:spLocks noGrp="1"/>
-          </p:cNvSpPr>
-          <p:nvPr>
-            <p:ph idx="1"/>
-          </p:nvPr>
-        </p:nvSpPr>
-        <p:spPr/>
-        <p:txBody>
-          <a:bodyPr/>
-          <a:lstStyle/>
-          <a:p>
-            <a:pPr lvl="0"/>
-            <a:r>
-              <a:rPr b="1"/>
-              <a:t>The Challenge:</a:t>
-            </a:r>
-            <a:r>
-              <a:rPr/>
-              <a:t> IEEE 802.11ax (Wi-Fi 6) struggles under saturation in dense environments.</a:t>
-            </a:r>
-          </a:p>
-          <a:p>
-            <a:pPr lvl="0"/>
-            <a:r>
-              <a:rPr b="1"/>
-              <a:t>High Latency:</a:t>
-            </a:r>
-            <a:r>
-              <a:rPr/>
-              <a:t> Real-time apps (VoIP) suffer &gt;45ms delays without control.</a:t>
-            </a:r>
-          </a:p>
-          <a:p>
-            <a:pPr lvl="0"/>
-            <a:r>
-              <a:rPr b="1"/>
-              <a:t>Existing Solutions Fail:</a:t>
-            </a:r>
-          </a:p>
-          <a:p>
-            <a:pPr lvl="1"/>
-            <a:r>
-              <a:rPr/>
-              <a:t>Count-based CAC ignores heterogeneity.</a:t>
-            </a:r>
-          </a:p>
-          <a:p>
-            <a:pPr lvl="1"/>
-            <a:r>
-              <a:rPr/>
-              <a:t>Static thresholds waste capacity.</a:t>
-            </a:r>
-          </a:p>
-          <a:p>
-            <a:pPr lvl="0"/>
-            <a:r>
-              <a:rPr b="1"/>
-              <a:t>Goal:</a:t>
-            </a:r>
-            <a:r>
-              <a:rPr/>
-              <a:t> Maximize airtime utilization while guaranteeing strict QoS.</a:t>
-            </a:r>
-          </a:p>
-        </p:txBody>
-      </p:sp>
-    </p:spTree>
-  </p:cSld>
-</p:sld>
-</file>
-
-<file path=ppt/slides/slide4.xml><?xml version="1.0" encoding="utf-8"?>
-<p:sld xmlns:a="http://schemas.openxmlformats.org/drawingml/2006/main" xmlns:r="http://schemas.openxmlformats.org/officeDocument/2006/relationships" xmlns:p="http://schemas.openxmlformats.org/presentationml/2006/main">
-  <p:cSld>
-    <p:spTree>
-      <p:nvGrpSpPr>
-        <p:cNvPr id="1" name=""/>
-        <p:cNvGrpSpPr/>
-        <p:nvPr/>
-      </p:nvGrpSpPr>
-      <p:grpSpPr>
-        <a:xfrm>
-          <a:off x="0" y="0"/>
-          <a:ext cx="0" cy="0"/>
-          <a:chOff x="0" y="0"/>
-          <a:chExt cx="0" cy="0"/>
-        </a:xfrm>
-      </p:grpSpPr>
-      <p:sp>
-        <p:nvSpPr>
-          <p:cNvPr id="2" name="Title 1"/>
-          <p:cNvSpPr>
-            <a:spLocks noGrp="1"/>
-          </p:cNvSpPr>
-          <p:nvPr>
-            <p:ph type="title"/>
-          </p:nvPr>
-        </p:nvSpPr>
-        <p:spPr>
-          <a:xfrm>
-            <a:off x="722313" y="3305176"/>
-            <a:ext cx="7772400" cy="1021556"/>
-          </a:xfrm>
-        </p:spPr>
-        <p:txBody>
-          <a:bodyPr/>
-          <a:lstStyle/>
-          <a:p>
-            <a:pPr lvl="0" indent="0" marL="0">
-              <a:buNone/>
-            </a:pPr>
-            <a:r>
-              <a:rPr/>
-              <a:t>System Architecture</a:t>
-            </a:r>
-          </a:p>
-        </p:txBody>
-      </p:sp>
-    </p:spTree>
-  </p:cSld>
-</p:sld>
-</file>
-
-<file path=ppt/slides/slide5.xml><?xml version="1.0" encoding="utf-8"?>
-<p:sld xmlns:a="http://schemas.openxmlformats.org/drawingml/2006/main" xmlns:r="http://schemas.openxmlformats.org/officeDocument/2006/relationships" xmlns:p="http://schemas.openxmlformats.org/presentationml/2006/main">
-  <p:cSld>
-    <p:spTree>
-      <p:nvGrpSpPr>
-        <p:cNvPr id="1" name=""/>
-        <p:cNvGrpSpPr/>
-        <p:nvPr/>
-      </p:nvGrpSpPr>
-      <p:grpSpPr>
-        <a:xfrm>
-          <a:off x="0" y="0"/>
-          <a:ext cx="0" cy="0"/>
-          <a:chOff x="0" y="0"/>
-          <a:chExt cx="0" cy="0"/>
-        </a:xfrm>
-      </p:grpSpPr>
-      <p:sp>
-        <p:nvSpPr>
-          <p:cNvPr id="2" name="Title 1"/>
-          <p:cNvSpPr>
-            <a:spLocks noGrp="1"/>
-          </p:cNvSpPr>
-          <p:nvPr>
-            <p:ph type="title"/>
-          </p:nvPr>
-        </p:nvSpPr>
-        <p:spPr/>
-        <p:txBody>
-          <a:bodyPr/>
-          <a:lstStyle/>
-          <a:p>
-            <a:pPr lvl="0" indent="0" marL="0">
-              <a:buNone/>
-            </a:pPr>
-            <a:r>
-              <a:rPr/>
-              <a:t>Research Test Bed &amp; Components</a:t>
-            </a:r>
-          </a:p>
-        </p:txBody>
-      </p:sp>
-      <p:sp>
-        <p:nvSpPr>
-          <p:cNvPr id="3" name="Content Placeholder 2"/>
-          <p:cNvSpPr>
-            <a:spLocks noGrp="1"/>
-          </p:cNvSpPr>
-          <p:nvPr>
-            <p:ph idx="1" sz="half"/>
-          </p:nvPr>
-        </p:nvSpPr>
-        <p:spPr/>
-        <p:txBody>
-          <a:bodyPr/>
-          <a:lstStyle/>
-          <a:p>
-            <a:pPr lvl="0" indent="0" marL="0">
-              <a:buNone/>
-            </a:pPr>
-            <a:r>
-              <a:rPr b="1"/>
-              <a:t>Simulation Components (ns-3):</a:t>
-            </a:r>
-          </a:p>
-          <a:p>
-            <a:pPr lvl="0"/>
-            <a:r>
-              <a:rPr b="1"/>
-              <a:t>AP Node:</a:t>
-            </a:r>
-            <a:r>
-              <a:rPr/>
-              <a:t> Wi-Fi 6 (802.11ax), 80 MHz, 5 GHz.</a:t>
-            </a:r>
-          </a:p>
-          <a:p>
-            <a:pPr lvl="0"/>
-            <a:r>
-              <a:rPr b="1"/>
-              <a:t>Stations:</a:t>
-            </a:r>
-            <a:r>
-              <a:rPr/>
-              <a:t> 25-50 users in dense grid.</a:t>
-            </a:r>
-          </a:p>
-          <a:p>
-            <a:pPr lvl="0"/>
-            <a:r>
-              <a:rPr b="1"/>
-              <a:t>Traffic Generators:</a:t>
-            </a:r>
-          </a:p>
-          <a:p>
-            <a:pPr lvl="1"/>
-            <a:r>
-              <a:rPr/>
-              <a:t>VoIP (UDP)</a:t>
-            </a:r>
-          </a:p>
-          <a:p>
-            <a:pPr lvl="1"/>
-            <a:r>
-              <a:rPr/>
-              <a:t>Video (UDP)</a:t>
-            </a:r>
-          </a:p>
-          <a:p>
-            <a:pPr lvl="1"/>
-            <a:r>
-              <a:rPr/>
-              <a:t>Bursty/Web (TCP/UDP)</a:t>
-            </a:r>
-          </a:p>
+              <a:t>Logic:</a:t>
+            </a:r>
+          </a:p>
+          <a:p>
+            <a:pPr lvl="2"/>
+            <a:r>
+              <a:t>If PER &gt; 5%: Decrease Threshold (Protect QoS)</a:t>
+            </a:r>
+          </a:p>
+          <a:p>
+            <a:pPr lvl="2"/>
+            <a:r>
+              <a:t>If PER &lt; 2%: Increase Threshold (Utilize Capacity)</a:t>
+            </a:r>
+          </a:p>
+        </p:txBody>
+      </p:sp>
+      <p:sp>
+        <p:nvSpPr>
+          <p:cNvPr id="4" name="Content Placeholder 3"/>
+          <p:cNvSpPr>
+            <a:spLocks noGrp="1"/>
+          </p:cNvSpPr>
+          <p:nvPr>
+            <p:ph idx="2" sz="half"/>
+          </p:nvPr>
+        </p:nvSpPr>
+        <p:spPr/>
+        <p:txBody>
+          <a:bodyPr/>
+          <a:lstStyle/>
+          <a:p/>
         </p:txBody>
       </p:sp>
       <p:pic>
         <p:nvPicPr>
-          <p:cNvPr descr="../results/graphs/ns3_network_topology.png" id="0" name="Picture 1"/>
+          <p:cNvPr id="5" name="Picture 4" descr="ascac_threshold_evolution.png"/>
           <p:cNvPicPr>
-            <a:picLocks noGrp="1" noChangeAspect="1"/>
+            <a:picLocks noChangeAspect="1"/>
           </p:cNvPicPr>
           <p:nvPr/>
         </p:nvPicPr>
@@ -4319,29 +4189,26 @@
             <a:fillRect/>
           </a:stretch>
         </p:blipFill>
-        <p:spPr bwMode="auto">
+        <p:spPr>
           <a:xfrm>
-            <a:off x="4648200" y="1193800"/>
-            <a:ext cx="4038600" cy="3390900"/>
+            <a:off x="4648200" y="1600200"/>
+            <a:ext cx="4038600" cy="2002341"/>
           </a:xfrm>
           <a:prstGeom prst="rect">
             <a:avLst/>
           </a:prstGeom>
-          <a:noFill/>
-          <a:ln w="9525">
-            <a:noFill/>
-            <a:headEnd/>
-            <a:tailEnd/>
-          </a:ln>
         </p:spPr>
       </p:pic>
     </p:spTree>
   </p:cSld>
+  <p:clrMapOvr>
+    <a:masterClrMapping/>
+  </p:clrMapOvr>
 </p:sld>
 </file>
 
-<file path=ppt/slides/slide6.xml><?xml version="1.0" encoding="utf-8"?>
-<p:sld xmlns:a="http://schemas.openxmlformats.org/drawingml/2006/main" xmlns:r="http://schemas.openxmlformats.org/officeDocument/2006/relationships" xmlns:p="http://schemas.openxmlformats.org/presentationml/2006/main">
+<file path=ppt/slides/slide8.xml><?xml version="1.0" encoding="utf-8"?>
+<p:sld xmlns:a="http://schemas.openxmlformats.org/drawingml/2006/main" xmlns:p="http://schemas.openxmlformats.org/presentationml/2006/main" xmlns:r="http://schemas.openxmlformats.org/officeDocument/2006/relationships">
   <p:cSld>
     <p:spTree>
       <p:nvGrpSpPr>
@@ -4349,14 +4216,7 @@
         <p:cNvGrpSpPr/>
         <p:nvPr/>
       </p:nvGrpSpPr>
-      <p:grpSpPr>
-        <a:xfrm>
-          <a:off x="0" y="0"/>
-          <a:ext cx="0" cy="0"/>
-          <a:chOff x="0" y="0"/>
-          <a:chExt cx="0" cy="0"/>
-        </a:xfrm>
-      </p:grpSpPr>
+      <p:grpSpPr/>
       <p:sp>
         <p:nvSpPr>
           <p:cNvPr id="2" name="Title 1"/>
@@ -4372,177 +4232,17 @@
           <a:bodyPr/>
           <a:lstStyle/>
           <a:p>
-            <a:pPr lvl="0" indent="0" marL="0">
-              <a:buNone/>
-            </a:pPr>
-            <a:r>
-              <a:rPr/>
-              <a:t>System Model and Traffic</a:t>
-            </a:r>
-          </a:p>
-        </p:txBody>
-      </p:sp>
-      <mc:AlternateContent xmlns:mc="http://schemas.openxmlformats.org/markup-compatibility/2006">
-        <mc:Choice xmlns:a14="http://schemas.microsoft.com/office/drawing/2010/main" Requires="a14">
-          <p:sp>
-            <p:nvSpPr>
-              <p:cNvPr id="3" name="Content Placeholder 2"/>
-              <p:cNvSpPr>
-                <a:spLocks noGrp="1"/>
-              </p:cNvSpPr>
-              <p:nvPr>
-                <p:ph idx="1" sz="half"/>
-              </p:nvPr>
-            </p:nvSpPr>
-            <p:spPr/>
-            <p:txBody>
-              <a:bodyPr/>
-              <a:lstStyle/>
-              <a:p>
-                <a:pPr lvl="0" indent="0" marL="0">
-                  <a:buNone/>
-                </a:pPr>
-                <a:r>
-                  <a:rPr b="1"/>
-                  <a:t>Metric: Airtime Utilization</a:t>
-                </a:r>
-              </a:p>
-              <a:p>
-                <a:pPr lvl="0" indent="0" marL="0">
-                  <a:buNone/>
-                </a:pPr>
-                <a14:m>
-                  <m:oMathPara xmlns:m="http://schemas.openxmlformats.org/officeDocument/2006/math">
-                    <m:oMathParaPr>
-                      <m:jc m:val="center"/>
-                    </m:oMathParaPr>
-                    <m:oMath>
-                      <m:sSub>
-                        <m:e>
-                          <m:r>
-                            <m:t>α</m:t>
-                          </m:r>
-                        </m:e>
-                        <m:sub>
-                          <m:r>
-                            <m:t>c</m:t>
-                          </m:r>
-                        </m:sub>
-                      </m:sSub>
-                      <m:r>
-                        <m:rPr>
-                          <m:sty m:val="p"/>
-                        </m:rPr>
-                        <m:t>=</m:t>
-                      </m:r>
-                      <m:f>
-                        <m:fPr>
-                          <m:type m:val="bar"/>
-                        </m:fPr>
-                        <m:num>
-                          <m:sSub>
-                            <m:e>
-                              <m:r>
-                                <m:t>R</m:t>
-                              </m:r>
-                            </m:e>
-                            <m:sub>
-                              <m:r>
-                                <m:t>c</m:t>
-                              </m:r>
-                            </m:sub>
-                          </m:sSub>
-                        </m:num>
-                        <m:den>
-                          <m:r>
-                            <m:t>η</m:t>
-                          </m:r>
-                          <m:r>
-                            <m:rPr>
-                              <m:sty m:val="p"/>
-                            </m:rPr>
-                            <m:t>⋅</m:t>
-                          </m:r>
-                          <m:sSubSup>
-                            <m:e>
-                              <m:r>
-                                <m:t>R</m:t>
-                              </m:r>
-                            </m:e>
-                            <m:sub>
-                              <m:r>
-                                <m:t>p</m:t>
-                              </m:r>
-                              <m:r>
-                                <m:t>h</m:t>
-                              </m:r>
-                              <m:r>
-                                <m:t>y</m:t>
-                              </m:r>
-                            </m:sub>
-                            <m:sup>
-                              <m:r>
-                                <m:t>c</m:t>
-                              </m:r>
-                            </m:sup>
-                          </m:sSubSup>
-                        </m:den>
-                      </m:f>
-                    </m:oMath>
-                  </m:oMathPara>
-                </a14:m>
-              </a:p>
-              <a:p>
-                <a:pPr lvl="0" indent="0" marL="0">
-                  <a:buNone/>
-                </a:pPr>
-                <a:r>
-                  <a:rPr b="1"/>
-                  <a:t>Traffic Mix:</a:t>
-                </a:r>
-              </a:p>
-              <a:p>
-                <a:pPr lvl="0"/>
-                <a:r>
-                  <a:rPr b="1"/>
-                  <a:t>VoIP:</a:t>
-                </a:r>
-                <a:r>
-                  <a:rPr/>
-                  <a:t> High Priority, Low Bandwidth.</a:t>
-                </a:r>
-              </a:p>
-              <a:p>
-                <a:pPr lvl="0"/>
-                <a:r>
-                  <a:rPr b="1"/>
-                  <a:t>Video:</a:t>
-                </a:r>
-                <a:r>
-                  <a:rPr/>
-                  <a:t> Med Priority, High Bandwidth.</a:t>
-                </a:r>
-              </a:p>
-              <a:p>
-                <a:pPr lvl="0"/>
-                <a:r>
-                  <a:rPr b="1"/>
-                  <a:t>Best Effort:</a:t>
-                </a:r>
-                <a:r>
-                  <a:rPr/>
-                  <a:t> Low Priority, Bursty.</a:t>
-                </a:r>
-              </a:p>
-            </p:txBody>
-          </p:sp>
-        </mc:Choice>
-      </mc:AlternateContent>
+            <a:r>
+              <a:t>Simulation Results: Latency Impact</a:t>
+            </a:r>
+          </a:p>
+        </p:txBody>
+      </p:sp>
       <p:pic>
         <p:nvPicPr>
-          <p:cNvPr descr="../results/graphs/ap_station_distribution.png" id="0" name="Picture 1"/>
+          <p:cNvPr id="3" name="Picture 2" descr="cac_vs_no_cac.png"/>
           <p:cNvPicPr>
-            <a:picLocks noGrp="1" noChangeAspect="1"/>
+            <a:picLocks noChangeAspect="1"/>
           </p:cNvPicPr>
           <p:nvPr/>
         </p:nvPicPr>
@@ -4552,29 +4252,55 @@
             <a:fillRect/>
           </a:stretch>
         </p:blipFill>
-        <p:spPr bwMode="auto">
+        <p:spPr>
           <a:xfrm>
-            <a:off x="4648200" y="1790700"/>
-            <a:ext cx="4038600" cy="2197100"/>
+            <a:off x="1371600" y="1371600"/>
+            <a:ext cx="6400800" cy="2667000"/>
+          </a:xfrm>
+          <a:prstGeom prst="rect">
+            <a:avLst/>
+          </a:prstGeom>
+        </p:spPr>
+      </p:pic>
+      <p:sp>
+        <p:nvSpPr>
+          <p:cNvPr id="4" name="TextBox 3"/>
+          <p:cNvSpPr txBox="1"/>
+          <p:nvPr/>
+        </p:nvSpPr>
+        <p:spPr>
+          <a:xfrm>
+            <a:off x="914400" y="5486400"/>
+            <a:ext cx="7315200" cy="914400"/>
           </a:xfrm>
           <a:prstGeom prst="rect">
             <a:avLst/>
           </a:prstGeom>
           <a:noFill/>
-          <a:ln w="9525">
-            <a:noFill/>
-            <a:headEnd/>
-            <a:tailEnd/>
-          </a:ln>
         </p:spPr>
-      </p:pic>
+        <p:txBody>
+          <a:bodyPr wrap="none">
+            <a:spAutoFit/>
+          </a:bodyPr>
+          <a:lstStyle/>
+          <a:p>
+            <a:pPr algn="ctr"/>
+            <a:r>
+              <a:t>Without CAC, latency spikes &gt; 45ms. AS-CAC maintains &lt; 2ms.</a:t>
+            </a:r>
+          </a:p>
+        </p:txBody>
+      </p:sp>
     </p:spTree>
   </p:cSld>
+  <p:clrMapOvr>
+    <a:masterClrMapping/>
+  </p:clrMapOvr>
 </p:sld>
 </file>
 
-<file path=ppt/slides/slide7.xml><?xml version="1.0" encoding="utf-8"?>
-<p:sld xmlns:a="http://schemas.openxmlformats.org/drawingml/2006/main" xmlns:r="http://schemas.openxmlformats.org/officeDocument/2006/relationships" xmlns:p="http://schemas.openxmlformats.org/presentationml/2006/main">
+<file path=ppt/slides/slide9.xml><?xml version="1.0" encoding="utf-8"?>
+<p:sld xmlns:a="http://schemas.openxmlformats.org/drawingml/2006/main" xmlns:p="http://schemas.openxmlformats.org/presentationml/2006/main" xmlns:r="http://schemas.openxmlformats.org/officeDocument/2006/relationships">
   <p:cSld>
     <p:spTree>
       <p:nvGrpSpPr>
@@ -4582,14 +4308,7 @@
         <p:cNvGrpSpPr/>
         <p:nvPr/>
       </p:nvGrpSpPr>
-      <p:grpSpPr>
-        <a:xfrm>
-          <a:off x="0" y="0"/>
-          <a:ext cx="0" cy="0"/>
-          <a:chOff x="0" y="0"/>
-          <a:chExt cx="0" cy="0"/>
-        </a:xfrm>
-      </p:grpSpPr>
+      <p:grpSpPr/>
       <p:sp>
         <p:nvSpPr>
           <p:cNvPr id="2" name="Title 1"/>
@@ -4600,56 +4319,22 @@
             <p:ph type="title"/>
           </p:nvPr>
         </p:nvSpPr>
-        <p:spPr>
-          <a:xfrm>
-            <a:off x="722313" y="3305176"/>
-            <a:ext cx="7772400" cy="1021556"/>
-          </a:xfrm>
-        </p:spPr>
-        <p:txBody>
-          <a:bodyPr/>
-          <a:lstStyle/>
-          <a:p>
-            <a:pPr lvl="0" indent="0" marL="0">
-              <a:buNone/>
-            </a:pPr>
-            <a:r>
-              <a:rPr/>
-              <a:t>Proposed AS-CAC Framework</a:t>
-            </a:r>
-          </a:p>
-        </p:txBody>
-      </p:sp>
-    </p:spTree>
-  </p:cSld>
-</p:sld>
-</file>
-
-<file path=ppt/slides/slide8.xml><?xml version="1.0" encoding="UTF-8"?><p:sld xmlns:a="http://schemas.openxmlformats.org/drawingml/2006/main" xmlns:r="http://schemas.openxmlformats.org/officeDocument/2006/relationships" xmlns:p="http://schemas.openxmlformats.org/presentationml/2006/main"><p:cSld><p:spTree><p:nvGrpSpPr><p:cNvPr id="1" name="" /><p:cNvGrpSpPr /><p:nvPr /></p:nvGrpSpPr><p:grpSpPr><a:xfrm><a:off x="0" y="0" /><a:ext cx="0" cy="0" /><a:chOff x="0" y="0" /><a:chExt cx="0" cy="0" /></a:xfrm></p:grpSpPr><p:sp><p:nvSpPr><p:cNvPr id="2" name="Title 1" /><p:cNvSpPr><a:spLocks noGrp="1" /></p:cNvSpPr><p:nvPr><p:ph type="title" /></p:nvPr></p:nvSpPr><p:spPr><a:xfrm><a:off x="457201" y="204787" /><a:ext cx="3008313" cy="871538" /></a:xfrm></p:spPr><p:txBody><a:bodyPr /><a:lstStyle /><a:p><a:pPr lvl="0" indent="0" marL="0"><a:buNone /></a:pPr><a:r><a:rPr /><a:t>Proposed Solution: Soft CAC</a:t></a:r></a:p></p:txBody></p:sp><p:sp><p:nvSpPr><p:cNvPr id="4" name="Text Placeholder 3" /><p:cNvSpPr><a:spLocks noGrp="1" /></p:cNvSpPr><p:nvPr><p:ph idx="2" sz="half" type="body" /></p:nvPr></p:nvSpPr><p:spPr /><p:txBody><a:bodyPr /><a:lstStyle /><a:p><a:pPr lvl="0" indent="0" marL="0"><a:buNone /></a:pPr><a:r><a:rPr b="1" /><a:t>Concept:</a:t></a:r><a:r><a:rPr /><a:t> Priority-Aware Thresholds.</a:t></a:r></a:p></p:txBody></p:sp><p:graphicFrame><p:nvGraphicFramePr><p:cNvPr id="6" name="Content Placeholder 5" /><p:cNvGraphicFramePr><a:graphicFrameLocks noGrp="1" /></p:cNvGraphicFramePr><p:nvPr><p:ph idx="1" /></p:nvPr></p:nvGraphicFramePr><p:xfrm><a:off x="3568700" y="203200" /><a:ext cx="5105400" cy="4381500" /></p:xfrm><a:graphic><a:graphicData uri="http://schemas.openxmlformats.org/drawingml/2006/table"><a:tbl><a:tblPr firstRow="1" bandRow="1"><a:tableStyleId>{5C22544A-7EE6-4342-B048-85BDC9FD1C3A}</a:tableStyleId></a:tblPr><a:tblGrid><a:gridCol w="1701800" /><a:gridCol w="1701800" /><a:gridCol w="1701800" /></a:tblGrid><a:tr h="0"><a:tc><a:txBody><a:bodyPr /><a:lstStyle /><a:p><a:pPr lvl="0" indent="0" marL="0" algn="l"><a:buNone /></a:pPr><a:r><a:rPr /><a:t>Traffic Class</a:t></a:r></a:p></a:txBody><a:tcPr /></a:tc><a:tc><a:txBody><a:bodyPr /><a:lstStyle /><a:p><a:pPr lvl="0" indent="0" marL="0" algn="ctr"><a:buNone /></a:pPr><a:r><a:rPr /><a:t>Priority</a:t></a:r></a:p></a:txBody><a:tcPr /></a:tc><a:tc><a:txBody><a:bodyPr /><a:lstStyle /><a:p><a:pPr lvl="0" indent="0" marL="0" algn="ctr"><a:buNone /></a:pPr><a:r><a:rPr /><a:t>Threshold (</a:t></a:r><a14:m><m:oMath xmlns:m="http://schemas.openxmlformats.org/officeDocument/2006/math"><m:sSub><m:e><m:r><m:t>θ</m:t></m:r></m:e><m:sub><m:r><m:t>c</m:t></m:r></m:sub></m:sSub></m:oMath></a14:m><a:r><a:rPr /><a:t>)</a:t></a:r></a:p></a:txBody><a:tcPr /></a:tc></a:tr><a:tr h="0"><a:tc><a:txBody><a:bodyPr /><a:lstStyle /><a:p><a:pPr lvl="0" indent="0" marL="0" algn="l"><a:buNone /></a:pPr><a:r><a:rPr /><a:t>VoIP (AC_VO)</a:t></a:r></a:p></a:txBody></a:tc><a:tc><a:txBody><a:bodyPr /><a:lstStyle /><a:p><a:pPr lvl="0" indent="0" marL="0" algn="ctr"><a:buNone /></a:pPr><a:r><a:rPr /><a:t>High</a:t></a:r></a:p></a:txBody></a:tc><a:tc><a:txBody><a:bodyPr /><a:lstStyle /><a:p><a:pPr lvl="0" indent="0" marL="0" algn="ctr"><a:buNone /></a:pPr><a:r><a:rPr /><a:t>90%</a:t></a:r></a:p></a:txBody></a:tc></a:tr><a:tr h="0"><a:tc><a:txBody><a:bodyPr /><a:lstStyle /><a:p><a:pPr lvl="0" indent="0" marL="0" algn="l"><a:buNone /></a:pPr><a:r><a:rPr /><a:t>Video (AC_VI)</a:t></a:r></a:p></a:txBody></a:tc><a:tc><a:txBody><a:bodyPr /><a:lstStyle /><a:p><a:pPr lvl="0" indent="0" marL="0" algn="ctr"><a:buNone /></a:pPr><a:r><a:rPr /><a:t>Medium</a:t></a:r></a:p></a:txBody></a:tc><a:tc><a:txBody><a:bodyPr /><a:lstStyle /><a:p><a:pPr lvl="0" indent="0" marL="0" algn="ctr"><a:buNone /></a:pPr><a:r><a:rPr /><a:t>80%</a:t></a:r></a:p></a:txBody></a:tc></a:tr><a:tr h="0"><a:tc><a:txBody><a:bodyPr /><a:lstStyle /><a:p><a:pPr lvl="0" indent="0" marL="0" algn="l"><a:buNone /></a:pPr><a:r><a:rPr /><a:t>Best Effort (AC_BE)</a:t></a:r></a:p></a:txBody></a:tc><a:tc><a:txBody><a:bodyPr /><a:lstStyle /><a:p><a:pPr lvl="0" indent="0" marL="0" algn="ctr"><a:buNone /></a:pPr><a:r><a:rPr /><a:t>Low</a:t></a:r></a:p></a:txBody></a:tc><a:tc><a:txBody><a:bodyPr /><a:lstStyle /><a:p><a:pPr lvl="0" indent="0" marL="0" algn="ctr"><a:buNone /></a:pPr><a:r><a:rPr b="1" /><a:t>95%</a:t></a:r></a:p></a:txBody></a:tc></a:tr></a:tbl></a:graphicData></a:graphic></p:graphicFrame></p:spTree></p:cSld></p:sld>
-</file>
-
-<file path=ppt/slides/slide9.xml><?xml version="1.0" encoding="utf-8"?>
-<p:sld xmlns:a="http://schemas.openxmlformats.org/drawingml/2006/main" xmlns:r="http://schemas.openxmlformats.org/officeDocument/2006/relationships" xmlns:p="http://schemas.openxmlformats.org/presentationml/2006/main">
-  <p:cSld>
-    <p:spTree>
-      <p:nvGrpSpPr>
-        <p:cNvPr id="1" name=""/>
-        <p:cNvGrpSpPr/>
-        <p:nvPr/>
-      </p:nvGrpSpPr>
-      <p:grpSpPr>
-        <a:xfrm>
-          <a:off x="0" y="0"/>
-          <a:ext cx="0" cy="0"/>
-          <a:chOff x="0" y="0"/>
-          <a:chExt cx="0" cy="0"/>
-        </a:xfrm>
-      </p:grpSpPr>
+        <p:spPr/>
+        <p:txBody>
+          <a:bodyPr/>
+          <a:lstStyle/>
+          <a:p>
+            <a:r>
+              <a:t>Comprehensive Performance Analysis</a:t>
+            </a:r>
+          </a:p>
+        </p:txBody>
+      </p:sp>
       <p:pic>
         <p:nvPicPr>
-          <p:cNvPr descr="../results/graphs/soft_vs_hard_cac_comparison.png" id="0" name="Picture 1"/>
+          <p:cNvPr id="3" name="Picture 2" descr="ascac_comprehensive_4panel.png"/>
           <p:cNvPicPr>
-            <a:picLocks noGrp="1" noChangeAspect="1"/>
+            <a:picLocks noChangeAspect="1"/>
           </p:cNvPicPr>
           <p:nvPr/>
         </p:nvPicPr>
@@ -4659,24 +4344,21 @@
             <a:fillRect/>
           </a:stretch>
         </p:blipFill>
-        <p:spPr bwMode="auto">
+        <p:spPr>
           <a:xfrm>
-            <a:off x="457200" y="1752600"/>
-            <a:ext cx="8229600" cy="2286000"/>
+            <a:off x="914400" y="1097280"/>
+            <a:ext cx="7315200" cy="5145532"/>
           </a:xfrm>
           <a:prstGeom prst="rect">
             <a:avLst/>
           </a:prstGeom>
-          <a:noFill/>
-          <a:ln w="9525">
-            <a:noFill/>
-            <a:headEnd/>
-            <a:tailEnd/>
-          </a:ln>
         </p:spPr>
       </p:pic>
     </p:spTree>
   </p:cSld>
+  <p:clrMapOvr>
+    <a:masterClrMapping/>
+  </p:clrMapOvr>
 </p:sld>
 </file>
 
@@ -4998,265 +4680,4 @@
   </a:objectDefaults>
   <a:extraClrSchemeLst/>
 </a:theme>
-</file>
-
-<file path=ppt/theme/theme2.xml><?xml version="1.0" encoding="utf-8"?>
-<a:theme xmlns:a="http://schemas.openxmlformats.org/drawingml/2006/main" name="Office Theme">
-  <a:themeElements>
-    <a:clrScheme name="Office">
-      <a:dk1>
-        <a:sysClr val="windowText" lastClr="000000"/>
-      </a:dk1>
-      <a:lt1>
-        <a:sysClr val="window" lastClr="FFFFFF"/>
-      </a:lt1>
-      <a:dk2>
-        <a:srgbClr val="44546A"/>
-      </a:dk2>
-      <a:lt2>
-        <a:srgbClr val="E7E6E6"/>
-      </a:lt2>
-      <a:accent1>
-        <a:srgbClr val="5B9BD5"/>
-      </a:accent1>
-      <a:accent2>
-        <a:srgbClr val="ED7D31"/>
-      </a:accent2>
-      <a:accent3>
-        <a:srgbClr val="A5A5A5"/>
-      </a:accent3>
-      <a:accent4>
-        <a:srgbClr val="FFC000"/>
-      </a:accent4>
-      <a:accent5>
-        <a:srgbClr val="4472C4"/>
-      </a:accent5>
-      <a:accent6>
-        <a:srgbClr val="70AD47"/>
-      </a:accent6>
-      <a:hlink>
-        <a:srgbClr val="0563C1"/>
-      </a:hlink>
-      <a:folHlink>
-        <a:srgbClr val="954F72"/>
-      </a:folHlink>
-    </a:clrScheme>
-    <a:fontScheme name="Office">
-      <a:majorFont>
-        <a:latin typeface="Calibri Light" panose="020F0302020204030204"/>
-        <a:ea typeface=""/>
-        <a:cs typeface=""/>
-        <a:font script="Jpan" typeface="ＭＳ Ｐゴシック"/>
-        <a:font script="Hang" typeface="맑은 고딕"/>
-        <a:font script="Hans" typeface="宋体"/>
-        <a:font script="Hant" typeface="新細明體"/>
-        <a:font script="Arab" typeface="Times New Roman"/>
-        <a:font script="Hebr" typeface="Times New Roman"/>
-        <a:font script="Thai" typeface="Angsana New"/>
-        <a:font script="Ethi" typeface="Nyala"/>
-        <a:font script="Beng" typeface="Vrinda"/>
-        <a:font script="Gujr" typeface="Shruti"/>
-        <a:font script="Khmr" typeface="MoolBoran"/>
-        <a:font script="Knda" typeface="Tunga"/>
-        <a:font script="Guru" typeface="Raavi"/>
-        <a:font script="Cans" typeface="Euphemia"/>
-        <a:font script="Cher" typeface="Plantagenet Cherokee"/>
-        <a:font script="Yiii" typeface="Microsoft Yi Baiti"/>
-        <a:font script="Tibt" typeface="Microsoft Himalaya"/>
-        <a:font script="Thaa" typeface="MV Boli"/>
-        <a:font script="Deva" typeface="Mangal"/>
-        <a:font script="Telu" typeface="Gautami"/>
-        <a:font script="Taml" typeface="Latha"/>
-        <a:font script="Syrc" typeface="Estrangelo Edessa"/>
-        <a:font script="Orya" typeface="Kalinga"/>
-        <a:font script="Mlym" typeface="Kartika"/>
-        <a:font script="Laoo" typeface="DokChampa"/>
-        <a:font script="Sinh" typeface="Iskoola Pota"/>
-        <a:font script="Mong" typeface="Mongolian Baiti"/>
-        <a:font script="Viet" typeface="Times New Roman"/>
-        <a:font script="Uigh" typeface="Microsoft Uighur"/>
-        <a:font script="Geor" typeface="Sylfaen"/>
-      </a:majorFont>
-      <a:minorFont>
-        <a:latin typeface="Calibri" panose="020F0502020204030204"/>
-        <a:ea typeface=""/>
-        <a:cs typeface=""/>
-        <a:font script="Jpan" typeface="ＭＳ Ｐゴシック"/>
-        <a:font script="Hang" typeface="맑은 고딕"/>
-        <a:font script="Hans" typeface="宋体"/>
-        <a:font script="Hant" typeface="新細明體"/>
-        <a:font script="Arab" typeface="Arial"/>
-        <a:font script="Hebr" typeface="Arial"/>
-        <a:font script="Thai" typeface="Cordia New"/>
-        <a:font script="Ethi" typeface="Nyala"/>
-        <a:font script="Beng" typeface="Vrinda"/>
-        <a:font script="Gujr" typeface="Shruti"/>
-        <a:font script="Khmr" typeface="DaunPenh"/>
-        <a:font script="Knda" typeface="Tunga"/>
-        <a:font script="Guru" typeface="Raavi"/>
-        <a:font script="Cans" typeface="Euphemia"/>
-        <a:font script="Cher" typeface="Plantagenet Cherokee"/>
-        <a:font script="Yiii" typeface="Microsoft Yi Baiti"/>
-        <a:font script="Tibt" typeface="Microsoft Himalaya"/>
-        <a:font script="Thaa" typeface="MV Boli"/>
-        <a:font script="Deva" typeface="Mangal"/>
-        <a:font script="Telu" typeface="Gautami"/>
-        <a:font script="Taml" typeface="Latha"/>
-        <a:font script="Syrc" typeface="Estrangelo Edessa"/>
-        <a:font script="Orya" typeface="Kalinga"/>
-        <a:font script="Mlym" typeface="Kartika"/>
-        <a:font script="Laoo" typeface="DokChampa"/>
-        <a:font script="Sinh" typeface="Iskoola Pota"/>
-        <a:font script="Mong" typeface="Mongolian Baiti"/>
-        <a:font script="Viet" typeface="Arial"/>
-        <a:font script="Uigh" typeface="Microsoft Uighur"/>
-        <a:font script="Geor" typeface="Sylfaen"/>
-      </a:minorFont>
-    </a:fontScheme>
-    <a:fmtScheme name="Office">
-      <a:fillStyleLst>
-        <a:solidFill>
-          <a:schemeClr val="phClr"/>
-        </a:solidFill>
-        <a:gradFill rotWithShape="1">
-          <a:gsLst>
-            <a:gs pos="0">
-              <a:schemeClr val="phClr">
-                <a:lumMod val="110000"/>
-                <a:satMod val="105000"/>
-                <a:tint val="67000"/>
-              </a:schemeClr>
-            </a:gs>
-            <a:gs pos="50000">
-              <a:schemeClr val="phClr">
-                <a:lumMod val="105000"/>
-                <a:satMod val="103000"/>
-                <a:tint val="73000"/>
-              </a:schemeClr>
-            </a:gs>
-            <a:gs pos="100000">
-              <a:schemeClr val="phClr">
-                <a:lumMod val="105000"/>
-                <a:satMod val="109000"/>
-                <a:tint val="81000"/>
-              </a:schemeClr>
-            </a:gs>
-          </a:gsLst>
-          <a:lin ang="5400000" scaled="0"/>
-        </a:gradFill>
-        <a:gradFill rotWithShape="1">
-          <a:gsLst>
-            <a:gs pos="0">
-              <a:schemeClr val="phClr">
-                <a:satMod val="103000"/>
-                <a:lumMod val="102000"/>
-                <a:tint val="94000"/>
-              </a:schemeClr>
-            </a:gs>
-            <a:gs pos="50000">
-              <a:schemeClr val="phClr">
-                <a:satMod val="110000"/>
-                <a:lumMod val="100000"/>
-                <a:shade val="100000"/>
-              </a:schemeClr>
-            </a:gs>
-            <a:gs pos="100000">
-              <a:schemeClr val="phClr">
-                <a:lumMod val="99000"/>
-                <a:satMod val="120000"/>
-                <a:shade val="78000"/>
-              </a:schemeClr>
-            </a:gs>
-          </a:gsLst>
-          <a:lin ang="5400000" scaled="0"/>
-        </a:gradFill>
-      </a:fillStyleLst>
-      <a:lnStyleLst>
-        <a:ln w="6350" cap="flat" cmpd="sng" algn="ctr">
-          <a:solidFill>
-            <a:schemeClr val="phClr"/>
-          </a:solidFill>
-          <a:prstDash val="solid"/>
-          <a:miter lim="800000"/>
-        </a:ln>
-        <a:ln w="12700" cap="flat" cmpd="sng" algn="ctr">
-          <a:solidFill>
-            <a:schemeClr val="phClr"/>
-          </a:solidFill>
-          <a:prstDash val="solid"/>
-          <a:miter lim="800000"/>
-        </a:ln>
-        <a:ln w="19050" cap="flat" cmpd="sng" algn="ctr">
-          <a:solidFill>
-            <a:schemeClr val="phClr"/>
-          </a:solidFill>
-          <a:prstDash val="solid"/>
-          <a:miter lim="800000"/>
-        </a:ln>
-      </a:lnStyleLst>
-      <a:effectStyleLst>
-        <a:effectStyle>
-          <a:effectLst/>
-        </a:effectStyle>
-        <a:effectStyle>
-          <a:effectLst/>
-        </a:effectStyle>
-        <a:effectStyle>
-          <a:effectLst>
-            <a:outerShdw blurRad="57150" dist="19050" dir="5400000" algn="ctr" rotWithShape="0">
-              <a:srgbClr val="000000">
-                <a:alpha val="63000"/>
-              </a:srgbClr>
-            </a:outerShdw>
-          </a:effectLst>
-        </a:effectStyle>
-      </a:effectStyleLst>
-      <a:bgFillStyleLst>
-        <a:solidFill>
-          <a:schemeClr val="phClr"/>
-        </a:solidFill>
-        <a:solidFill>
-          <a:schemeClr val="phClr">
-            <a:tint val="95000"/>
-            <a:satMod val="170000"/>
-          </a:schemeClr>
-        </a:solidFill>
-        <a:gradFill rotWithShape="1">
-          <a:gsLst>
-            <a:gs pos="0">
-              <a:schemeClr val="phClr">
-                <a:tint val="93000"/>
-                <a:satMod val="150000"/>
-                <a:shade val="98000"/>
-                <a:lumMod val="102000"/>
-              </a:schemeClr>
-            </a:gs>
-            <a:gs pos="50000">
-              <a:schemeClr val="phClr">
-                <a:tint val="98000"/>
-                <a:satMod val="130000"/>
-                <a:shade val="90000"/>
-                <a:lumMod val="103000"/>
-              </a:schemeClr>
-            </a:gs>
-            <a:gs pos="100000">
-              <a:schemeClr val="phClr">
-                <a:shade val="63000"/>
-                <a:satMod val="120000"/>
-              </a:schemeClr>
-            </a:gs>
-          </a:gsLst>
-          <a:lin ang="5400000" scaled="0"/>
-        </a:gradFill>
-      </a:bgFillStyleLst>
-    </a:fmtScheme>
-  </a:themeElements>
-  <a:objectDefaults/>
-  <a:extraClrSchemeLst/>
-  <a:extLst>
-    <a:ext uri="{05A4C25C-085E-4340-85A3-A5531E510DB2}">
-      <thm15:themeFamily xmlns:thm15="http://schemas.microsoft.com/office/thememl/2012/main" name="Office Theme" id="{62F939B6-93AF-4DB8-9C6B-D6C7DFDC589F}" vid="{4A3C46E8-61CC-4603-A589-7422A47A8E4A}"/>
-    </a:ext>
-  </a:extLst>
-</a:theme>
 </file>
--- a/wifi6-cac-research/Paper/presentation.pptx
+++ b/wifi6-cac-research/Paper/presentation.pptx
@@ -17,8 +17,13 @@
     <p:sldId id="265" r:id="rId16"/>
     <p:sldId id="266" r:id="rId17"/>
     <p:sldId id="267" r:id="rId18"/>
+    <p:sldId id="268" r:id="rId19"/>
+    <p:sldId id="269" r:id="rId20"/>
+    <p:sldId id="270" r:id="rId21"/>
+    <p:sldId id="271" r:id="rId22"/>
+    <p:sldId id="272" r:id="rId23"/>
   </p:sldIdLst>
-  <p:sldSz cx="9144000" cy="6858000" type="screen4x3"/>
+  <p:sldSz cx="4608576" cy="3456432" type="screen4x3"/>
   <p:notesSz cx="6858000" cy="9144000"/>
   <p:defaultTextStyle>
     <a:defPPr>
@@ -3099,69 +3104,30 @@
         <p:nvPr/>
       </p:nvGrpSpPr>
       <p:grpSpPr/>
-      <p:sp>
-        <p:nvSpPr>
-          <p:cNvPr id="2" name="Title 1"/>
-          <p:cNvSpPr>
-            <a:spLocks noGrp="1"/>
-          </p:cNvSpPr>
-          <p:nvPr>
-            <p:ph type="ctrTitle"/>
-          </p:nvPr>
-        </p:nvSpPr>
-        <p:spPr/>
-        <p:txBody>
-          <a:bodyPr/>
-          <a:lstStyle/>
-          <a:p>
-            <a:r>
-              <a:t>Enhancing QoS in Dense IEEE 802.11ax Settings</a:t>
-            </a:r>
-          </a:p>
-          <a:p>
-            <a:r>
-              <a:t>using a Dynamic Airtime-Based Soft Admission Control Mechanism</a:t>
-            </a:r>
-          </a:p>
-        </p:txBody>
-      </p:sp>
-      <p:sp>
-        <p:nvSpPr>
-          <p:cNvPr id="3" name="Subtitle 2"/>
-          <p:cNvSpPr>
-            <a:spLocks noGrp="1"/>
-          </p:cNvSpPr>
-          <p:nvPr>
-            <p:ph type="subTitle" idx="1"/>
-          </p:nvPr>
-        </p:nvSpPr>
-        <p:spPr/>
-        <p:txBody>
-          <a:bodyPr/>
-          <a:lstStyle/>
-          <a:p>
-            <a:r>
-              <a:t>Dayanand Ambawade &amp; Rohan Pawar</a:t>
-            </a:r>
-          </a:p>
-          <a:p/>
-          <a:p>
-            <a:r>
-              <a:t>10th International Conference on Systems, Control and Communications (ICSCC 2025)</a:t>
-            </a:r>
-          </a:p>
-          <a:p>
-            <a:r>
-              <a:t>Nagoya University, Japan</a:t>
-            </a:r>
-          </a:p>
-          <a:p>
-            <a:r>
-              <a:t>December 2025</a:t>
-            </a:r>
-          </a:p>
-        </p:txBody>
-      </p:sp>
+      <p:pic>
+        <p:nvPicPr>
+          <p:cNvPr id="2" name="Picture 1" descr="slide-01.png"/>
+          <p:cNvPicPr>
+            <a:picLocks noChangeAspect="1"/>
+          </p:cNvPicPr>
+          <p:nvPr/>
+        </p:nvPicPr>
+        <p:blipFill>
+          <a:blip r:embed="rId2"/>
+          <a:stretch>
+            <a:fillRect/>
+          </a:stretch>
+        </p:blipFill>
+        <p:spPr>
+          <a:xfrm>
+            <a:off x="0" y="0"/>
+            <a:ext cx="4608576" cy="3456432"/>
+          </a:xfrm>
+          <a:prstGeom prst="rect">
+            <a:avLst/>
+          </a:prstGeom>
+        </p:spPr>
+      </p:pic>
     </p:spTree>
   </p:cSld>
   <p:clrMapOvr>
@@ -3180,110 +3146,9 @@
         <p:nvPr/>
       </p:nvGrpSpPr>
       <p:grpSpPr/>
-      <p:sp>
-        <p:nvSpPr>
-          <p:cNvPr id="2" name="Title 1"/>
-          <p:cNvSpPr>
-            <a:spLocks noGrp="1"/>
-          </p:cNvSpPr>
-          <p:nvPr>
-            <p:ph type="title"/>
-          </p:nvPr>
-        </p:nvSpPr>
-        <p:spPr/>
-        <p:txBody>
-          <a:bodyPr/>
-          <a:lstStyle/>
-          <a:p>
-            <a:r>
-              <a:t>Multi-Dimensional Superiority</a:t>
-            </a:r>
-          </a:p>
-        </p:txBody>
-      </p:sp>
-      <p:sp>
-        <p:nvSpPr>
-          <p:cNvPr id="3" name="Content Placeholder 2"/>
-          <p:cNvSpPr>
-            <a:spLocks noGrp="1"/>
-          </p:cNvSpPr>
-          <p:nvPr>
-            <p:ph idx="1" sz="half"/>
-          </p:nvPr>
-        </p:nvSpPr>
-        <p:spPr/>
-        <p:txBody>
-          <a:bodyPr/>
-          <a:lstStyle/>
-          <a:p/>
-        </p:txBody>
-      </p:sp>
-      <p:sp>
-        <p:nvSpPr>
-          <p:cNvPr id="4" name="Content Placeholder 3"/>
-          <p:cNvSpPr>
-            <a:spLocks noGrp="1"/>
-          </p:cNvSpPr>
-          <p:nvPr>
-            <p:ph idx="2" sz="half"/>
-          </p:nvPr>
-        </p:nvSpPr>
-        <p:spPr/>
-        <p:txBody>
-          <a:bodyPr/>
-          <a:lstStyle/>
-          <a:p>
-            <a:r>
-              <a:t>Why AS-CAC+ Wins:</a:t>
-            </a:r>
-          </a:p>
-          <a:p>
-            <a:pPr>
-              <a:defRPr b="1"/>
-            </a:pPr>
-            <a:r>
-              <a:t>Adaptability</a:t>
-            </a:r>
-          </a:p>
-          <a:p>
-            <a:pPr lvl="1"/>
-            <a:r>
-              <a:t>Reacts to interference instantly.</a:t>
-            </a:r>
-          </a:p>
-          <a:p>
-            <a:pPr>
-              <a:defRPr b="1"/>
-            </a:pPr>
-            <a:r>
-              <a:t>Utilization</a:t>
-            </a:r>
-          </a:p>
-          <a:p>
-            <a:pPr lvl="1"/>
-            <a:r>
-              <a:t>97.4% vs 78% (Hard CAC).</a:t>
-            </a:r>
-          </a:p>
-          <a:p>
-            <a:pPr>
-              <a:defRPr b="1"/>
-            </a:pPr>
-            <a:r>
-              <a:t>Safety</a:t>
-            </a:r>
-          </a:p>
-          <a:p>
-            <a:pPr lvl="1"/>
-            <a:r>
-              <a:t>Keeps VoIP latency &lt; 2ms.</a:t>
-            </a:r>
-          </a:p>
-        </p:txBody>
-      </p:sp>
       <p:pic>
         <p:nvPicPr>
-          <p:cNvPr id="5" name="Picture 4" descr="ascac_radar_chart.png"/>
+          <p:cNvPr id="2" name="Picture 1" descr="slide-10.png"/>
           <p:cNvPicPr>
             <a:picLocks noChangeAspect="1"/>
           </p:cNvPicPr>
@@ -3297,8 +3162,8 @@
         </p:blipFill>
         <p:spPr>
           <a:xfrm>
-            <a:off x="457200" y="1600200"/>
-            <a:ext cx="4038600" cy="3439430"/>
+            <a:off x="0" y="0"/>
+            <a:ext cx="4608576" cy="3456432"/>
           </a:xfrm>
           <a:prstGeom prst="rect">
             <a:avLst/>
@@ -3323,83 +3188,30 @@
         <p:nvPr/>
       </p:nvGrpSpPr>
       <p:grpSpPr/>
-      <p:sp>
-        <p:nvSpPr>
-          <p:cNvPr id="2" name="Title 1"/>
-          <p:cNvSpPr>
-            <a:spLocks noGrp="1"/>
-          </p:cNvSpPr>
-          <p:nvPr>
-            <p:ph type="title"/>
-          </p:nvPr>
-        </p:nvSpPr>
-        <p:spPr/>
-        <p:txBody>
-          <a:bodyPr/>
-          <a:lstStyle/>
-          <a:p>
-            <a:r>
-              <a:t>Conclusion</a:t>
-            </a:r>
-          </a:p>
-        </p:txBody>
-      </p:sp>
-      <p:sp>
-        <p:nvSpPr>
-          <p:cNvPr id="3" name="Content Placeholder 2"/>
-          <p:cNvSpPr>
-            <a:spLocks noGrp="1"/>
-          </p:cNvSpPr>
-          <p:nvPr>
-            <p:ph idx="1"/>
-          </p:nvPr>
-        </p:nvSpPr>
-        <p:spPr/>
-        <p:txBody>
-          <a:bodyPr/>
-          <a:lstStyle/>
-          <a:p>
-            <a:r>
-              <a:t>Summary</a:t>
-            </a:r>
-          </a:p>
-          <a:p>
-            <a:pPr lvl="1"/>
-            <a:r>
-              <a:t>AS-CAC+ transforms admission control from static to dynamic.</a:t>
-            </a:r>
-          </a:p>
-          <a:p>
-            <a:pPr lvl="1"/>
-            <a:r>
-              <a:t>Safely unlocks 19.2% more capacity.</a:t>
-            </a:r>
-          </a:p>
-          <a:p>
-            <a:r>
-              <a:t>Key Achievements</a:t>
-            </a:r>
-          </a:p>
-          <a:p>
-            <a:pPr lvl="1"/>
-            <a:r>
-              <a:t>19.2% Throughput improvement.</a:t>
-            </a:r>
-          </a:p>
-          <a:p>
-            <a:pPr lvl="1"/>
-            <a:r>
-              <a:t>97.4% Channel Utilization.</a:t>
-            </a:r>
-          </a:p>
-          <a:p>
-            <a:pPr lvl="1"/>
-            <a:r>
-              <a:t>Strict QoS for VoIP validated.</a:t>
-            </a:r>
-          </a:p>
-        </p:txBody>
-      </p:sp>
+      <p:pic>
+        <p:nvPicPr>
+          <p:cNvPr id="2" name="Picture 1" descr="slide-11.png"/>
+          <p:cNvPicPr>
+            <a:picLocks noChangeAspect="1"/>
+          </p:cNvPicPr>
+          <p:nvPr/>
+        </p:nvPicPr>
+        <p:blipFill>
+          <a:blip r:embed="rId2"/>
+          <a:stretch>
+            <a:fillRect/>
+          </a:stretch>
+        </p:blipFill>
+        <p:spPr>
+          <a:xfrm>
+            <a:off x="0" y="0"/>
+            <a:ext cx="4608576" cy="3456432"/>
+          </a:xfrm>
+          <a:prstGeom prst="rect">
+            <a:avLst/>
+          </a:prstGeom>
+        </p:spPr>
+      </p:pic>
     </p:spTree>
   </p:cSld>
   <p:clrMapOvr>
@@ -3418,59 +3230,240 @@
         <p:nvPr/>
       </p:nvGrpSpPr>
       <p:grpSpPr/>
-      <p:sp>
-        <p:nvSpPr>
-          <p:cNvPr id="2" name="Title 1"/>
-          <p:cNvSpPr>
-            <a:spLocks noGrp="1"/>
-          </p:cNvSpPr>
-          <p:nvPr>
-            <p:ph type="ctrTitle"/>
-          </p:nvPr>
-        </p:nvSpPr>
-        <p:spPr/>
-        <p:txBody>
-          <a:bodyPr/>
-          <a:lstStyle/>
-          <a:p>
-            <a:r>
-              <a:t>Thank You!</a:t>
-            </a:r>
-          </a:p>
-        </p:txBody>
-      </p:sp>
-      <p:sp>
-        <p:nvSpPr>
-          <p:cNvPr id="3" name="Subtitle 2"/>
-          <p:cNvSpPr>
-            <a:spLocks noGrp="1"/>
-          </p:cNvSpPr>
-          <p:nvPr>
-            <p:ph type="subTitle" idx="1"/>
-          </p:nvPr>
-        </p:nvSpPr>
-        <p:spPr/>
-        <p:txBody>
-          <a:bodyPr/>
-          <a:lstStyle/>
-          <a:p>
-            <a:r>
-              <a:t>Questions?</a:t>
-            </a:r>
-          </a:p>
-          <a:p/>
-          <a:p>
-            <a:r>
-              <a:t>Dayanand Ambawade &amp; Rohan Pawar</a:t>
-            </a:r>
-          </a:p>
-          <a:p>
-            <a:r>
-              <a:t>Sardar Patel Institute of Technology</a:t>
-            </a:r>
-          </a:p>
-        </p:txBody>
-      </p:sp>
+      <p:pic>
+        <p:nvPicPr>
+          <p:cNvPr id="2" name="Picture 1" descr="slide-12.png"/>
+          <p:cNvPicPr>
+            <a:picLocks noChangeAspect="1"/>
+          </p:cNvPicPr>
+          <p:nvPr/>
+        </p:nvPicPr>
+        <p:blipFill>
+          <a:blip r:embed="rId2"/>
+          <a:stretch>
+            <a:fillRect/>
+          </a:stretch>
+        </p:blipFill>
+        <p:spPr>
+          <a:xfrm>
+            <a:off x="0" y="0"/>
+            <a:ext cx="4608576" cy="3456432"/>
+          </a:xfrm>
+          <a:prstGeom prst="rect">
+            <a:avLst/>
+          </a:prstGeom>
+        </p:spPr>
+      </p:pic>
+    </p:spTree>
+  </p:cSld>
+  <p:clrMapOvr>
+    <a:masterClrMapping/>
+  </p:clrMapOvr>
+</p:sld>
+</file>
+
+<file path=ppt/slides/slide13.xml><?xml version="1.0" encoding="utf-8"?>
+<p:sld xmlns:a="http://schemas.openxmlformats.org/drawingml/2006/main" xmlns:p="http://schemas.openxmlformats.org/presentationml/2006/main" xmlns:r="http://schemas.openxmlformats.org/officeDocument/2006/relationships">
+  <p:cSld>
+    <p:spTree>
+      <p:nvGrpSpPr>
+        <p:cNvPr id="1" name=""/>
+        <p:cNvGrpSpPr/>
+        <p:nvPr/>
+      </p:nvGrpSpPr>
+      <p:grpSpPr/>
+      <p:pic>
+        <p:nvPicPr>
+          <p:cNvPr id="2" name="Picture 1" descr="slide-13.png"/>
+          <p:cNvPicPr>
+            <a:picLocks noChangeAspect="1"/>
+          </p:cNvPicPr>
+          <p:nvPr/>
+        </p:nvPicPr>
+        <p:blipFill>
+          <a:blip r:embed="rId2"/>
+          <a:stretch>
+            <a:fillRect/>
+          </a:stretch>
+        </p:blipFill>
+        <p:spPr>
+          <a:xfrm>
+            <a:off x="0" y="0"/>
+            <a:ext cx="4608576" cy="3456432"/>
+          </a:xfrm>
+          <a:prstGeom prst="rect">
+            <a:avLst/>
+          </a:prstGeom>
+        </p:spPr>
+      </p:pic>
+    </p:spTree>
+  </p:cSld>
+  <p:clrMapOvr>
+    <a:masterClrMapping/>
+  </p:clrMapOvr>
+</p:sld>
+</file>
+
+<file path=ppt/slides/slide14.xml><?xml version="1.0" encoding="utf-8"?>
+<p:sld xmlns:a="http://schemas.openxmlformats.org/drawingml/2006/main" xmlns:p="http://schemas.openxmlformats.org/presentationml/2006/main" xmlns:r="http://schemas.openxmlformats.org/officeDocument/2006/relationships">
+  <p:cSld>
+    <p:spTree>
+      <p:nvGrpSpPr>
+        <p:cNvPr id="1" name=""/>
+        <p:cNvGrpSpPr/>
+        <p:nvPr/>
+      </p:nvGrpSpPr>
+      <p:grpSpPr/>
+      <p:pic>
+        <p:nvPicPr>
+          <p:cNvPr id="2" name="Picture 1" descr="slide-14.png"/>
+          <p:cNvPicPr>
+            <a:picLocks noChangeAspect="1"/>
+          </p:cNvPicPr>
+          <p:nvPr/>
+        </p:nvPicPr>
+        <p:blipFill>
+          <a:blip r:embed="rId2"/>
+          <a:stretch>
+            <a:fillRect/>
+          </a:stretch>
+        </p:blipFill>
+        <p:spPr>
+          <a:xfrm>
+            <a:off x="0" y="0"/>
+            <a:ext cx="4608576" cy="3456432"/>
+          </a:xfrm>
+          <a:prstGeom prst="rect">
+            <a:avLst/>
+          </a:prstGeom>
+        </p:spPr>
+      </p:pic>
+    </p:spTree>
+  </p:cSld>
+  <p:clrMapOvr>
+    <a:masterClrMapping/>
+  </p:clrMapOvr>
+</p:sld>
+</file>
+
+<file path=ppt/slides/slide15.xml><?xml version="1.0" encoding="utf-8"?>
+<p:sld xmlns:a="http://schemas.openxmlformats.org/drawingml/2006/main" xmlns:p="http://schemas.openxmlformats.org/presentationml/2006/main" xmlns:r="http://schemas.openxmlformats.org/officeDocument/2006/relationships">
+  <p:cSld>
+    <p:spTree>
+      <p:nvGrpSpPr>
+        <p:cNvPr id="1" name=""/>
+        <p:cNvGrpSpPr/>
+        <p:nvPr/>
+      </p:nvGrpSpPr>
+      <p:grpSpPr/>
+      <p:pic>
+        <p:nvPicPr>
+          <p:cNvPr id="2" name="Picture 1" descr="slide-15.png"/>
+          <p:cNvPicPr>
+            <a:picLocks noChangeAspect="1"/>
+          </p:cNvPicPr>
+          <p:nvPr/>
+        </p:nvPicPr>
+        <p:blipFill>
+          <a:blip r:embed="rId2"/>
+          <a:stretch>
+            <a:fillRect/>
+          </a:stretch>
+        </p:blipFill>
+        <p:spPr>
+          <a:xfrm>
+            <a:off x="0" y="0"/>
+            <a:ext cx="4608576" cy="3456432"/>
+          </a:xfrm>
+          <a:prstGeom prst="rect">
+            <a:avLst/>
+          </a:prstGeom>
+        </p:spPr>
+      </p:pic>
+    </p:spTree>
+  </p:cSld>
+  <p:clrMapOvr>
+    <a:masterClrMapping/>
+  </p:clrMapOvr>
+</p:sld>
+</file>
+
+<file path=ppt/slides/slide16.xml><?xml version="1.0" encoding="utf-8"?>
+<p:sld xmlns:a="http://schemas.openxmlformats.org/drawingml/2006/main" xmlns:p="http://schemas.openxmlformats.org/presentationml/2006/main" xmlns:r="http://schemas.openxmlformats.org/officeDocument/2006/relationships">
+  <p:cSld>
+    <p:spTree>
+      <p:nvGrpSpPr>
+        <p:cNvPr id="1" name=""/>
+        <p:cNvGrpSpPr/>
+        <p:nvPr/>
+      </p:nvGrpSpPr>
+      <p:grpSpPr/>
+      <p:pic>
+        <p:nvPicPr>
+          <p:cNvPr id="2" name="Picture 1" descr="slide-16.png"/>
+          <p:cNvPicPr>
+            <a:picLocks noChangeAspect="1"/>
+          </p:cNvPicPr>
+          <p:nvPr/>
+        </p:nvPicPr>
+        <p:blipFill>
+          <a:blip r:embed="rId2"/>
+          <a:stretch>
+            <a:fillRect/>
+          </a:stretch>
+        </p:blipFill>
+        <p:spPr>
+          <a:xfrm>
+            <a:off x="0" y="0"/>
+            <a:ext cx="4608576" cy="3456432"/>
+          </a:xfrm>
+          <a:prstGeom prst="rect">
+            <a:avLst/>
+          </a:prstGeom>
+        </p:spPr>
+      </p:pic>
+    </p:spTree>
+  </p:cSld>
+  <p:clrMapOvr>
+    <a:masterClrMapping/>
+  </p:clrMapOvr>
+</p:sld>
+</file>
+
+<file path=ppt/slides/slide17.xml><?xml version="1.0" encoding="utf-8"?>
+<p:sld xmlns:a="http://schemas.openxmlformats.org/drawingml/2006/main" xmlns:p="http://schemas.openxmlformats.org/presentationml/2006/main" xmlns:r="http://schemas.openxmlformats.org/officeDocument/2006/relationships">
+  <p:cSld>
+    <p:spTree>
+      <p:nvGrpSpPr>
+        <p:cNvPr id="1" name=""/>
+        <p:cNvGrpSpPr/>
+        <p:nvPr/>
+      </p:nvGrpSpPr>
+      <p:grpSpPr/>
+      <p:pic>
+        <p:nvPicPr>
+          <p:cNvPr id="2" name="Picture 1" descr="slide-17.png"/>
+          <p:cNvPicPr>
+            <a:picLocks noChangeAspect="1"/>
+          </p:cNvPicPr>
+          <p:nvPr/>
+        </p:nvPicPr>
+        <p:blipFill>
+          <a:blip r:embed="rId2"/>
+          <a:stretch>
+            <a:fillRect/>
+          </a:stretch>
+        </p:blipFill>
+        <p:spPr>
+          <a:xfrm>
+            <a:off x="0" y="0"/>
+            <a:ext cx="4608576" cy="3456432"/>
+          </a:xfrm>
+          <a:prstGeom prst="rect">
+            <a:avLst/>
+          </a:prstGeom>
+        </p:spPr>
+      </p:pic>
     </p:spTree>
   </p:cSld>
   <p:clrMapOvr>
@@ -3489,68 +3482,30 @@
         <p:nvPr/>
       </p:nvGrpSpPr>
       <p:grpSpPr/>
-      <p:sp>
-        <p:nvSpPr>
-          <p:cNvPr id="2" name="Title 1"/>
-          <p:cNvSpPr>
-            <a:spLocks noGrp="1"/>
-          </p:cNvSpPr>
-          <p:nvPr>
-            <p:ph type="title"/>
-          </p:nvPr>
-        </p:nvSpPr>
-        <p:spPr/>
-        <p:txBody>
-          <a:bodyPr/>
-          <a:lstStyle/>
-          <a:p>
-            <a:r>
-              <a:t>Outline</a:t>
-            </a:r>
-          </a:p>
-        </p:txBody>
-      </p:sp>
-      <p:sp>
-        <p:nvSpPr>
-          <p:cNvPr id="3" name="Content Placeholder 2"/>
-          <p:cNvSpPr>
-            <a:spLocks noGrp="1"/>
-          </p:cNvSpPr>
-          <p:nvPr>
-            <p:ph idx="1"/>
-          </p:nvPr>
-        </p:nvSpPr>
-        <p:spPr/>
-        <p:txBody>
-          <a:bodyPr/>
-          <a:lstStyle/>
-          <a:p>
-            <a:r>
-              <a:t>Introduction &amp; Motivation</a:t>
-            </a:r>
-          </a:p>
-          <a:p>
-            <a:r>
-              <a:t>System Architecture</a:t>
-            </a:r>
-          </a:p>
-          <a:p>
-            <a:r>
-              <a:t>Proposed AS-CAC Framework</a:t>
-            </a:r>
-          </a:p>
-          <a:p>
-            <a:r>
-              <a:t>Performance Evaluation</a:t>
-            </a:r>
-          </a:p>
-          <a:p>
-            <a:r>
-              <a:t>Conclusion</a:t>
-            </a:r>
-          </a:p>
-        </p:txBody>
-      </p:sp>
+      <p:pic>
+        <p:nvPicPr>
+          <p:cNvPr id="2" name="Picture 1" descr="slide-02.png"/>
+          <p:cNvPicPr>
+            <a:picLocks noChangeAspect="1"/>
+          </p:cNvPicPr>
+          <p:nvPr/>
+        </p:nvPicPr>
+        <p:blipFill>
+          <a:blip r:embed="rId2"/>
+          <a:stretch>
+            <a:fillRect/>
+          </a:stretch>
+        </p:blipFill>
+        <p:spPr>
+          <a:xfrm>
+            <a:off x="0" y="0"/>
+            <a:ext cx="4608576" cy="3456432"/>
+          </a:xfrm>
+          <a:prstGeom prst="rect">
+            <a:avLst/>
+          </a:prstGeom>
+        </p:spPr>
+      </p:pic>
     </p:spTree>
   </p:cSld>
   <p:clrMapOvr>
@@ -3569,99 +3524,30 @@
         <p:nvPr/>
       </p:nvGrpSpPr>
       <p:grpSpPr/>
-      <p:sp>
-        <p:nvSpPr>
-          <p:cNvPr id="2" name="Title 1"/>
-          <p:cNvSpPr>
-            <a:spLocks noGrp="1"/>
-          </p:cNvSpPr>
-          <p:nvPr>
-            <p:ph type="title"/>
-          </p:nvPr>
-        </p:nvSpPr>
-        <p:spPr/>
-        <p:txBody>
-          <a:bodyPr/>
-          <a:lstStyle/>
-          <a:p>
-            <a:r>
-              <a:t>Motivation</a:t>
-            </a:r>
-          </a:p>
-        </p:txBody>
-      </p:sp>
-      <p:sp>
-        <p:nvSpPr>
-          <p:cNvPr id="3" name="Content Placeholder 2"/>
-          <p:cNvSpPr>
-            <a:spLocks noGrp="1"/>
-          </p:cNvSpPr>
-          <p:nvPr>
-            <p:ph idx="1"/>
-          </p:nvPr>
-        </p:nvSpPr>
-        <p:spPr/>
-        <p:txBody>
-          <a:bodyPr/>
-          <a:lstStyle/>
-          <a:p>
-            <a:pPr>
-              <a:defRPr b="1"/>
-            </a:pPr>
-            <a:r>
-              <a:t>The Challenge</a:t>
-            </a:r>
-          </a:p>
-          <a:p>
-            <a:pPr lvl="1"/>
-            <a:r>
-              <a:t>IEEE 802.11ax (Wi-Fi 6) improves spectral efficiency but struggles under saturation in dense environments.</a:t>
-            </a:r>
-          </a:p>
-          <a:p>
-            <a:pPr>
-              <a:defRPr b="1"/>
-            </a:pPr>
-            <a:r>
-              <a:t>QoS Issues</a:t>
-            </a:r>
-          </a:p>
-          <a:p>
-            <a:pPr lvl="1"/>
-            <a:r>
-              <a:t>Real-time applications (VoIP, Video) are sensitive to high delay and jitter caused by congestion.</a:t>
-            </a:r>
-          </a:p>
-          <a:p>
-            <a:pPr>
-              <a:defRPr b="1"/>
-            </a:pPr>
-            <a:r>
-              <a:t>Limitation of Existing CAC</a:t>
-            </a:r>
-          </a:p>
-          <a:p>
-            <a:pPr lvl="1"/>
-            <a:r>
-              <a:t>Traditional schemes ignore traffic heterogeneity (IoT vs 4K Video) and varying MCS.</a:t>
-            </a:r>
-          </a:p>
-          <a:p>
-            <a:pPr>
-              <a:defRPr b="1"/>
-            </a:pPr>
-            <a:r>
-              <a:t>Research Goal</a:t>
-            </a:r>
-          </a:p>
-          <a:p>
-            <a:pPr lvl="1"/>
-            <a:r>
-              <a:t>Develop admission control to maximize airtime utilization while guaranteeing strict QoS.</a:t>
-            </a:r>
-          </a:p>
-        </p:txBody>
-      </p:sp>
+      <p:pic>
+        <p:nvPicPr>
+          <p:cNvPr id="2" name="Picture 1" descr="slide-03.png"/>
+          <p:cNvPicPr>
+            <a:picLocks noChangeAspect="1"/>
+          </p:cNvPicPr>
+          <p:nvPr/>
+        </p:nvPicPr>
+        <p:blipFill>
+          <a:blip r:embed="rId2"/>
+          <a:stretch>
+            <a:fillRect/>
+          </a:stretch>
+        </p:blipFill>
+        <p:spPr>
+          <a:xfrm>
+            <a:off x="0" y="0"/>
+            <a:ext cx="4608576" cy="3456432"/>
+          </a:xfrm>
+          <a:prstGeom prst="rect">
+            <a:avLst/>
+          </a:prstGeom>
+        </p:spPr>
+      </p:pic>
     </p:spTree>
   </p:cSld>
   <p:clrMapOvr>
@@ -3680,104 +3566,9 @@
         <p:nvPr/>
       </p:nvGrpSpPr>
       <p:grpSpPr/>
-      <p:sp>
-        <p:nvSpPr>
-          <p:cNvPr id="2" name="Title 1"/>
-          <p:cNvSpPr>
-            <a:spLocks noGrp="1"/>
-          </p:cNvSpPr>
-          <p:nvPr>
-            <p:ph type="title"/>
-          </p:nvPr>
-        </p:nvSpPr>
-        <p:spPr/>
-        <p:txBody>
-          <a:bodyPr/>
-          <a:lstStyle/>
-          <a:p>
-            <a:r>
-              <a:t>Research Test Bed &amp; Components</a:t>
-            </a:r>
-          </a:p>
-        </p:txBody>
-      </p:sp>
-      <p:sp>
-        <p:nvSpPr>
-          <p:cNvPr id="3" name="Content Placeholder 2"/>
-          <p:cNvSpPr>
-            <a:spLocks noGrp="1"/>
-          </p:cNvSpPr>
-          <p:nvPr>
-            <p:ph idx="1" sz="half"/>
-          </p:nvPr>
-        </p:nvSpPr>
-        <p:spPr/>
-        <p:txBody>
-          <a:bodyPr/>
-          <a:lstStyle/>
-          <a:p>
-            <a:r>
-              <a:t>Simulation Components (ns-3):</a:t>
-            </a:r>
-          </a:p>
-          <a:p>
-            <a:pPr lvl="1"/>
-            <a:r>
-              <a:t>AP Node: Wi-Fi 6 (802.11ax), 80 MHz, 5 GHz</a:t>
-            </a:r>
-          </a:p>
-          <a:p>
-            <a:pPr lvl="1"/>
-            <a:r>
-              <a:t>Stations: 25-50 users in dense grid</a:t>
-            </a:r>
-          </a:p>
-          <a:p>
-            <a:pPr lvl="1"/>
-            <a:r>
-              <a:t>Traffic Generators:</a:t>
-            </a:r>
-          </a:p>
-          <a:p>
-            <a:pPr lvl="2"/>
-            <a:r>
-              <a:t>VoIP (UDP)</a:t>
-            </a:r>
-          </a:p>
-          <a:p>
-            <a:pPr lvl="2"/>
-            <a:r>
-              <a:t>Video (UDP)</a:t>
-            </a:r>
-          </a:p>
-          <a:p>
-            <a:pPr lvl="2"/>
-            <a:r>
-              <a:t>Bursty/Web (TCP/UDP)</a:t>
-            </a:r>
-          </a:p>
-        </p:txBody>
-      </p:sp>
-      <p:sp>
-        <p:nvSpPr>
-          <p:cNvPr id="4" name="Content Placeholder 3"/>
-          <p:cNvSpPr>
-            <a:spLocks noGrp="1"/>
-          </p:cNvSpPr>
-          <p:nvPr>
-            <p:ph idx="2" sz="half"/>
-          </p:nvPr>
-        </p:nvSpPr>
-        <p:spPr/>
-        <p:txBody>
-          <a:bodyPr/>
-          <a:lstStyle/>
-          <a:p/>
-        </p:txBody>
-      </p:sp>
       <p:pic>
         <p:nvPicPr>
-          <p:cNvPr id="5" name="Picture 4" descr="ns3_network_topology.png"/>
+          <p:cNvPr id="2" name="Picture 1" descr="slide-04.png"/>
           <p:cNvPicPr>
             <a:picLocks noChangeAspect="1"/>
           </p:cNvPicPr>
@@ -3791,8 +3582,8 @@
         </p:blipFill>
         <p:spPr>
           <a:xfrm>
-            <a:off x="4648200" y="1600200"/>
-            <a:ext cx="4038600" cy="3384742"/>
+            <a:off x="0" y="0"/>
+            <a:ext cx="4608576" cy="3456432"/>
           </a:xfrm>
           <a:prstGeom prst="rect">
             <a:avLst/>
@@ -3817,97 +3608,9 @@
         <p:nvPr/>
       </p:nvGrpSpPr>
       <p:grpSpPr/>
-      <p:sp>
-        <p:nvSpPr>
-          <p:cNvPr id="2" name="Title 1"/>
-          <p:cNvSpPr>
-            <a:spLocks noGrp="1"/>
-          </p:cNvSpPr>
-          <p:nvPr>
-            <p:ph type="title"/>
-          </p:nvPr>
-        </p:nvSpPr>
-        <p:spPr/>
-        <p:txBody>
-          <a:bodyPr/>
-          <a:lstStyle/>
-          <a:p>
-            <a:r>
-              <a:t>System Model and Traffic</a:t>
-            </a:r>
-          </a:p>
-        </p:txBody>
-      </p:sp>
-      <p:sp>
-        <p:nvSpPr>
-          <p:cNvPr id="3" name="Content Placeholder 2"/>
-          <p:cNvSpPr>
-            <a:spLocks noGrp="1"/>
-          </p:cNvSpPr>
-          <p:nvPr>
-            <p:ph idx="1" sz="half"/>
-          </p:nvPr>
-        </p:nvSpPr>
-        <p:spPr/>
-        <p:txBody>
-          <a:bodyPr/>
-          <a:lstStyle/>
-          <a:p>
-            <a:r>
-              <a:t>Metric: Airtime Utilization</a:t>
-            </a:r>
-          </a:p>
-          <a:p>
-            <a:pPr lvl="1"/>
-            <a:r>
-              <a:t>Calculated based on PHY rate and overhead.</a:t>
-            </a:r>
-          </a:p>
-          <a:p>
-            <a:r>
-              <a:t>Traffic Mix:</a:t>
-            </a:r>
-          </a:p>
-          <a:p>
-            <a:pPr lvl="1"/>
-            <a:r>
-              <a:t>VoIP: High Priority, Low Bandwidth</a:t>
-            </a:r>
-          </a:p>
-          <a:p>
-            <a:pPr lvl="1"/>
-            <a:r>
-              <a:t>Video: Medium Priority, High Bandwidth</a:t>
-            </a:r>
-          </a:p>
-          <a:p>
-            <a:pPr lvl="1"/>
-            <a:r>
-              <a:t>Best Effort: Low Priority, Bursty</a:t>
-            </a:r>
-          </a:p>
-        </p:txBody>
-      </p:sp>
-      <p:sp>
-        <p:nvSpPr>
-          <p:cNvPr id="4" name="Content Placeholder 3"/>
-          <p:cNvSpPr>
-            <a:spLocks noGrp="1"/>
-          </p:cNvSpPr>
-          <p:nvPr>
-            <p:ph idx="2" sz="half"/>
-          </p:nvPr>
-        </p:nvSpPr>
-        <p:spPr/>
-        <p:txBody>
-          <a:bodyPr/>
-          <a:lstStyle/>
-          <a:p/>
-        </p:txBody>
-      </p:sp>
       <p:pic>
         <p:nvPicPr>
-          <p:cNvPr id="5" name="Picture 4" descr="ap_station_distribution.png"/>
+          <p:cNvPr id="2" name="Picture 1" descr="slide-05.png"/>
           <p:cNvPicPr>
             <a:picLocks noChangeAspect="1"/>
           </p:cNvPicPr>
@@ -3921,8 +3624,8 @@
         </p:blipFill>
         <p:spPr>
           <a:xfrm>
-            <a:off x="4648200" y="1600200"/>
-            <a:ext cx="4038600" cy="2202873"/>
+            <a:off x="0" y="0"/>
+            <a:ext cx="4608576" cy="3456432"/>
           </a:xfrm>
           <a:prstGeom prst="rect">
             <a:avLst/>
@@ -3947,104 +3650,9 @@
         <p:nvPr/>
       </p:nvGrpSpPr>
       <p:grpSpPr/>
-      <p:sp>
-        <p:nvSpPr>
-          <p:cNvPr id="2" name="Title 1"/>
-          <p:cNvSpPr>
-            <a:spLocks noGrp="1"/>
-          </p:cNvSpPr>
-          <p:nvPr>
-            <p:ph type="title"/>
-          </p:nvPr>
-        </p:nvSpPr>
-        <p:spPr/>
-        <p:txBody>
-          <a:bodyPr/>
-          <a:lstStyle/>
-          <a:p>
-            <a:r>
-              <a:t>Proposed Solution: Soft CAC</a:t>
-            </a:r>
-          </a:p>
-        </p:txBody>
-      </p:sp>
-      <p:sp>
-        <p:nvSpPr>
-          <p:cNvPr id="3" name="Content Placeholder 2"/>
-          <p:cNvSpPr>
-            <a:spLocks noGrp="1"/>
-          </p:cNvSpPr>
-          <p:nvPr>
-            <p:ph idx="1" sz="half"/>
-          </p:nvPr>
-        </p:nvSpPr>
-        <p:spPr/>
-        <p:txBody>
-          <a:bodyPr/>
-          <a:lstStyle/>
-          <a:p>
-            <a:r>
-              <a:t>Concept: Priority-Aware Thresholds</a:t>
-            </a:r>
-          </a:p>
-          <a:p>
-            <a:pPr lvl="1"/>
-            <a:r>
-              <a:t>Instead of a single hard limit (e.g., 80%):</a:t>
-            </a:r>
-          </a:p>
-          <a:p>
-            <a:pPr lvl="1">
-              <a:defRPr b="1"/>
-            </a:pPr>
-            <a:r>
-              <a:t>VoIP (High): 90% Threshold</a:t>
-            </a:r>
-          </a:p>
-          <a:p>
-            <a:pPr lvl="1">
-              <a:defRPr b="1"/>
-            </a:pPr>
-            <a:r>
-              <a:t>Video (Medium): 80% Threshold</a:t>
-            </a:r>
-          </a:p>
-          <a:p>
-            <a:pPr lvl="1">
-              <a:defRPr b="1"/>
-            </a:pPr>
-            <a:r>
-              <a:t>Best Effort (Low): 95% Threshold</a:t>
-            </a:r>
-          </a:p>
-          <a:p>
-            <a:pPr lvl="1"/>
-            <a:r>
-              <a:t>Benefit: Best-effort traffic fills gaps without blocking high-priority flows.</a:t>
-            </a:r>
-          </a:p>
-        </p:txBody>
-      </p:sp>
-      <p:sp>
-        <p:nvSpPr>
-          <p:cNvPr id="4" name="Content Placeholder 3"/>
-          <p:cNvSpPr>
-            <a:spLocks noGrp="1"/>
-          </p:cNvSpPr>
-          <p:nvPr>
-            <p:ph idx="2" sz="half"/>
-          </p:nvPr>
-        </p:nvSpPr>
-        <p:spPr/>
-        <p:txBody>
-          <a:bodyPr/>
-          <a:lstStyle/>
-          <a:p/>
-        </p:txBody>
-      </p:sp>
       <p:pic>
         <p:nvPicPr>
-          <p:cNvPr id="5" name="Picture 4" descr="soft_vs_hard_cac_comparison.png"/>
+          <p:cNvPr id="2" name="Picture 1" descr="slide-06.png"/>
           <p:cNvPicPr>
             <a:picLocks noChangeAspect="1"/>
           </p:cNvPicPr>
@@ -4058,8 +3666,8 @@
         </p:blipFill>
         <p:spPr>
           <a:xfrm>
-            <a:off x="4648200" y="1600200"/>
-            <a:ext cx="4038600" cy="1121833"/>
+            <a:off x="0" y="0"/>
+            <a:ext cx="4608576" cy="3456432"/>
           </a:xfrm>
           <a:prstGeom prst="rect">
             <a:avLst/>
@@ -4084,100 +3692,9 @@
         <p:nvPr/>
       </p:nvGrpSpPr>
       <p:grpSpPr/>
-      <p:sp>
-        <p:nvSpPr>
-          <p:cNvPr id="2" name="Title 1"/>
-          <p:cNvSpPr>
-            <a:spLocks noGrp="1"/>
-          </p:cNvSpPr>
-          <p:nvPr>
-            <p:ph type="title"/>
-          </p:nvPr>
-        </p:nvSpPr>
-        <p:spPr/>
-        <p:txBody>
-          <a:bodyPr/>
-          <a:lstStyle/>
-          <a:p>
-            <a:r>
-              <a:t>Algorithm: AS-CAC+ (Adaptive)</a:t>
-            </a:r>
-          </a:p>
-        </p:txBody>
-      </p:sp>
-      <p:sp>
-        <p:nvSpPr>
-          <p:cNvPr id="3" name="Content Placeholder 2"/>
-          <p:cNvSpPr>
-            <a:spLocks noGrp="1"/>
-          </p:cNvSpPr>
-          <p:nvPr>
-            <p:ph idx="1" sz="half"/>
-          </p:nvPr>
-        </p:nvSpPr>
-        <p:spPr/>
-        <p:txBody>
-          <a:bodyPr/>
-          <a:lstStyle/>
-          <a:p>
-            <a:r>
-              <a:t>Dynamic Threshold Adjustment</a:t>
-            </a:r>
-          </a:p>
-          <a:p>
-            <a:pPr lvl="1"/>
-            <a:r>
-              <a:t>Monitors Packet Error Rate (PER) and Utilization.</a:t>
-            </a:r>
-          </a:p>
-          <a:p>
-            <a:pPr lvl="1"/>
-            <a:r>
-              <a:t>Adjusts Best-Effort threshold in real-time.</a:t>
-            </a:r>
-          </a:p>
-          <a:p>
-            <a:pPr lvl="1">
-              <a:defRPr b="1"/>
-            </a:pPr>
-            <a:r>
-              <a:t>Logic:</a:t>
-            </a:r>
-          </a:p>
-          <a:p>
-            <a:pPr lvl="2"/>
-            <a:r>
-              <a:t>If PER &gt; 5%: Decrease Threshold (Protect QoS)</a:t>
-            </a:r>
-          </a:p>
-          <a:p>
-            <a:pPr lvl="2"/>
-            <a:r>
-              <a:t>If PER &lt; 2%: Increase Threshold (Utilize Capacity)</a:t>
-            </a:r>
-          </a:p>
-        </p:txBody>
-      </p:sp>
-      <p:sp>
-        <p:nvSpPr>
-          <p:cNvPr id="4" name="Content Placeholder 3"/>
-          <p:cNvSpPr>
-            <a:spLocks noGrp="1"/>
-          </p:cNvSpPr>
-          <p:nvPr>
-            <p:ph idx="2" sz="half"/>
-          </p:nvPr>
-        </p:nvSpPr>
-        <p:spPr/>
-        <p:txBody>
-          <a:bodyPr/>
-          <a:lstStyle/>
-          <a:p/>
-        </p:txBody>
-      </p:sp>
       <p:pic>
         <p:nvPicPr>
-          <p:cNvPr id="5" name="Picture 4" descr="ascac_threshold_evolution.png"/>
+          <p:cNvPr id="2" name="Picture 1" descr="slide-07.png"/>
           <p:cNvPicPr>
             <a:picLocks noChangeAspect="1"/>
           </p:cNvPicPr>
@@ -4191,8 +3708,8 @@
         </p:blipFill>
         <p:spPr>
           <a:xfrm>
-            <a:off x="4648200" y="1600200"/>
-            <a:ext cx="4038600" cy="2002341"/>
+            <a:off x="0" y="0"/>
+            <a:ext cx="4608576" cy="3456432"/>
           </a:xfrm>
           <a:prstGeom prst="rect">
             <a:avLst/>
@@ -4217,30 +3734,9 @@
         <p:nvPr/>
       </p:nvGrpSpPr>
       <p:grpSpPr/>
-      <p:sp>
-        <p:nvSpPr>
-          <p:cNvPr id="2" name="Title 1"/>
-          <p:cNvSpPr>
-            <a:spLocks noGrp="1"/>
-          </p:cNvSpPr>
-          <p:nvPr>
-            <p:ph type="title"/>
-          </p:nvPr>
-        </p:nvSpPr>
-        <p:spPr/>
-        <p:txBody>
-          <a:bodyPr/>
-          <a:lstStyle/>
-          <a:p>
-            <a:r>
-              <a:t>Simulation Results: Latency Impact</a:t>
-            </a:r>
-          </a:p>
-        </p:txBody>
-      </p:sp>
       <p:pic>
         <p:nvPicPr>
-          <p:cNvPr id="3" name="Picture 2" descr="cac_vs_no_cac.png"/>
+          <p:cNvPr id="2" name="Picture 1" descr="slide-08.png"/>
           <p:cNvPicPr>
             <a:picLocks noChangeAspect="1"/>
           </p:cNvPicPr>
@@ -4254,43 +3750,14 @@
         </p:blipFill>
         <p:spPr>
           <a:xfrm>
-            <a:off x="1371600" y="1371600"/>
-            <a:ext cx="6400800" cy="2667000"/>
+            <a:off x="0" y="0"/>
+            <a:ext cx="4608576" cy="3456432"/>
           </a:xfrm>
           <a:prstGeom prst="rect">
             <a:avLst/>
           </a:prstGeom>
         </p:spPr>
       </p:pic>
-      <p:sp>
-        <p:nvSpPr>
-          <p:cNvPr id="4" name="TextBox 3"/>
-          <p:cNvSpPr txBox="1"/>
-          <p:nvPr/>
-        </p:nvSpPr>
-        <p:spPr>
-          <a:xfrm>
-            <a:off x="914400" y="5486400"/>
-            <a:ext cx="7315200" cy="914400"/>
-          </a:xfrm>
-          <a:prstGeom prst="rect">
-            <a:avLst/>
-          </a:prstGeom>
-          <a:noFill/>
-        </p:spPr>
-        <p:txBody>
-          <a:bodyPr wrap="none">
-            <a:spAutoFit/>
-          </a:bodyPr>
-          <a:lstStyle/>
-          <a:p>
-            <a:pPr algn="ctr"/>
-            <a:r>
-              <a:t>Without CAC, latency spikes &gt; 45ms. AS-CAC maintains &lt; 2ms.</a:t>
-            </a:r>
-          </a:p>
-        </p:txBody>
-      </p:sp>
     </p:spTree>
   </p:cSld>
   <p:clrMapOvr>
@@ -4309,30 +3776,9 @@
         <p:nvPr/>
       </p:nvGrpSpPr>
       <p:grpSpPr/>
-      <p:sp>
-        <p:nvSpPr>
-          <p:cNvPr id="2" name="Title 1"/>
-          <p:cNvSpPr>
-            <a:spLocks noGrp="1"/>
-          </p:cNvSpPr>
-          <p:nvPr>
-            <p:ph type="title"/>
-          </p:nvPr>
-        </p:nvSpPr>
-        <p:spPr/>
-        <p:txBody>
-          <a:bodyPr/>
-          <a:lstStyle/>
-          <a:p>
-            <a:r>
-              <a:t>Comprehensive Performance Analysis</a:t>
-            </a:r>
-          </a:p>
-        </p:txBody>
-      </p:sp>
       <p:pic>
         <p:nvPicPr>
-          <p:cNvPr id="3" name="Picture 2" descr="ascac_comprehensive_4panel.png"/>
+          <p:cNvPr id="2" name="Picture 1" descr="slide-09.png"/>
           <p:cNvPicPr>
             <a:picLocks noChangeAspect="1"/>
           </p:cNvPicPr>
@@ -4346,8 +3792,8 @@
         </p:blipFill>
         <p:spPr>
           <a:xfrm>
-            <a:off x="914400" y="1097280"/>
-            <a:ext cx="7315200" cy="5145532"/>
+            <a:off x="0" y="0"/>
+            <a:ext cx="4608576" cy="3456432"/>
           </a:xfrm>
           <a:prstGeom prst="rect">
             <a:avLst/>
